--- a/PPT REPORT.pptx
+++ b/PPT REPORT.pptx
@@ -6,21 +6,24 @@
   </p:sldMasterIdLst>
   <p:sldIdLst>
     <p:sldId id="256" r:id="rId2"/>
-    <p:sldId id="270" r:id="rId3"/>
-    <p:sldId id="271" r:id="rId4"/>
-    <p:sldId id="273" r:id="rId5"/>
-    <p:sldId id="269" r:id="rId6"/>
-    <p:sldId id="257" r:id="rId7"/>
-    <p:sldId id="258" r:id="rId8"/>
-    <p:sldId id="259" r:id="rId9"/>
-    <p:sldId id="260" r:id="rId10"/>
-    <p:sldId id="263" r:id="rId11"/>
-    <p:sldId id="261" r:id="rId12"/>
-    <p:sldId id="262" r:id="rId13"/>
-    <p:sldId id="264" r:id="rId14"/>
-    <p:sldId id="267" r:id="rId15"/>
-    <p:sldId id="268" r:id="rId16"/>
-    <p:sldId id="266" r:id="rId17"/>
+    <p:sldId id="274" r:id="rId3"/>
+    <p:sldId id="270" r:id="rId4"/>
+    <p:sldId id="271" r:id="rId5"/>
+    <p:sldId id="273" r:id="rId6"/>
+    <p:sldId id="275" r:id="rId7"/>
+    <p:sldId id="276" r:id="rId8"/>
+    <p:sldId id="269" r:id="rId9"/>
+    <p:sldId id="257" r:id="rId10"/>
+    <p:sldId id="258" r:id="rId11"/>
+    <p:sldId id="259" r:id="rId12"/>
+    <p:sldId id="260" r:id="rId13"/>
+    <p:sldId id="263" r:id="rId14"/>
+    <p:sldId id="261" r:id="rId15"/>
+    <p:sldId id="262" r:id="rId16"/>
+    <p:sldId id="264" r:id="rId17"/>
+    <p:sldId id="267" r:id="rId18"/>
+    <p:sldId id="268" r:id="rId19"/>
+    <p:sldId id="266" r:id="rId20"/>
   </p:sldIdLst>
   <p:sldSz cx="12192000" cy="6858000"/>
   <p:notesSz cx="6858000" cy="9144000"/>
@@ -276,7 +279,7 @@
           <a:p>
             <a:fld id="{162DCE13-0DCC-42ED-8634-8C9F682A2BC3}" type="datetimeFigureOut">
               <a:rPr lang="en-PH" smtClean="0"/>
-              <a:t>22/10/2023</a:t>
+              <a:t>24/10/2023</a:t>
             </a:fld>
             <a:endParaRPr lang="en-PH"/>
           </a:p>
@@ -476,7 +479,7 @@
           <a:p>
             <a:fld id="{162DCE13-0DCC-42ED-8634-8C9F682A2BC3}" type="datetimeFigureOut">
               <a:rPr lang="en-PH" smtClean="0"/>
-              <a:t>22/10/2023</a:t>
+              <a:t>24/10/2023</a:t>
             </a:fld>
             <a:endParaRPr lang="en-PH"/>
           </a:p>
@@ -686,7 +689,7 @@
           <a:p>
             <a:fld id="{162DCE13-0DCC-42ED-8634-8C9F682A2BC3}" type="datetimeFigureOut">
               <a:rPr lang="en-PH" smtClean="0"/>
-              <a:t>22/10/2023</a:t>
+              <a:t>24/10/2023</a:t>
             </a:fld>
             <a:endParaRPr lang="en-PH"/>
           </a:p>
@@ -886,7 +889,7 @@
           <a:p>
             <a:fld id="{162DCE13-0DCC-42ED-8634-8C9F682A2BC3}" type="datetimeFigureOut">
               <a:rPr lang="en-PH" smtClean="0"/>
-              <a:t>22/10/2023</a:t>
+              <a:t>24/10/2023</a:t>
             </a:fld>
             <a:endParaRPr lang="en-PH"/>
           </a:p>
@@ -1162,7 +1165,7 @@
           <a:p>
             <a:fld id="{162DCE13-0DCC-42ED-8634-8C9F682A2BC3}" type="datetimeFigureOut">
               <a:rPr lang="en-PH" smtClean="0"/>
-              <a:t>22/10/2023</a:t>
+              <a:t>24/10/2023</a:t>
             </a:fld>
             <a:endParaRPr lang="en-PH"/>
           </a:p>
@@ -1430,7 +1433,7 @@
           <a:p>
             <a:fld id="{162DCE13-0DCC-42ED-8634-8C9F682A2BC3}" type="datetimeFigureOut">
               <a:rPr lang="en-PH" smtClean="0"/>
-              <a:t>22/10/2023</a:t>
+              <a:t>24/10/2023</a:t>
             </a:fld>
             <a:endParaRPr lang="en-PH"/>
           </a:p>
@@ -1845,7 +1848,7 @@
           <a:p>
             <a:fld id="{162DCE13-0DCC-42ED-8634-8C9F682A2BC3}" type="datetimeFigureOut">
               <a:rPr lang="en-PH" smtClean="0"/>
-              <a:t>22/10/2023</a:t>
+              <a:t>24/10/2023</a:t>
             </a:fld>
             <a:endParaRPr lang="en-PH"/>
           </a:p>
@@ -1987,7 +1990,7 @@
           <a:p>
             <a:fld id="{162DCE13-0DCC-42ED-8634-8C9F682A2BC3}" type="datetimeFigureOut">
               <a:rPr lang="en-PH" smtClean="0"/>
-              <a:t>22/10/2023</a:t>
+              <a:t>24/10/2023</a:t>
             </a:fld>
             <a:endParaRPr lang="en-PH"/>
           </a:p>
@@ -2100,7 +2103,7 @@
           <a:p>
             <a:fld id="{162DCE13-0DCC-42ED-8634-8C9F682A2BC3}" type="datetimeFigureOut">
               <a:rPr lang="en-PH" smtClean="0"/>
-              <a:t>22/10/2023</a:t>
+              <a:t>24/10/2023</a:t>
             </a:fld>
             <a:endParaRPr lang="en-PH"/>
           </a:p>
@@ -2413,7 +2416,7 @@
           <a:p>
             <a:fld id="{162DCE13-0DCC-42ED-8634-8C9F682A2BC3}" type="datetimeFigureOut">
               <a:rPr lang="en-PH" smtClean="0"/>
-              <a:t>22/10/2023</a:t>
+              <a:t>24/10/2023</a:t>
             </a:fld>
             <a:endParaRPr lang="en-PH"/>
           </a:p>
@@ -2702,7 +2705,7 @@
           <a:p>
             <a:fld id="{162DCE13-0DCC-42ED-8634-8C9F682A2BC3}" type="datetimeFigureOut">
               <a:rPr lang="en-PH" smtClean="0"/>
-              <a:t>22/10/2023</a:t>
+              <a:t>24/10/2023</a:t>
             </a:fld>
             <a:endParaRPr lang="en-PH"/>
           </a:p>
@@ -2945,7 +2948,7 @@
           <a:p>
             <a:fld id="{162DCE13-0DCC-42ED-8634-8C9F682A2BC3}" type="datetimeFigureOut">
               <a:rPr lang="en-PH" smtClean="0"/>
-              <a:t>22/10/2023</a:t>
+              <a:t>24/10/2023</a:t>
             </a:fld>
             <a:endParaRPr lang="en-PH"/>
           </a:p>
@@ -3372,10 +3375,10 @@
       </p:grpSpPr>
       <p:sp>
         <p:nvSpPr>
-          <p:cNvPr id="6" name="TextBox 5">
-            <a:extLst>
-              <a:ext uri="{FF2B5EF4-FFF2-40B4-BE49-F238E27FC236}">
-                <a16:creationId xmlns:a16="http://schemas.microsoft.com/office/drawing/2014/main" id="{212C7CCA-BA5C-679A-B18A-B68CD9B1770E}"/>
+          <p:cNvPr id="3" name="TextBox 2">
+            <a:extLst>
+              <a:ext uri="{FF2B5EF4-FFF2-40B4-BE49-F238E27FC236}">
+                <a16:creationId xmlns:a16="http://schemas.microsoft.com/office/drawing/2014/main" id="{827A7CCF-69C6-6468-3C34-4DA00EA3A850}"/>
               </a:ext>
             </a:extLst>
           </p:cNvPr>
@@ -3384,8 +3387,8 @@
         </p:nvSpPr>
         <p:spPr>
           <a:xfrm>
-            <a:off x="966188" y="1356189"/>
-            <a:ext cx="10259623" cy="4145622"/>
+            <a:off x="500740" y="2816364"/>
+            <a:ext cx="9398633" cy="1225272"/>
           </a:xfrm>
           <a:prstGeom prst="rect">
             <a:avLst/>
@@ -3398,147 +3401,6 @@
           </a:bodyPr>
           <a:lstStyle/>
           <a:p>
-            <a:pPr algn="l"/>
-            <a:r>
-              <a:rPr lang="en-US" sz="3200" b="0" i="0" dirty="0">
-                <a:effectLst/>
-                <a:latin typeface="Neutraface Text Bold"/>
-              </a:rPr>
-              <a:t>Why Study JavaScript?</a:t>
-            </a:r>
-          </a:p>
-          <a:p>
-            <a:pPr algn="l"/>
-            <a:r>
-              <a:rPr lang="en-US" sz="3200" b="0" i="0" dirty="0">
-                <a:effectLst/>
-                <a:latin typeface="Neutraface Text Bold"/>
-              </a:rPr>
-              <a:t>JavaScript is one of the </a:t>
-            </a:r>
-            <a:r>
-              <a:rPr lang="en-US" sz="3200" b="1" i="0" dirty="0">
-                <a:effectLst/>
-                <a:latin typeface="Neutraface Text Bold"/>
-              </a:rPr>
-              <a:t>3 languages</a:t>
-            </a:r>
-            <a:r>
-              <a:rPr lang="en-US" sz="3200" b="0" i="0" dirty="0">
-                <a:effectLst/>
-                <a:latin typeface="Neutraface Text Bold"/>
-              </a:rPr>
-              <a:t> all web developers </a:t>
-            </a:r>
-            <a:r>
-              <a:rPr lang="en-US" sz="3200" b="1" i="0" dirty="0">
-                <a:effectLst/>
-                <a:latin typeface="Neutraface Text Bold"/>
-              </a:rPr>
-              <a:t>must</a:t>
-            </a:r>
-            <a:r>
-              <a:rPr lang="en-US" sz="3200" b="0" i="0" dirty="0">
-                <a:effectLst/>
-                <a:latin typeface="Neutraface Text Bold"/>
-              </a:rPr>
-              <a:t> learn:</a:t>
-            </a:r>
-          </a:p>
-          <a:p>
-            <a:pPr algn="l"/>
-            <a:endParaRPr lang="en-US" sz="3200" b="0" i="0" dirty="0">
-              <a:effectLst/>
-              <a:latin typeface="Neutraface Text Bold"/>
-            </a:endParaRPr>
-          </a:p>
-          <a:p>
-            <a:pPr algn="l"/>
-            <a:r>
-              <a:rPr lang="en-US" sz="3200" b="0" i="0" dirty="0">
-                <a:effectLst/>
-                <a:latin typeface="Neutraface Text Bold"/>
-              </a:rPr>
-              <a:t>   1. </a:t>
-            </a:r>
-            <a:r>
-              <a:rPr lang="en-US" sz="3200" b="1" i="0" dirty="0">
-                <a:effectLst/>
-                <a:latin typeface="Neutraface Text Bold"/>
-                <a:hlinkClick r:id="rId2">
-                  <a:extLst>
-                    <a:ext uri="{A12FA001-AC4F-418D-AE19-62706E023703}">
-                      <ahyp:hlinkClr xmlns:ahyp="http://schemas.microsoft.com/office/drawing/2018/hyperlinkcolor" val="tx"/>
-                    </a:ext>
-                  </a:extLst>
-                </a:hlinkClick>
-              </a:rPr>
-              <a:t>HTML</a:t>
-            </a:r>
-            <a:r>
-              <a:rPr lang="en-US" sz="3200" b="0" i="0" dirty="0">
-                <a:effectLst/>
-                <a:latin typeface="Neutraface Text Bold"/>
-              </a:rPr>
-              <a:t> = Structure</a:t>
-            </a:r>
-          </a:p>
-          <a:p>
-            <a:pPr algn="l"/>
-            <a:r>
-              <a:rPr lang="en-US" sz="3200" b="0" i="0" dirty="0">
-                <a:effectLst/>
-                <a:latin typeface="Neutraface Text Bold"/>
-              </a:rPr>
-              <a:t>   2. </a:t>
-            </a:r>
-            <a:r>
-              <a:rPr lang="en-US" sz="3200" b="1" i="0" dirty="0">
-                <a:effectLst/>
-                <a:latin typeface="Neutraface Text Bold"/>
-                <a:hlinkClick r:id="rId3">
-                  <a:extLst>
-                    <a:ext uri="{A12FA001-AC4F-418D-AE19-62706E023703}">
-                      <ahyp:hlinkClr xmlns:ahyp="http://schemas.microsoft.com/office/drawing/2018/hyperlinkcolor" val="tx"/>
-                    </a:ext>
-                  </a:extLst>
-                </a:hlinkClick>
-              </a:rPr>
-              <a:t>CSS</a:t>
-            </a:r>
-            <a:r>
-              <a:rPr lang="en-US" sz="3200" b="0" i="0" dirty="0">
-                <a:effectLst/>
-                <a:latin typeface="Neutraface Text Bold"/>
-              </a:rPr>
-              <a:t> = Style</a:t>
-            </a:r>
-          </a:p>
-          <a:p>
-            <a:pPr algn="l"/>
-            <a:r>
-              <a:rPr lang="en-US" sz="3200" b="0" i="0" dirty="0">
-                <a:effectLst/>
-                <a:latin typeface="Neutraface Text Bold"/>
-              </a:rPr>
-              <a:t>   3. </a:t>
-            </a:r>
-            <a:r>
-              <a:rPr lang="en-US" sz="3200" b="1" i="0" dirty="0">
-                <a:effectLst/>
-                <a:latin typeface="Neutraface Text Bold"/>
-              </a:rPr>
-              <a:t>JavaScript</a:t>
-            </a:r>
-            <a:r>
-              <a:rPr lang="en-US" sz="3200" b="0" i="0" dirty="0">
-                <a:effectLst/>
-                <a:latin typeface="Neutraface Text Bold"/>
-              </a:rPr>
-              <a:t> = Behavior</a:t>
-            </a:r>
-          </a:p>
-          <a:p>
             <a:pPr marL="0" marR="0">
               <a:lnSpc>
                 <a:spcPct val="107000"/>
@@ -3550,6 +3412,29 @@
                 <a:spcPts val="750"/>
               </a:spcAft>
             </a:pPr>
+            <a:r>
+              <a:rPr lang="en-PH" sz="7200" kern="1800" dirty="0">
+                <a:solidFill>
+                  <a:srgbClr val="000000"/>
+                </a:solidFill>
+                <a:effectLst/>
+                <a:latin typeface="Neutraface Text Bold"/>
+                <a:ea typeface="Times New Roman" panose="02020603050405020304" pitchFamily="18" charset="0"/>
+                <a:cs typeface="Times New Roman" panose="02020603050405020304" pitchFamily="18" charset="0"/>
+              </a:rPr>
+              <a:t>JavaScript </a:t>
+            </a:r>
+            <a:r>
+              <a:rPr lang="en-PH" sz="7200" kern="1800" dirty="0">
+                <a:solidFill>
+                  <a:srgbClr val="000000"/>
+                </a:solidFill>
+                <a:latin typeface="Neutraface Text Bold"/>
+                <a:ea typeface="Times New Roman" panose="02020603050405020304" pitchFamily="18" charset="0"/>
+                <a:cs typeface="Times New Roman" panose="02020603050405020304" pitchFamily="18" charset="0"/>
+              </a:rPr>
+              <a:t>Fundamentals</a:t>
+            </a:r>
             <a:endParaRPr lang="en-PH" sz="3200" kern="100" dirty="0">
               <a:effectLst/>
               <a:latin typeface="Neutraface Text Bold"/>
@@ -3573,3614 +3458,6 @@
 </file>
 
 <file path=ppt/slides/slide10.xml><?xml version="1.0" encoding="utf-8"?>
-<p:sld xmlns:a="http://schemas.openxmlformats.org/drawingml/2006/main" xmlns:r="http://schemas.openxmlformats.org/officeDocument/2006/relationships" xmlns:p="http://schemas.openxmlformats.org/presentationml/2006/main">
-  <p:cSld>
-    <p:bg>
-      <p:bgPr>
-        <a:solidFill>
-          <a:srgbClr val="F0DB4F"/>
-        </a:solidFill>
-        <a:effectLst/>
-      </p:bgPr>
-    </p:bg>
-    <p:spTree>
-      <p:nvGrpSpPr>
-        <p:cNvPr id="1" name=""/>
-        <p:cNvGrpSpPr/>
-        <p:nvPr/>
-      </p:nvGrpSpPr>
-      <p:grpSpPr>
-        <a:xfrm>
-          <a:off x="0" y="0"/>
-          <a:ext cx="0" cy="0"/>
-          <a:chOff x="0" y="0"/>
-          <a:chExt cx="0" cy="0"/>
-        </a:xfrm>
-      </p:grpSpPr>
-      <p:sp>
-        <p:nvSpPr>
-          <p:cNvPr id="3" name="TextBox 2">
-            <a:extLst>
-              <a:ext uri="{FF2B5EF4-FFF2-40B4-BE49-F238E27FC236}">
-                <a16:creationId xmlns:a16="http://schemas.microsoft.com/office/drawing/2014/main" id="{19CB3E84-7F62-9762-565D-9883135DE4FA}"/>
-              </a:ext>
-            </a:extLst>
-          </p:cNvPr>
-          <p:cNvSpPr txBox="1"/>
-          <p:nvPr/>
-        </p:nvSpPr>
-        <p:spPr>
-          <a:xfrm>
-            <a:off x="235069" y="336456"/>
-            <a:ext cx="6493535" cy="1546834"/>
-          </a:xfrm>
-          <a:prstGeom prst="rect">
-            <a:avLst/>
-          </a:prstGeom>
-          <a:noFill/>
-        </p:spPr>
-        <p:txBody>
-          <a:bodyPr wrap="square">
-            <a:spAutoFit/>
-          </a:bodyPr>
-          <a:lstStyle/>
-          <a:p>
-            <a:pPr marL="0" marR="0">
-              <a:lnSpc>
-                <a:spcPct val="107000"/>
-              </a:lnSpc>
-              <a:spcBef>
-                <a:spcPts val="750"/>
-              </a:spcBef>
-              <a:spcAft>
-                <a:spcPts val="750"/>
-              </a:spcAft>
-            </a:pPr>
-            <a:r>
-              <a:rPr lang="en-PH" sz="3600" kern="0" dirty="0">
-                <a:solidFill>
-                  <a:srgbClr val="000000"/>
-                </a:solidFill>
-                <a:effectLst/>
-                <a:latin typeface="Neutraface Text Bold"/>
-                <a:ea typeface="Times New Roman" panose="02020603050405020304" pitchFamily="18" charset="0"/>
-                <a:cs typeface="Times New Roman" panose="02020603050405020304" pitchFamily="18" charset="0"/>
-              </a:rPr>
-              <a:t>Object Properties</a:t>
-            </a:r>
-            <a:endParaRPr lang="en-PH" sz="1600" kern="100" dirty="0">
-              <a:effectLst/>
-              <a:latin typeface="Neutraface Text Bold"/>
-              <a:ea typeface="Calibri" panose="020F0502020204030204" pitchFamily="34" charset="0"/>
-              <a:cs typeface="Times New Roman" panose="02020603050405020304" pitchFamily="18" charset="0"/>
-            </a:endParaRPr>
-          </a:p>
-          <a:p>
-            <a:pPr marL="0" marR="0">
-              <a:lnSpc>
-                <a:spcPct val="107000"/>
-              </a:lnSpc>
-              <a:spcBef>
-                <a:spcPts val="1440"/>
-              </a:spcBef>
-              <a:spcAft>
-                <a:spcPts val="1440"/>
-              </a:spcAft>
-            </a:pPr>
-            <a:r>
-              <a:rPr lang="en-PH" sz="1800" kern="0" dirty="0">
-                <a:solidFill>
-                  <a:srgbClr val="000000"/>
-                </a:solidFill>
-                <a:effectLst/>
-                <a:latin typeface="Neutraface Text Bold"/>
-                <a:ea typeface="Times New Roman" panose="02020603050405020304" pitchFamily="18" charset="0"/>
-                <a:cs typeface="Times New Roman" panose="02020603050405020304" pitchFamily="18" charset="0"/>
-              </a:rPr>
-              <a:t>The </a:t>
-            </a:r>
-            <a:r>
-              <a:rPr lang="en-PH" sz="1800" b="1" kern="0" dirty="0" err="1">
-                <a:solidFill>
-                  <a:srgbClr val="000000"/>
-                </a:solidFill>
-                <a:effectLst/>
-                <a:latin typeface="Neutraface Text Bold"/>
-                <a:ea typeface="Times New Roman" panose="02020603050405020304" pitchFamily="18" charset="0"/>
-                <a:cs typeface="Times New Roman" panose="02020603050405020304" pitchFamily="18" charset="0"/>
-              </a:rPr>
-              <a:t>name:values</a:t>
-            </a:r>
-            <a:r>
-              <a:rPr lang="en-PH" sz="1800" b="1" kern="0" dirty="0">
-                <a:solidFill>
-                  <a:srgbClr val="000000"/>
-                </a:solidFill>
-                <a:effectLst/>
-                <a:latin typeface="Neutraface Text Bold"/>
-                <a:ea typeface="Times New Roman" panose="02020603050405020304" pitchFamily="18" charset="0"/>
-                <a:cs typeface="Times New Roman" panose="02020603050405020304" pitchFamily="18" charset="0"/>
-              </a:rPr>
-              <a:t> (property-value)</a:t>
-            </a:r>
-            <a:r>
-              <a:rPr lang="en-PH" sz="1800" kern="0" dirty="0">
-                <a:solidFill>
-                  <a:srgbClr val="000000"/>
-                </a:solidFill>
-                <a:effectLst/>
-                <a:latin typeface="Neutraface Text Bold"/>
-                <a:ea typeface="Times New Roman" panose="02020603050405020304" pitchFamily="18" charset="0"/>
-                <a:cs typeface="Times New Roman" panose="02020603050405020304" pitchFamily="18" charset="0"/>
-              </a:rPr>
-              <a:t> pairs in JavaScript objects are called </a:t>
-            </a:r>
-            <a:r>
-              <a:rPr lang="en-PH" sz="1800" b="1" kern="0" dirty="0">
-                <a:solidFill>
-                  <a:srgbClr val="000000"/>
-                </a:solidFill>
-                <a:effectLst/>
-                <a:latin typeface="Neutraface Text Bold"/>
-                <a:ea typeface="Times New Roman" panose="02020603050405020304" pitchFamily="18" charset="0"/>
-                <a:cs typeface="Times New Roman" panose="02020603050405020304" pitchFamily="18" charset="0"/>
-              </a:rPr>
-              <a:t>properties</a:t>
-            </a:r>
-            <a:r>
-              <a:rPr lang="en-PH" sz="1800" kern="0" dirty="0">
-                <a:solidFill>
-                  <a:srgbClr val="000000"/>
-                </a:solidFill>
-                <a:effectLst/>
-                <a:latin typeface="Neutraface Text Bold"/>
-                <a:ea typeface="Times New Roman" panose="02020603050405020304" pitchFamily="18" charset="0"/>
-                <a:cs typeface="Times New Roman" panose="02020603050405020304" pitchFamily="18" charset="0"/>
-              </a:rPr>
-              <a:t>:</a:t>
-            </a:r>
-            <a:endParaRPr lang="en-PH" sz="1600" kern="100" dirty="0">
-              <a:effectLst/>
-              <a:latin typeface="Neutraface Text Bold"/>
-              <a:ea typeface="Calibri" panose="020F0502020204030204" pitchFamily="34" charset="0"/>
-              <a:cs typeface="Times New Roman" panose="02020603050405020304" pitchFamily="18" charset="0"/>
-            </a:endParaRPr>
-          </a:p>
-        </p:txBody>
-      </p:sp>
-      <p:graphicFrame>
-        <p:nvGraphicFramePr>
-          <p:cNvPr id="4" name="Table 3">
-            <a:extLst>
-              <a:ext uri="{FF2B5EF4-FFF2-40B4-BE49-F238E27FC236}">
-                <a16:creationId xmlns:a16="http://schemas.microsoft.com/office/drawing/2014/main" id="{2879E516-ADBD-8D93-80AA-50E42231F819}"/>
-              </a:ext>
-            </a:extLst>
-          </p:cNvPr>
-          <p:cNvGraphicFramePr>
-            <a:graphicFrameLocks noGrp="1"/>
-          </p:cNvGraphicFramePr>
-          <p:nvPr/>
-        </p:nvGraphicFramePr>
-        <p:xfrm>
-          <a:off x="235069" y="1885039"/>
-          <a:ext cx="7528706" cy="2122100"/>
-        </p:xfrm>
-        <a:graphic>
-          <a:graphicData uri="http://schemas.openxmlformats.org/drawingml/2006/table">
-            <a:tbl>
-              <a:tblPr firstRow="1" firstCol="1" bandRow="1">
-                <a:tableStyleId>{5C22544A-7EE6-4342-B048-85BDC9FD1C3A}</a:tableStyleId>
-              </a:tblPr>
-              <a:tblGrid>
-                <a:gridCol w="1504386">
-                  <a:extLst>
-                    <a:ext uri="{9D8B030D-6E8A-4147-A177-3AD203B41FA5}">
-                      <a16:colId xmlns:a16="http://schemas.microsoft.com/office/drawing/2014/main" val="3278774486"/>
-                    </a:ext>
-                  </a:extLst>
-                </a:gridCol>
-                <a:gridCol w="6024320">
-                  <a:extLst>
-                    <a:ext uri="{9D8B030D-6E8A-4147-A177-3AD203B41FA5}">
-                      <a16:colId xmlns:a16="http://schemas.microsoft.com/office/drawing/2014/main" val="3167115500"/>
-                    </a:ext>
-                  </a:extLst>
-                </a:gridCol>
-              </a:tblGrid>
-              <a:tr h="424420">
-                <a:tc>
-                  <a:txBody>
-                    <a:bodyPr/>
-                    <a:lstStyle/>
-                    <a:p>
-                      <a:pPr marL="0" marR="0">
-                        <a:lnSpc>
-                          <a:spcPct val="107000"/>
-                        </a:lnSpc>
-                        <a:spcBef>
-                          <a:spcPts val="1500"/>
-                        </a:spcBef>
-                        <a:spcAft>
-                          <a:spcPts val="1500"/>
-                        </a:spcAft>
-                      </a:pPr>
-                      <a:r>
-                        <a:rPr lang="en-PH" sz="1000" kern="0" dirty="0">
-                          <a:effectLst/>
-                        </a:rPr>
-                        <a:t>Property</a:t>
-                      </a:r>
-                      <a:endParaRPr lang="en-PH" sz="1000" kern="100" dirty="0">
-                        <a:effectLst/>
-                        <a:latin typeface="Calibri" panose="020F0502020204030204" pitchFamily="34" charset="0"/>
-                        <a:ea typeface="Calibri" panose="020F0502020204030204" pitchFamily="34" charset="0"/>
-                        <a:cs typeface="Times New Roman" panose="02020603050405020304" pitchFamily="18" charset="0"/>
-                      </a:endParaRPr>
-                    </a:p>
-                  </a:txBody>
-                  <a:tcPr marL="133553" marR="66776" marT="66776" marB="66776"/>
-                </a:tc>
-                <a:tc>
-                  <a:txBody>
-                    <a:bodyPr/>
-                    <a:lstStyle/>
-                    <a:p>
-                      <a:pPr marL="0" marR="0">
-                        <a:lnSpc>
-                          <a:spcPct val="107000"/>
-                        </a:lnSpc>
-                        <a:spcBef>
-                          <a:spcPts val="1500"/>
-                        </a:spcBef>
-                        <a:spcAft>
-                          <a:spcPts val="1500"/>
-                        </a:spcAft>
-                      </a:pPr>
-                      <a:r>
-                        <a:rPr lang="en-PH" sz="1000" kern="0" dirty="0">
-                          <a:effectLst/>
-                        </a:rPr>
-                        <a:t>Property Value</a:t>
-                      </a:r>
-                      <a:endParaRPr lang="en-PH" sz="1000" kern="100" dirty="0">
-                        <a:effectLst/>
-                        <a:latin typeface="Calibri" panose="020F0502020204030204" pitchFamily="34" charset="0"/>
-                        <a:ea typeface="Calibri" panose="020F0502020204030204" pitchFamily="34" charset="0"/>
-                        <a:cs typeface="Times New Roman" panose="02020603050405020304" pitchFamily="18" charset="0"/>
-                      </a:endParaRPr>
-                    </a:p>
-                  </a:txBody>
-                  <a:tcPr marL="66776" marR="66776" marT="66776" marB="66776"/>
-                </a:tc>
-                <a:extLst>
-                  <a:ext uri="{0D108BD9-81ED-4DB2-BD59-A6C34878D82A}">
-                    <a16:rowId xmlns:a16="http://schemas.microsoft.com/office/drawing/2014/main" val="1403836859"/>
-                  </a:ext>
-                </a:extLst>
-              </a:tr>
-              <a:tr h="424420">
-                <a:tc>
-                  <a:txBody>
-                    <a:bodyPr/>
-                    <a:lstStyle/>
-                    <a:p>
-                      <a:pPr marL="0" marR="0">
-                        <a:lnSpc>
-                          <a:spcPct val="107000"/>
-                        </a:lnSpc>
-                        <a:spcBef>
-                          <a:spcPts val="1500"/>
-                        </a:spcBef>
-                        <a:spcAft>
-                          <a:spcPts val="1500"/>
-                        </a:spcAft>
-                      </a:pPr>
-                      <a:r>
-                        <a:rPr lang="en-PH" sz="1000" kern="0" dirty="0" err="1">
-                          <a:effectLst/>
-                        </a:rPr>
-                        <a:t>firstName</a:t>
-                      </a:r>
-                      <a:endParaRPr lang="en-PH" sz="1000" kern="100" dirty="0">
-                        <a:effectLst/>
-                        <a:latin typeface="Calibri" panose="020F0502020204030204" pitchFamily="34" charset="0"/>
-                        <a:ea typeface="Calibri" panose="020F0502020204030204" pitchFamily="34" charset="0"/>
-                        <a:cs typeface="Times New Roman" panose="02020603050405020304" pitchFamily="18" charset="0"/>
-                      </a:endParaRPr>
-                    </a:p>
-                  </a:txBody>
-                  <a:tcPr marL="133553" marR="66776" marT="66776" marB="66776"/>
-                </a:tc>
-                <a:tc>
-                  <a:txBody>
-                    <a:bodyPr/>
-                    <a:lstStyle/>
-                    <a:p>
-                      <a:pPr marL="0" marR="0">
-                        <a:lnSpc>
-                          <a:spcPct val="107000"/>
-                        </a:lnSpc>
-                        <a:spcBef>
-                          <a:spcPts val="1500"/>
-                        </a:spcBef>
-                        <a:spcAft>
-                          <a:spcPts val="1500"/>
-                        </a:spcAft>
-                      </a:pPr>
-                      <a:r>
-                        <a:rPr lang="en-US" sz="1000" kern="0" dirty="0">
-                          <a:effectLst/>
-                          <a:latin typeface="Calibri" panose="020F0502020204030204" pitchFamily="34" charset="0"/>
-                          <a:ea typeface="Calibri" panose="020F0502020204030204" pitchFamily="34" charset="0"/>
-                          <a:cs typeface="Times New Roman" panose="02020603050405020304" pitchFamily="18" charset="0"/>
-                        </a:rPr>
-                        <a:t>Kevin</a:t>
-                      </a:r>
-                      <a:endParaRPr lang="en-PH" sz="1000" kern="100" dirty="0">
-                        <a:effectLst/>
-                        <a:latin typeface="Calibri" panose="020F0502020204030204" pitchFamily="34" charset="0"/>
-                        <a:ea typeface="Calibri" panose="020F0502020204030204" pitchFamily="34" charset="0"/>
-                        <a:cs typeface="Times New Roman" panose="02020603050405020304" pitchFamily="18" charset="0"/>
-                      </a:endParaRPr>
-                    </a:p>
-                  </a:txBody>
-                  <a:tcPr marL="66776" marR="66776" marT="66776" marB="66776"/>
-                </a:tc>
-                <a:extLst>
-                  <a:ext uri="{0D108BD9-81ED-4DB2-BD59-A6C34878D82A}">
-                    <a16:rowId xmlns:a16="http://schemas.microsoft.com/office/drawing/2014/main" val="119346653"/>
-                  </a:ext>
-                </a:extLst>
-              </a:tr>
-              <a:tr h="424420">
-                <a:tc>
-                  <a:txBody>
-                    <a:bodyPr/>
-                    <a:lstStyle/>
-                    <a:p>
-                      <a:pPr marL="0" marR="0">
-                        <a:lnSpc>
-                          <a:spcPct val="107000"/>
-                        </a:lnSpc>
-                        <a:spcBef>
-                          <a:spcPts val="1500"/>
-                        </a:spcBef>
-                        <a:spcAft>
-                          <a:spcPts val="1500"/>
-                        </a:spcAft>
-                      </a:pPr>
-                      <a:r>
-                        <a:rPr lang="en-PH" sz="1000" kern="0" dirty="0" err="1">
-                          <a:effectLst/>
-                        </a:rPr>
-                        <a:t>lastName</a:t>
-                      </a:r>
-                      <a:endParaRPr lang="en-PH" sz="1000" kern="100" dirty="0">
-                        <a:effectLst/>
-                        <a:latin typeface="Calibri" panose="020F0502020204030204" pitchFamily="34" charset="0"/>
-                        <a:ea typeface="Calibri" panose="020F0502020204030204" pitchFamily="34" charset="0"/>
-                        <a:cs typeface="Times New Roman" panose="02020603050405020304" pitchFamily="18" charset="0"/>
-                      </a:endParaRPr>
-                    </a:p>
-                  </a:txBody>
-                  <a:tcPr marL="133553" marR="66776" marT="66776" marB="66776"/>
-                </a:tc>
-                <a:tc>
-                  <a:txBody>
-                    <a:bodyPr/>
-                    <a:lstStyle/>
-                    <a:p>
-                      <a:pPr marL="0" marR="0">
-                        <a:lnSpc>
-                          <a:spcPct val="107000"/>
-                        </a:lnSpc>
-                        <a:spcBef>
-                          <a:spcPts val="1500"/>
-                        </a:spcBef>
-                        <a:spcAft>
-                          <a:spcPts val="1500"/>
-                        </a:spcAft>
-                      </a:pPr>
-                      <a:r>
-                        <a:rPr lang="en-US" sz="1000" kern="0" dirty="0">
-                          <a:effectLst/>
-                          <a:latin typeface="Calibri" panose="020F0502020204030204" pitchFamily="34" charset="0"/>
-                          <a:ea typeface="Calibri" panose="020F0502020204030204" pitchFamily="34" charset="0"/>
-                          <a:cs typeface="Times New Roman" panose="02020603050405020304" pitchFamily="18" charset="0"/>
-                        </a:rPr>
-                        <a:t>D</a:t>
-                      </a:r>
-                      <a:r>
-                        <a:rPr lang="en-PH" sz="1000" kern="0" dirty="0" err="1">
-                          <a:effectLst/>
-                          <a:latin typeface="Calibri" panose="020F0502020204030204" pitchFamily="34" charset="0"/>
-                          <a:ea typeface="Calibri" panose="020F0502020204030204" pitchFamily="34" charset="0"/>
-                          <a:cs typeface="Times New Roman" panose="02020603050405020304" pitchFamily="18" charset="0"/>
-                        </a:rPr>
-                        <a:t>urant</a:t>
-                      </a:r>
-                      <a:endParaRPr lang="en-PH" sz="1000" kern="100" dirty="0">
-                        <a:effectLst/>
-                        <a:latin typeface="Calibri" panose="020F0502020204030204" pitchFamily="34" charset="0"/>
-                        <a:ea typeface="Calibri" panose="020F0502020204030204" pitchFamily="34" charset="0"/>
-                        <a:cs typeface="Times New Roman" panose="02020603050405020304" pitchFamily="18" charset="0"/>
-                      </a:endParaRPr>
-                    </a:p>
-                  </a:txBody>
-                  <a:tcPr marL="66776" marR="66776" marT="66776" marB="66776"/>
-                </a:tc>
-                <a:extLst>
-                  <a:ext uri="{0D108BD9-81ED-4DB2-BD59-A6C34878D82A}">
-                    <a16:rowId xmlns:a16="http://schemas.microsoft.com/office/drawing/2014/main" val="948555828"/>
-                  </a:ext>
-                </a:extLst>
-              </a:tr>
-              <a:tr h="424420">
-                <a:tc>
-                  <a:txBody>
-                    <a:bodyPr/>
-                    <a:lstStyle/>
-                    <a:p>
-                      <a:pPr marL="0" marR="0">
-                        <a:lnSpc>
-                          <a:spcPct val="107000"/>
-                        </a:lnSpc>
-                        <a:spcBef>
-                          <a:spcPts val="1500"/>
-                        </a:spcBef>
-                        <a:spcAft>
-                          <a:spcPts val="1500"/>
-                        </a:spcAft>
-                      </a:pPr>
-                      <a:r>
-                        <a:rPr lang="en-PH" sz="1000" kern="0">
-                          <a:effectLst/>
-                        </a:rPr>
-                        <a:t>age</a:t>
-                      </a:r>
-                      <a:endParaRPr lang="en-PH" sz="1000" kern="100">
-                        <a:effectLst/>
-                        <a:latin typeface="Calibri" panose="020F0502020204030204" pitchFamily="34" charset="0"/>
-                        <a:ea typeface="Calibri" panose="020F0502020204030204" pitchFamily="34" charset="0"/>
-                        <a:cs typeface="Times New Roman" panose="02020603050405020304" pitchFamily="18" charset="0"/>
-                      </a:endParaRPr>
-                    </a:p>
-                  </a:txBody>
-                  <a:tcPr marL="133553" marR="66776" marT="66776" marB="66776"/>
-                </a:tc>
-                <a:tc>
-                  <a:txBody>
-                    <a:bodyPr/>
-                    <a:lstStyle/>
-                    <a:p>
-                      <a:pPr marL="0" marR="0">
-                        <a:lnSpc>
-                          <a:spcPct val="107000"/>
-                        </a:lnSpc>
-                        <a:spcBef>
-                          <a:spcPts val="1500"/>
-                        </a:spcBef>
-                        <a:spcAft>
-                          <a:spcPts val="1500"/>
-                        </a:spcAft>
-                      </a:pPr>
-                      <a:r>
-                        <a:rPr lang="en-US" sz="1000" kern="0" dirty="0">
-                          <a:effectLst/>
-                          <a:latin typeface="Calibri" panose="020F0502020204030204" pitchFamily="34" charset="0"/>
-                          <a:ea typeface="Calibri" panose="020F0502020204030204" pitchFamily="34" charset="0"/>
-                          <a:cs typeface="Times New Roman" panose="02020603050405020304" pitchFamily="18" charset="0"/>
-                        </a:rPr>
-                        <a:t>3</a:t>
-                      </a:r>
-                      <a:r>
-                        <a:rPr lang="en-PH" sz="1000" kern="0" dirty="0">
-                          <a:effectLst/>
-                          <a:latin typeface="Calibri" panose="020F0502020204030204" pitchFamily="34" charset="0"/>
-                          <a:ea typeface="Calibri" panose="020F0502020204030204" pitchFamily="34" charset="0"/>
-                          <a:cs typeface="Times New Roman" panose="02020603050405020304" pitchFamily="18" charset="0"/>
-                        </a:rPr>
-                        <a:t>5</a:t>
-                      </a:r>
-                      <a:endParaRPr lang="en-PH" sz="1000" kern="100" dirty="0">
-                        <a:effectLst/>
-                        <a:latin typeface="Calibri" panose="020F0502020204030204" pitchFamily="34" charset="0"/>
-                        <a:ea typeface="Calibri" panose="020F0502020204030204" pitchFamily="34" charset="0"/>
-                        <a:cs typeface="Times New Roman" panose="02020603050405020304" pitchFamily="18" charset="0"/>
-                      </a:endParaRPr>
-                    </a:p>
-                  </a:txBody>
-                  <a:tcPr marL="66776" marR="66776" marT="66776" marB="66776"/>
-                </a:tc>
-                <a:extLst>
-                  <a:ext uri="{0D108BD9-81ED-4DB2-BD59-A6C34878D82A}">
-                    <a16:rowId xmlns:a16="http://schemas.microsoft.com/office/drawing/2014/main" val="3568045477"/>
-                  </a:ext>
-                </a:extLst>
-              </a:tr>
-              <a:tr h="424420">
-                <a:tc>
-                  <a:txBody>
-                    <a:bodyPr/>
-                    <a:lstStyle/>
-                    <a:p>
-                      <a:pPr marL="0" marR="0">
-                        <a:lnSpc>
-                          <a:spcPct val="107000"/>
-                        </a:lnSpc>
-                        <a:spcBef>
-                          <a:spcPts val="1500"/>
-                        </a:spcBef>
-                        <a:spcAft>
-                          <a:spcPts val="1500"/>
-                        </a:spcAft>
-                      </a:pPr>
-                      <a:r>
-                        <a:rPr lang="en-PH" sz="1000" kern="0">
-                          <a:effectLst/>
-                        </a:rPr>
-                        <a:t>eyeColor</a:t>
-                      </a:r>
-                      <a:endParaRPr lang="en-PH" sz="1000" kern="100">
-                        <a:effectLst/>
-                        <a:latin typeface="Calibri" panose="020F0502020204030204" pitchFamily="34" charset="0"/>
-                        <a:ea typeface="Calibri" panose="020F0502020204030204" pitchFamily="34" charset="0"/>
-                        <a:cs typeface="Times New Roman" panose="02020603050405020304" pitchFamily="18" charset="0"/>
-                      </a:endParaRPr>
-                    </a:p>
-                  </a:txBody>
-                  <a:tcPr marL="133553" marR="66776" marT="66776" marB="66776"/>
-                </a:tc>
-                <a:tc>
-                  <a:txBody>
-                    <a:bodyPr/>
-                    <a:lstStyle/>
-                    <a:p>
-                      <a:pPr marL="0" marR="0">
-                        <a:lnSpc>
-                          <a:spcPct val="107000"/>
-                        </a:lnSpc>
-                        <a:spcBef>
-                          <a:spcPts val="1500"/>
-                        </a:spcBef>
-                        <a:spcAft>
-                          <a:spcPts val="1500"/>
-                        </a:spcAft>
-                      </a:pPr>
-                      <a:r>
-                        <a:rPr lang="en-US" sz="1000" kern="0" dirty="0">
-                          <a:effectLst/>
-                          <a:latin typeface="Calibri" panose="020F0502020204030204" pitchFamily="34" charset="0"/>
-                          <a:ea typeface="Calibri" panose="020F0502020204030204" pitchFamily="34" charset="0"/>
-                          <a:cs typeface="Times New Roman" panose="02020603050405020304" pitchFamily="18" charset="0"/>
-                        </a:rPr>
-                        <a:t>black</a:t>
-                      </a:r>
-                      <a:endParaRPr lang="en-PH" sz="1000" kern="100" dirty="0">
-                        <a:effectLst/>
-                        <a:latin typeface="Calibri" panose="020F0502020204030204" pitchFamily="34" charset="0"/>
-                        <a:ea typeface="Calibri" panose="020F0502020204030204" pitchFamily="34" charset="0"/>
-                        <a:cs typeface="Times New Roman" panose="02020603050405020304" pitchFamily="18" charset="0"/>
-                      </a:endParaRPr>
-                    </a:p>
-                  </a:txBody>
-                  <a:tcPr marL="66776" marR="66776" marT="66776" marB="66776"/>
-                </a:tc>
-                <a:extLst>
-                  <a:ext uri="{0D108BD9-81ED-4DB2-BD59-A6C34878D82A}">
-                    <a16:rowId xmlns:a16="http://schemas.microsoft.com/office/drawing/2014/main" val="2656684511"/>
-                  </a:ext>
-                </a:extLst>
-              </a:tr>
-            </a:tbl>
-          </a:graphicData>
-        </a:graphic>
-      </p:graphicFrame>
-      <p:sp>
-        <p:nvSpPr>
-          <p:cNvPr id="7" name="TextBox 6">
-            <a:extLst>
-              <a:ext uri="{FF2B5EF4-FFF2-40B4-BE49-F238E27FC236}">
-                <a16:creationId xmlns:a16="http://schemas.microsoft.com/office/drawing/2014/main" id="{14A6DC0A-9E7F-C198-C68C-DD100D8479B8}"/>
-              </a:ext>
-            </a:extLst>
-          </p:cNvPr>
-          <p:cNvSpPr txBox="1"/>
-          <p:nvPr/>
-        </p:nvSpPr>
-        <p:spPr>
-          <a:xfrm>
-            <a:off x="235069" y="4106509"/>
-            <a:ext cx="6094562" cy="373692"/>
-          </a:xfrm>
-          <a:prstGeom prst="rect">
-            <a:avLst/>
-          </a:prstGeom>
-          <a:noFill/>
-        </p:spPr>
-        <p:txBody>
-          <a:bodyPr wrap="square">
-            <a:spAutoFit/>
-          </a:bodyPr>
-          <a:lstStyle/>
-          <a:p>
-            <a:pPr marL="0" marR="0">
-              <a:lnSpc>
-                <a:spcPct val="107000"/>
-              </a:lnSpc>
-              <a:spcBef>
-                <a:spcPts val="750"/>
-              </a:spcBef>
-              <a:spcAft>
-                <a:spcPts val="750"/>
-              </a:spcAft>
-            </a:pPr>
-            <a:r>
-              <a:rPr lang="en-PH" kern="0" dirty="0">
-                <a:solidFill>
-                  <a:srgbClr val="000000"/>
-                </a:solidFill>
-                <a:latin typeface="Neutraface Text Bold"/>
-                <a:ea typeface="Times New Roman" panose="02020603050405020304" pitchFamily="18" charset="0"/>
-                <a:cs typeface="Times New Roman" panose="02020603050405020304" pitchFamily="18" charset="0"/>
-              </a:rPr>
-              <a:t>Manipulating</a:t>
-            </a:r>
-            <a:r>
-              <a:rPr lang="en-PH" sz="1800" kern="0" dirty="0">
-                <a:solidFill>
-                  <a:srgbClr val="000000"/>
-                </a:solidFill>
-                <a:effectLst/>
-                <a:latin typeface="Neutraface Text Bold"/>
-                <a:ea typeface="Times New Roman" panose="02020603050405020304" pitchFamily="18" charset="0"/>
-                <a:cs typeface="Times New Roman" panose="02020603050405020304" pitchFamily="18" charset="0"/>
-              </a:rPr>
-              <a:t> Object Properties</a:t>
-            </a:r>
-            <a:endParaRPr lang="en-PH" sz="1000" kern="100" dirty="0">
-              <a:effectLst/>
-              <a:latin typeface="Neutraface Text Bold"/>
-              <a:ea typeface="Calibri" panose="020F0502020204030204" pitchFamily="34" charset="0"/>
-              <a:cs typeface="Times New Roman" panose="02020603050405020304" pitchFamily="18" charset="0"/>
-            </a:endParaRPr>
-          </a:p>
-        </p:txBody>
-      </p:sp>
-      <p:sp>
-        <p:nvSpPr>
-          <p:cNvPr id="9" name="TextBox 8">
-            <a:extLst>
-              <a:ext uri="{FF2B5EF4-FFF2-40B4-BE49-F238E27FC236}">
-                <a16:creationId xmlns:a16="http://schemas.microsoft.com/office/drawing/2014/main" id="{8D73D450-9444-BAC7-FCA3-FDD04B83BD31}"/>
-              </a:ext>
-            </a:extLst>
-          </p:cNvPr>
-          <p:cNvSpPr txBox="1"/>
-          <p:nvPr/>
-        </p:nvSpPr>
-        <p:spPr>
-          <a:xfrm>
-            <a:off x="235069" y="4480201"/>
-            <a:ext cx="6648810" cy="1510285"/>
-          </a:xfrm>
-          <a:prstGeom prst="rect">
-            <a:avLst/>
-          </a:prstGeom>
-          <a:noFill/>
-        </p:spPr>
-        <p:txBody>
-          <a:bodyPr wrap="square">
-            <a:spAutoFit/>
-          </a:bodyPr>
-          <a:lstStyle/>
-          <a:p>
-            <a:pPr marL="0" marR="0">
-              <a:lnSpc>
-                <a:spcPct val="107000"/>
-              </a:lnSpc>
-              <a:spcBef>
-                <a:spcPts val="1440"/>
-              </a:spcBef>
-              <a:spcAft>
-                <a:spcPts val="1440"/>
-              </a:spcAft>
-            </a:pPr>
-            <a:r>
-              <a:rPr lang="en-PH" sz="1200" kern="0" dirty="0">
-                <a:solidFill>
-                  <a:srgbClr val="000000"/>
-                </a:solidFill>
-                <a:effectLst/>
-                <a:latin typeface="Neutraface Text Bold"/>
-                <a:ea typeface="Times New Roman" panose="02020603050405020304" pitchFamily="18" charset="0"/>
-                <a:cs typeface="Times New Roman" panose="02020603050405020304" pitchFamily="18" charset="0"/>
-              </a:rPr>
-              <a:t>You can </a:t>
-            </a:r>
-            <a:r>
-              <a:rPr lang="en-PH" sz="1200" kern="0" dirty="0">
-                <a:solidFill>
-                  <a:srgbClr val="000000"/>
-                </a:solidFill>
-                <a:latin typeface="Neutraface Text Bold"/>
-                <a:ea typeface="Times New Roman" panose="02020603050405020304" pitchFamily="18" charset="0"/>
-                <a:cs typeface="Times New Roman" panose="02020603050405020304" pitchFamily="18" charset="0"/>
-              </a:rPr>
-              <a:t>add </a:t>
-            </a:r>
-            <a:r>
-              <a:rPr lang="en-PH" sz="1200" kern="0" dirty="0">
-                <a:solidFill>
-                  <a:srgbClr val="000000"/>
-                </a:solidFill>
-                <a:effectLst/>
-                <a:latin typeface="Neutraface Text Bold"/>
-                <a:ea typeface="Times New Roman" panose="02020603050405020304" pitchFamily="18" charset="0"/>
-                <a:cs typeface="Times New Roman" panose="02020603050405020304" pitchFamily="18" charset="0"/>
-              </a:rPr>
-              <a:t>object property:</a:t>
-            </a:r>
-            <a:endParaRPr lang="en-PH" sz="1100" kern="100" dirty="0">
-              <a:effectLst/>
-              <a:latin typeface="Neutraface Text Bold"/>
-              <a:ea typeface="Calibri" panose="020F0502020204030204" pitchFamily="34" charset="0"/>
-              <a:cs typeface="Times New Roman" panose="02020603050405020304" pitchFamily="18" charset="0"/>
-            </a:endParaRPr>
-          </a:p>
-          <a:p>
-            <a:pPr marL="0" marR="0">
-              <a:lnSpc>
-                <a:spcPct val="107000"/>
-              </a:lnSpc>
-              <a:spcBef>
-                <a:spcPts val="0"/>
-              </a:spcBef>
-              <a:spcAft>
-                <a:spcPts val="800"/>
-              </a:spcAft>
-            </a:pPr>
-            <a:r>
-              <a:rPr lang="en-PH" sz="1200" i="1" kern="0" dirty="0" err="1">
-                <a:solidFill>
-                  <a:srgbClr val="000000"/>
-                </a:solidFill>
-                <a:effectLst/>
-                <a:latin typeface="Neutraface Text Bold"/>
-                <a:ea typeface="Times New Roman" panose="02020603050405020304" pitchFamily="18" charset="0"/>
-                <a:cs typeface="Times New Roman" panose="02020603050405020304" pitchFamily="18" charset="0"/>
-              </a:rPr>
-              <a:t>objectName.propertyName</a:t>
-            </a:r>
-            <a:r>
-              <a:rPr lang="en-PH" sz="1200" i="1" kern="0" dirty="0">
-                <a:solidFill>
-                  <a:srgbClr val="000000"/>
-                </a:solidFill>
-                <a:effectLst/>
-                <a:latin typeface="Neutraface Text Bold"/>
-                <a:ea typeface="Times New Roman" panose="02020603050405020304" pitchFamily="18" charset="0"/>
-                <a:cs typeface="Times New Roman" panose="02020603050405020304" pitchFamily="18" charset="0"/>
-              </a:rPr>
-              <a:t>; (does not exist in object)</a:t>
-            </a:r>
-            <a:endParaRPr lang="en-PH" sz="1100" i="1" kern="100" dirty="0">
-              <a:solidFill>
-                <a:srgbClr val="000000"/>
-              </a:solidFill>
-              <a:latin typeface="Neutraface Text Bold"/>
-              <a:ea typeface="Calibri" panose="020F0502020204030204" pitchFamily="34" charset="0"/>
-              <a:cs typeface="Times New Roman" panose="02020603050405020304" pitchFamily="18" charset="0"/>
-            </a:endParaRPr>
-          </a:p>
-          <a:p>
-            <a:pPr marL="0" marR="0">
-              <a:lnSpc>
-                <a:spcPct val="107000"/>
-              </a:lnSpc>
-              <a:spcBef>
-                <a:spcPts val="0"/>
-              </a:spcBef>
-              <a:spcAft>
-                <a:spcPts val="800"/>
-              </a:spcAft>
-            </a:pPr>
-            <a:endParaRPr lang="en-PH" sz="1100" i="1" kern="100" dirty="0">
-              <a:solidFill>
-                <a:srgbClr val="000000"/>
-              </a:solidFill>
-              <a:effectLst/>
-              <a:latin typeface="Neutraface Text Bold"/>
-              <a:ea typeface="Calibri" panose="020F0502020204030204" pitchFamily="34" charset="0"/>
-              <a:cs typeface="Times New Roman" panose="02020603050405020304" pitchFamily="18" charset="0"/>
-            </a:endParaRPr>
-          </a:p>
-          <a:p>
-            <a:pPr marL="0" marR="0">
-              <a:lnSpc>
-                <a:spcPct val="107000"/>
-              </a:lnSpc>
-              <a:spcBef>
-                <a:spcPts val="0"/>
-              </a:spcBef>
-              <a:spcAft>
-                <a:spcPts val="800"/>
-              </a:spcAft>
-            </a:pPr>
-            <a:r>
-              <a:rPr lang="en-PH" sz="1100" i="1" kern="100" dirty="0">
-                <a:solidFill>
-                  <a:srgbClr val="000000"/>
-                </a:solidFill>
-                <a:latin typeface="Neutraface Text Bold"/>
-                <a:ea typeface="Calibri" panose="020F0502020204030204" pitchFamily="34" charset="0"/>
-                <a:cs typeface="Times New Roman" panose="02020603050405020304" pitchFamily="18" charset="0"/>
-              </a:rPr>
-              <a:t>You can delete object property:</a:t>
-            </a:r>
-          </a:p>
-          <a:p>
-            <a:pPr marL="0" marR="0">
-              <a:lnSpc>
-                <a:spcPct val="107000"/>
-              </a:lnSpc>
-              <a:spcBef>
-                <a:spcPts val="0"/>
-              </a:spcBef>
-              <a:spcAft>
-                <a:spcPts val="800"/>
-              </a:spcAft>
-            </a:pPr>
-            <a:r>
-              <a:rPr lang="en-PH" sz="1100" i="1" kern="100" dirty="0">
-                <a:solidFill>
-                  <a:srgbClr val="000000"/>
-                </a:solidFill>
-                <a:latin typeface="Neutraface Text Bold"/>
-                <a:ea typeface="Calibri" panose="020F0502020204030204" pitchFamily="34" charset="0"/>
-                <a:cs typeface="Times New Roman" panose="02020603050405020304" pitchFamily="18" charset="0"/>
-              </a:rPr>
-              <a:t>delete </a:t>
-            </a:r>
-            <a:r>
-              <a:rPr lang="en-PH" sz="1100" i="1" kern="0" dirty="0" err="1">
-                <a:solidFill>
-                  <a:srgbClr val="000000"/>
-                </a:solidFill>
-                <a:effectLst/>
-                <a:latin typeface="Neutraface Text Bold"/>
-                <a:ea typeface="Times New Roman" panose="02020603050405020304" pitchFamily="18" charset="0"/>
-                <a:cs typeface="Times New Roman" panose="02020603050405020304" pitchFamily="18" charset="0"/>
-              </a:rPr>
-              <a:t>objectName.propertyName</a:t>
-            </a:r>
-            <a:r>
-              <a:rPr lang="en-PH" sz="1100" i="1" kern="0" dirty="0">
-                <a:solidFill>
-                  <a:srgbClr val="000000"/>
-                </a:solidFill>
-                <a:latin typeface="Neutraface Text Bold"/>
-                <a:ea typeface="Times New Roman" panose="02020603050405020304" pitchFamily="18" charset="0"/>
-                <a:cs typeface="Times New Roman" panose="02020603050405020304" pitchFamily="18" charset="0"/>
-              </a:rPr>
-              <a:t>;</a:t>
-            </a:r>
-            <a:endParaRPr lang="en-PH" sz="1100" kern="100" dirty="0">
-              <a:effectLst/>
-              <a:latin typeface="Neutraface Text Bold"/>
-              <a:ea typeface="Calibri" panose="020F0502020204030204" pitchFamily="34" charset="0"/>
-              <a:cs typeface="Times New Roman" panose="02020603050405020304" pitchFamily="18" charset="0"/>
-            </a:endParaRPr>
-          </a:p>
-        </p:txBody>
-      </p:sp>
-    </p:spTree>
-    <p:extLst>
-      <p:ext uri="{BB962C8B-B14F-4D97-AF65-F5344CB8AC3E}">
-        <p14:creationId xmlns:p14="http://schemas.microsoft.com/office/powerpoint/2010/main" val="2589596977"/>
-      </p:ext>
-    </p:extLst>
-  </p:cSld>
-  <p:clrMapOvr>
-    <a:masterClrMapping/>
-  </p:clrMapOvr>
-</p:sld>
-</file>
-
-<file path=ppt/slides/slide11.xml><?xml version="1.0" encoding="utf-8"?>
-<p:sld xmlns:a="http://schemas.openxmlformats.org/drawingml/2006/main" xmlns:r="http://schemas.openxmlformats.org/officeDocument/2006/relationships" xmlns:p="http://schemas.openxmlformats.org/presentationml/2006/main">
-  <p:cSld>
-    <p:bg>
-      <p:bgPr>
-        <a:solidFill>
-          <a:srgbClr val="F0DB4F"/>
-        </a:solidFill>
-        <a:effectLst/>
-      </p:bgPr>
-    </p:bg>
-    <p:spTree>
-      <p:nvGrpSpPr>
-        <p:cNvPr id="1" name=""/>
-        <p:cNvGrpSpPr/>
-        <p:nvPr/>
-      </p:nvGrpSpPr>
-      <p:grpSpPr>
-        <a:xfrm>
-          <a:off x="0" y="0"/>
-          <a:ext cx="0" cy="0"/>
-          <a:chOff x="0" y="0"/>
-          <a:chExt cx="0" cy="0"/>
-        </a:xfrm>
-      </p:grpSpPr>
-      <p:sp>
-        <p:nvSpPr>
-          <p:cNvPr id="3" name="TextBox 2">
-            <a:extLst>
-              <a:ext uri="{FF2B5EF4-FFF2-40B4-BE49-F238E27FC236}">
-                <a16:creationId xmlns:a16="http://schemas.microsoft.com/office/drawing/2014/main" id="{19CB3E84-7F62-9762-565D-9883135DE4FA}"/>
-              </a:ext>
-            </a:extLst>
-          </p:cNvPr>
-          <p:cNvSpPr txBox="1"/>
-          <p:nvPr/>
-        </p:nvSpPr>
-        <p:spPr>
-          <a:xfrm>
-            <a:off x="235069" y="336456"/>
-            <a:ext cx="6493535" cy="1843197"/>
-          </a:xfrm>
-          <a:prstGeom prst="rect">
-            <a:avLst/>
-          </a:prstGeom>
-          <a:noFill/>
-        </p:spPr>
-        <p:txBody>
-          <a:bodyPr wrap="square">
-            <a:spAutoFit/>
-          </a:bodyPr>
-          <a:lstStyle/>
-          <a:p>
-            <a:pPr marL="0" marR="0">
-              <a:lnSpc>
-                <a:spcPct val="107000"/>
-              </a:lnSpc>
-              <a:spcBef>
-                <a:spcPts val="750"/>
-              </a:spcBef>
-              <a:spcAft>
-                <a:spcPts val="750"/>
-              </a:spcAft>
-            </a:pPr>
-            <a:r>
-              <a:rPr lang="en-PH" sz="3600" kern="0" dirty="0">
-                <a:solidFill>
-                  <a:srgbClr val="000000"/>
-                </a:solidFill>
-                <a:effectLst/>
-                <a:latin typeface="Neutraface Text Bold"/>
-                <a:ea typeface="Times New Roman" panose="02020603050405020304" pitchFamily="18" charset="0"/>
-                <a:cs typeface="Times New Roman" panose="02020603050405020304" pitchFamily="18" charset="0"/>
-              </a:rPr>
-              <a:t>Object </a:t>
-            </a:r>
-            <a:r>
-              <a:rPr lang="en-PH" sz="3600" kern="0" dirty="0">
-                <a:solidFill>
-                  <a:srgbClr val="000000"/>
-                </a:solidFill>
-                <a:latin typeface="Neutraface Text Bold"/>
-                <a:ea typeface="Times New Roman" panose="02020603050405020304" pitchFamily="18" charset="0"/>
-                <a:cs typeface="Times New Roman" panose="02020603050405020304" pitchFamily="18" charset="0"/>
-              </a:rPr>
-              <a:t>Methods</a:t>
-            </a:r>
-            <a:endParaRPr lang="en-PH" sz="1600" kern="100" dirty="0">
-              <a:effectLst/>
-              <a:latin typeface="Neutraface Text Bold"/>
-              <a:ea typeface="Calibri" panose="020F0502020204030204" pitchFamily="34" charset="0"/>
-              <a:cs typeface="Times New Roman" panose="02020603050405020304" pitchFamily="18" charset="0"/>
-            </a:endParaRPr>
-          </a:p>
-          <a:p>
-            <a:pPr marL="0" marR="0">
-              <a:lnSpc>
-                <a:spcPct val="107000"/>
-              </a:lnSpc>
-              <a:spcBef>
-                <a:spcPts val="1440"/>
-              </a:spcBef>
-              <a:spcAft>
-                <a:spcPts val="1440"/>
-              </a:spcAft>
-            </a:pPr>
-            <a:r>
-              <a:rPr lang="en-US" sz="1800" kern="0" dirty="0">
-                <a:solidFill>
-                  <a:srgbClr val="000000"/>
-                </a:solidFill>
-                <a:effectLst/>
-                <a:latin typeface="Neutraface Text Bold"/>
-                <a:ea typeface="Times New Roman" panose="02020603050405020304" pitchFamily="18" charset="0"/>
-                <a:cs typeface="Times New Roman" panose="02020603050405020304" pitchFamily="18" charset="0"/>
-              </a:rPr>
-              <a:t>They are </a:t>
-            </a:r>
-            <a:r>
-              <a:rPr lang="en-US" sz="1800" kern="0" dirty="0">
-                <a:solidFill>
-                  <a:srgbClr val="000000"/>
-                </a:solidFill>
-                <a:effectLst/>
-                <a:highlight>
-                  <a:srgbClr val="00FF00"/>
-                </a:highlight>
-                <a:latin typeface="Neutraface Text Bold"/>
-                <a:ea typeface="Times New Roman" panose="02020603050405020304" pitchFamily="18" charset="0"/>
-                <a:cs typeface="Times New Roman" panose="02020603050405020304" pitchFamily="18" charset="0"/>
-              </a:rPr>
-              <a:t>functions</a:t>
-            </a:r>
-            <a:r>
-              <a:rPr lang="en-US" sz="1800" kern="0" dirty="0">
-                <a:solidFill>
-                  <a:srgbClr val="000000"/>
-                </a:solidFill>
-                <a:effectLst/>
-                <a:latin typeface="Neutraface Text Bold"/>
-                <a:ea typeface="Times New Roman" panose="02020603050405020304" pitchFamily="18" charset="0"/>
-                <a:cs typeface="Times New Roman" panose="02020603050405020304" pitchFamily="18" charset="0"/>
-              </a:rPr>
-              <a:t> that are associated with and defined within objects, and they allow you to perform specific operations or manipulations on the object's properties</a:t>
-            </a:r>
-            <a:r>
-              <a:rPr lang="en-US" kern="0" dirty="0">
-                <a:solidFill>
-                  <a:srgbClr val="000000"/>
-                </a:solidFill>
-                <a:latin typeface="Neutraface Text Bold"/>
-                <a:ea typeface="Times New Roman" panose="02020603050405020304" pitchFamily="18" charset="0"/>
-                <a:cs typeface="Times New Roman" panose="02020603050405020304" pitchFamily="18" charset="0"/>
-              </a:rPr>
-              <a:t> (data).</a:t>
-            </a:r>
-            <a:r>
-              <a:rPr lang="en-US" sz="1800" kern="0" dirty="0">
-                <a:solidFill>
-                  <a:srgbClr val="000000"/>
-                </a:solidFill>
-                <a:effectLst/>
-                <a:latin typeface="Neutraface Text Bold"/>
-                <a:ea typeface="Times New Roman" panose="02020603050405020304" pitchFamily="18" charset="0"/>
-                <a:cs typeface="Times New Roman" panose="02020603050405020304" pitchFamily="18" charset="0"/>
-              </a:rPr>
-              <a:t> </a:t>
-            </a:r>
-            <a:endParaRPr lang="en-PH" sz="1600" kern="100" dirty="0">
-              <a:effectLst/>
-              <a:latin typeface="Neutraface Text Bold"/>
-              <a:ea typeface="Calibri" panose="020F0502020204030204" pitchFamily="34" charset="0"/>
-              <a:cs typeface="Times New Roman" panose="02020603050405020304" pitchFamily="18" charset="0"/>
-            </a:endParaRPr>
-          </a:p>
-        </p:txBody>
-      </p:sp>
-      <p:sp>
-        <p:nvSpPr>
-          <p:cNvPr id="5" name="TextBox 4">
-            <a:extLst>
-              <a:ext uri="{FF2B5EF4-FFF2-40B4-BE49-F238E27FC236}">
-                <a16:creationId xmlns:a16="http://schemas.microsoft.com/office/drawing/2014/main" id="{9297BD08-12F7-1548-EBE0-AAE231B8299E}"/>
-              </a:ext>
-            </a:extLst>
-          </p:cNvPr>
-          <p:cNvSpPr txBox="1"/>
-          <p:nvPr/>
-        </p:nvSpPr>
-        <p:spPr>
-          <a:xfrm>
-            <a:off x="235069" y="2358902"/>
-            <a:ext cx="6094562" cy="1409617"/>
-          </a:xfrm>
-          <a:prstGeom prst="rect">
-            <a:avLst/>
-          </a:prstGeom>
-          <a:noFill/>
-        </p:spPr>
-        <p:txBody>
-          <a:bodyPr wrap="square">
-            <a:spAutoFit/>
-          </a:bodyPr>
-          <a:lstStyle/>
-          <a:p>
-            <a:pPr marL="0" marR="0">
-              <a:spcBef>
-                <a:spcPts val="1440"/>
-              </a:spcBef>
-              <a:spcAft>
-                <a:spcPts val="1440"/>
-              </a:spcAft>
-            </a:pPr>
-            <a:r>
-              <a:rPr lang="en-PH" sz="1600" kern="0" dirty="0">
-                <a:solidFill>
-                  <a:srgbClr val="000000"/>
-                </a:solidFill>
-                <a:effectLst/>
-                <a:latin typeface="Neutraface Text Bold"/>
-                <a:ea typeface="Times New Roman" panose="02020603050405020304" pitchFamily="18" charset="0"/>
-                <a:cs typeface="Times New Roman" panose="02020603050405020304" pitchFamily="18" charset="0"/>
-              </a:rPr>
-              <a:t>Methods are </a:t>
-            </a:r>
-            <a:r>
-              <a:rPr lang="en-PH" sz="1600" b="1" kern="0" dirty="0">
-                <a:solidFill>
-                  <a:srgbClr val="000000"/>
-                </a:solidFill>
-                <a:effectLst/>
-                <a:latin typeface="Neutraface Text Bold"/>
-                <a:ea typeface="Times New Roman" panose="02020603050405020304" pitchFamily="18" charset="0"/>
-                <a:cs typeface="Times New Roman" panose="02020603050405020304" pitchFamily="18" charset="0"/>
-              </a:rPr>
-              <a:t>actions</a:t>
-            </a:r>
-            <a:r>
-              <a:rPr lang="en-PH" sz="1600" kern="0" dirty="0">
-                <a:solidFill>
-                  <a:srgbClr val="000000"/>
-                </a:solidFill>
-                <a:effectLst/>
-                <a:latin typeface="Neutraface Text Bold"/>
-                <a:ea typeface="Times New Roman" panose="02020603050405020304" pitchFamily="18" charset="0"/>
-                <a:cs typeface="Times New Roman" panose="02020603050405020304" pitchFamily="18" charset="0"/>
-              </a:rPr>
-              <a:t> that can be performed on objects.</a:t>
-            </a:r>
-            <a:endParaRPr lang="en-PH" sz="1400" kern="100" dirty="0">
-              <a:latin typeface="Neutraface Text Bold"/>
-              <a:ea typeface="Calibri" panose="020F0502020204030204" pitchFamily="34" charset="0"/>
-              <a:cs typeface="Times New Roman" panose="02020603050405020304" pitchFamily="18" charset="0"/>
-            </a:endParaRPr>
-          </a:p>
-          <a:p>
-            <a:pPr marL="0" marR="0">
-              <a:spcBef>
-                <a:spcPts val="1440"/>
-              </a:spcBef>
-              <a:spcAft>
-                <a:spcPts val="1440"/>
-              </a:spcAft>
-            </a:pPr>
-            <a:r>
-              <a:rPr lang="en-PH" sz="1600" kern="0" dirty="0">
-                <a:solidFill>
-                  <a:srgbClr val="000000"/>
-                </a:solidFill>
-                <a:effectLst/>
-                <a:latin typeface="Neutraface Text Bold"/>
-                <a:ea typeface="Times New Roman" panose="02020603050405020304" pitchFamily="18" charset="0"/>
-                <a:cs typeface="Times New Roman" panose="02020603050405020304" pitchFamily="18" charset="0"/>
-              </a:rPr>
-              <a:t>Methods are stored in properties as </a:t>
-            </a:r>
-            <a:r>
-              <a:rPr lang="en-PH" sz="1600" b="1" kern="0" dirty="0">
-                <a:solidFill>
-                  <a:srgbClr val="000000"/>
-                </a:solidFill>
-                <a:effectLst/>
-                <a:latin typeface="Neutraface Text Bold"/>
-                <a:ea typeface="Times New Roman" panose="02020603050405020304" pitchFamily="18" charset="0"/>
-                <a:cs typeface="Times New Roman" panose="02020603050405020304" pitchFamily="18" charset="0"/>
-              </a:rPr>
-              <a:t>function definitions</a:t>
-            </a:r>
-            <a:r>
-              <a:rPr lang="en-PH" sz="1600" kern="0" dirty="0">
-                <a:solidFill>
-                  <a:srgbClr val="000000"/>
-                </a:solidFill>
-                <a:effectLst/>
-                <a:latin typeface="Neutraface Text Bold"/>
-                <a:ea typeface="Times New Roman" panose="02020603050405020304" pitchFamily="18" charset="0"/>
-                <a:cs typeface="Times New Roman" panose="02020603050405020304" pitchFamily="18" charset="0"/>
-              </a:rPr>
-              <a:t>.</a:t>
-            </a:r>
-            <a:endParaRPr lang="en-PH" sz="1400" kern="100" dirty="0">
-              <a:effectLst/>
-              <a:latin typeface="Neutraface Text Bold"/>
-              <a:ea typeface="Calibri" panose="020F0502020204030204" pitchFamily="34" charset="0"/>
-              <a:cs typeface="Times New Roman" panose="02020603050405020304" pitchFamily="18" charset="0"/>
-            </a:endParaRPr>
-          </a:p>
-          <a:p>
-            <a:pPr marL="0" marR="0">
-              <a:spcBef>
-                <a:spcPts val="0"/>
-              </a:spcBef>
-              <a:spcAft>
-                <a:spcPts val="800"/>
-              </a:spcAft>
-            </a:pPr>
-            <a:r>
-              <a:rPr lang="en-PH" sz="1600" kern="0" dirty="0">
-                <a:solidFill>
-                  <a:srgbClr val="000000"/>
-                </a:solidFill>
-                <a:effectLst/>
-                <a:latin typeface="Neutraface Text Bold"/>
-                <a:ea typeface="Times New Roman" panose="02020603050405020304" pitchFamily="18" charset="0"/>
-                <a:cs typeface="Times New Roman" panose="02020603050405020304" pitchFamily="18" charset="0"/>
-              </a:rPr>
-              <a:t>A method is a function stored as a property.</a:t>
-            </a:r>
-            <a:endParaRPr lang="en-PH" sz="1400" kern="100" dirty="0">
-              <a:effectLst/>
-              <a:latin typeface="Neutraface Text Bold"/>
-              <a:ea typeface="Calibri" panose="020F0502020204030204" pitchFamily="34" charset="0"/>
-              <a:cs typeface="Times New Roman" panose="02020603050405020304" pitchFamily="18" charset="0"/>
-            </a:endParaRPr>
-          </a:p>
-        </p:txBody>
-      </p:sp>
-      <p:sp>
-        <p:nvSpPr>
-          <p:cNvPr id="8" name="TextBox 7">
-            <a:extLst>
-              <a:ext uri="{FF2B5EF4-FFF2-40B4-BE49-F238E27FC236}">
-                <a16:creationId xmlns:a16="http://schemas.microsoft.com/office/drawing/2014/main" id="{7E7529A1-BAE8-0136-334C-48F0322773C9}"/>
-              </a:ext>
-            </a:extLst>
-          </p:cNvPr>
-          <p:cNvSpPr txBox="1"/>
-          <p:nvPr/>
-        </p:nvSpPr>
-        <p:spPr>
-          <a:xfrm>
-            <a:off x="235069" y="3947768"/>
-            <a:ext cx="6094562" cy="2029466"/>
-          </a:xfrm>
-          <a:prstGeom prst="rect">
-            <a:avLst/>
-          </a:prstGeom>
-          <a:noFill/>
-        </p:spPr>
-        <p:txBody>
-          <a:bodyPr wrap="square">
-            <a:spAutoFit/>
-          </a:bodyPr>
-          <a:lstStyle/>
-          <a:p>
-            <a:pPr marL="0" marR="0">
-              <a:lnSpc>
-                <a:spcPct val="107000"/>
-              </a:lnSpc>
-              <a:spcBef>
-                <a:spcPts val="750"/>
-              </a:spcBef>
-              <a:spcAft>
-                <a:spcPts val="750"/>
-              </a:spcAft>
-            </a:pPr>
-            <a:r>
-              <a:rPr lang="en-PH" sz="2800" kern="0" dirty="0">
-                <a:solidFill>
-                  <a:srgbClr val="000000"/>
-                </a:solidFill>
-                <a:effectLst/>
-                <a:latin typeface="Neutraface Text Bold"/>
-                <a:ea typeface="Times New Roman" panose="02020603050405020304" pitchFamily="18" charset="0"/>
-                <a:cs typeface="Times New Roman" panose="02020603050405020304" pitchFamily="18" charset="0"/>
-              </a:rPr>
-              <a:t>Accessing Object Methods</a:t>
-            </a:r>
-            <a:endParaRPr lang="en-PH" sz="1200" kern="100" dirty="0">
-              <a:effectLst/>
-              <a:latin typeface="Neutraface Text Bold"/>
-              <a:ea typeface="Calibri" panose="020F0502020204030204" pitchFamily="34" charset="0"/>
-              <a:cs typeface="Times New Roman" panose="02020603050405020304" pitchFamily="18" charset="0"/>
-            </a:endParaRPr>
-          </a:p>
-          <a:p>
-            <a:pPr marL="0" marR="0">
-              <a:lnSpc>
-                <a:spcPct val="107000"/>
-              </a:lnSpc>
-              <a:spcBef>
-                <a:spcPts val="1440"/>
-              </a:spcBef>
-              <a:spcAft>
-                <a:spcPts val="1440"/>
-              </a:spcAft>
-            </a:pPr>
-            <a:r>
-              <a:rPr lang="en-PH" sz="1400" kern="0" dirty="0">
-                <a:solidFill>
-                  <a:srgbClr val="000000"/>
-                </a:solidFill>
-                <a:effectLst/>
-                <a:latin typeface="Neutraface Text Bold"/>
-                <a:ea typeface="Times New Roman" panose="02020603050405020304" pitchFamily="18" charset="0"/>
-                <a:cs typeface="Times New Roman" panose="02020603050405020304" pitchFamily="18" charset="0"/>
-              </a:rPr>
-              <a:t>You access an object method with the following syntax:</a:t>
-            </a:r>
-            <a:endParaRPr lang="en-PH" sz="1200" kern="100" dirty="0">
-              <a:effectLst/>
-              <a:latin typeface="Neutraface Text Bold"/>
-              <a:ea typeface="Calibri" panose="020F0502020204030204" pitchFamily="34" charset="0"/>
-              <a:cs typeface="Times New Roman" panose="02020603050405020304" pitchFamily="18" charset="0"/>
-            </a:endParaRPr>
-          </a:p>
-          <a:p>
-            <a:pPr marL="0" marR="0">
-              <a:lnSpc>
-                <a:spcPct val="107000"/>
-              </a:lnSpc>
-              <a:spcBef>
-                <a:spcPts val="0"/>
-              </a:spcBef>
-              <a:spcAft>
-                <a:spcPts val="800"/>
-              </a:spcAft>
-            </a:pPr>
-            <a:r>
-              <a:rPr lang="en-PH" sz="1400" i="1" kern="0" dirty="0" err="1">
-                <a:solidFill>
-                  <a:srgbClr val="000000"/>
-                </a:solidFill>
-                <a:effectLst/>
-                <a:latin typeface="Neutraface Text Bold"/>
-                <a:ea typeface="Times New Roman" panose="02020603050405020304" pitchFamily="18" charset="0"/>
-                <a:cs typeface="Times New Roman" panose="02020603050405020304" pitchFamily="18" charset="0"/>
-              </a:rPr>
-              <a:t>objectName.methodName</a:t>
-            </a:r>
-            <a:r>
-              <a:rPr lang="en-PH" sz="1400" i="1" kern="0" dirty="0">
-                <a:solidFill>
-                  <a:srgbClr val="000000"/>
-                </a:solidFill>
-                <a:effectLst/>
-                <a:latin typeface="Neutraface Text Bold"/>
-                <a:ea typeface="Times New Roman" panose="02020603050405020304" pitchFamily="18" charset="0"/>
-                <a:cs typeface="Times New Roman" panose="02020603050405020304" pitchFamily="18" charset="0"/>
-              </a:rPr>
-              <a:t>()</a:t>
-            </a:r>
-            <a:endParaRPr lang="en-PH" sz="1200" i="1" kern="100" dirty="0">
-              <a:latin typeface="Neutraface Text Bold"/>
-              <a:ea typeface="Calibri" panose="020F0502020204030204" pitchFamily="34" charset="0"/>
-              <a:cs typeface="Times New Roman" panose="02020603050405020304" pitchFamily="18" charset="0"/>
-            </a:endParaRPr>
-          </a:p>
-          <a:p>
-            <a:pPr marL="0" marR="0">
-              <a:lnSpc>
-                <a:spcPct val="107000"/>
-              </a:lnSpc>
-              <a:spcBef>
-                <a:spcPts val="0"/>
-              </a:spcBef>
-              <a:spcAft>
-                <a:spcPts val="800"/>
-              </a:spcAft>
-            </a:pPr>
-            <a:r>
-              <a:rPr lang="en-PH" sz="1400" kern="0" dirty="0">
-                <a:solidFill>
-                  <a:srgbClr val="000000"/>
-                </a:solidFill>
-                <a:effectLst/>
-                <a:latin typeface="Neutraface Text Bold"/>
-                <a:ea typeface="Times New Roman" panose="02020603050405020304" pitchFamily="18" charset="0"/>
-                <a:cs typeface="Times New Roman" panose="02020603050405020304" pitchFamily="18" charset="0"/>
-              </a:rPr>
-              <a:t>If you access a method </a:t>
-            </a:r>
-            <a:r>
-              <a:rPr lang="en-PH" sz="1400" b="1" kern="0" dirty="0">
-                <a:solidFill>
-                  <a:srgbClr val="000000"/>
-                </a:solidFill>
-                <a:effectLst/>
-                <a:latin typeface="Neutraface Text Bold"/>
-                <a:ea typeface="Times New Roman" panose="02020603050405020304" pitchFamily="18" charset="0"/>
-                <a:cs typeface="Times New Roman" panose="02020603050405020304" pitchFamily="18" charset="0"/>
-              </a:rPr>
-              <a:t>without</a:t>
-            </a:r>
-            <a:r>
-              <a:rPr lang="en-PH" sz="1400" kern="0" dirty="0">
-                <a:solidFill>
-                  <a:srgbClr val="000000"/>
-                </a:solidFill>
-                <a:effectLst/>
-                <a:latin typeface="Neutraface Text Bold"/>
-                <a:ea typeface="Times New Roman" panose="02020603050405020304" pitchFamily="18" charset="0"/>
-                <a:cs typeface="Times New Roman" panose="02020603050405020304" pitchFamily="18" charset="0"/>
-              </a:rPr>
-              <a:t> the () parentheses, it will return the </a:t>
-            </a:r>
-            <a:r>
-              <a:rPr lang="en-PH" sz="1400" b="1" kern="0" dirty="0">
-                <a:solidFill>
-                  <a:srgbClr val="000000"/>
-                </a:solidFill>
-                <a:effectLst/>
-                <a:latin typeface="Neutraface Text Bold"/>
-                <a:ea typeface="Times New Roman" panose="02020603050405020304" pitchFamily="18" charset="0"/>
-                <a:cs typeface="Times New Roman" panose="02020603050405020304" pitchFamily="18" charset="0"/>
-              </a:rPr>
-              <a:t>function definition</a:t>
-            </a:r>
-            <a:r>
-              <a:rPr lang="en-PH" sz="1400" b="1" kern="0" dirty="0">
-                <a:solidFill>
-                  <a:srgbClr val="000000"/>
-                </a:solidFill>
-                <a:latin typeface="Neutraface Text Bold"/>
-                <a:ea typeface="Times New Roman" panose="02020603050405020304" pitchFamily="18" charset="0"/>
-                <a:cs typeface="Times New Roman" panose="02020603050405020304" pitchFamily="18" charset="0"/>
-              </a:rPr>
-              <a:t>…</a:t>
-            </a:r>
-            <a:endParaRPr lang="en-PH" sz="1200" kern="100" dirty="0">
-              <a:effectLst/>
-              <a:latin typeface="Neutraface Text Bold"/>
-              <a:ea typeface="Calibri" panose="020F0502020204030204" pitchFamily="34" charset="0"/>
-              <a:cs typeface="Times New Roman" panose="02020603050405020304" pitchFamily="18" charset="0"/>
-            </a:endParaRPr>
-          </a:p>
-        </p:txBody>
-      </p:sp>
-    </p:spTree>
-    <p:extLst>
-      <p:ext uri="{BB962C8B-B14F-4D97-AF65-F5344CB8AC3E}">
-        <p14:creationId xmlns:p14="http://schemas.microsoft.com/office/powerpoint/2010/main" val="1244659133"/>
-      </p:ext>
-    </p:extLst>
-  </p:cSld>
-  <p:clrMapOvr>
-    <a:masterClrMapping/>
-  </p:clrMapOvr>
-</p:sld>
-</file>
-
-<file path=ppt/slides/slide12.xml><?xml version="1.0" encoding="utf-8"?>
-<p:sld xmlns:a="http://schemas.openxmlformats.org/drawingml/2006/main" xmlns:r="http://schemas.openxmlformats.org/officeDocument/2006/relationships" xmlns:p="http://schemas.openxmlformats.org/presentationml/2006/main">
-  <p:cSld>
-    <p:bg>
-      <p:bgPr>
-        <a:solidFill>
-          <a:srgbClr val="F0DB4F"/>
-        </a:solidFill>
-        <a:effectLst/>
-      </p:bgPr>
-    </p:bg>
-    <p:spTree>
-      <p:nvGrpSpPr>
-        <p:cNvPr id="1" name=""/>
-        <p:cNvGrpSpPr/>
-        <p:nvPr/>
-      </p:nvGrpSpPr>
-      <p:grpSpPr>
-        <a:xfrm>
-          <a:off x="0" y="0"/>
-          <a:ext cx="0" cy="0"/>
-          <a:chOff x="0" y="0"/>
-          <a:chExt cx="0" cy="0"/>
-        </a:xfrm>
-      </p:grpSpPr>
-      <p:sp>
-        <p:nvSpPr>
-          <p:cNvPr id="2" name="TextBox 1">
-            <a:extLst>
-              <a:ext uri="{FF2B5EF4-FFF2-40B4-BE49-F238E27FC236}">
-                <a16:creationId xmlns:a16="http://schemas.microsoft.com/office/drawing/2014/main" id="{AA4FC06F-A92D-8A76-4E07-46FE88CB8A00}"/>
-              </a:ext>
-            </a:extLst>
-          </p:cNvPr>
-          <p:cNvSpPr txBox="1"/>
-          <p:nvPr/>
-        </p:nvSpPr>
-        <p:spPr>
-          <a:xfrm>
-            <a:off x="500741" y="2816364"/>
-            <a:ext cx="8923176" cy="1225272"/>
-          </a:xfrm>
-          <a:prstGeom prst="rect">
-            <a:avLst/>
-          </a:prstGeom>
-          <a:noFill/>
-        </p:spPr>
-        <p:txBody>
-          <a:bodyPr wrap="square">
-            <a:spAutoFit/>
-          </a:bodyPr>
-          <a:lstStyle/>
-          <a:p>
-            <a:pPr marL="0" marR="0">
-              <a:lnSpc>
-                <a:spcPct val="107000"/>
-              </a:lnSpc>
-              <a:spcBef>
-                <a:spcPts val="750"/>
-              </a:spcBef>
-              <a:spcAft>
-                <a:spcPts val="750"/>
-              </a:spcAft>
-            </a:pPr>
-            <a:r>
-              <a:rPr lang="en-PH" sz="7200" kern="1800" dirty="0">
-                <a:solidFill>
-                  <a:srgbClr val="000000"/>
-                </a:solidFill>
-                <a:effectLst/>
-                <a:latin typeface="Neutraface Text Bold"/>
-                <a:ea typeface="Times New Roman" panose="02020603050405020304" pitchFamily="18" charset="0"/>
-                <a:cs typeface="Times New Roman" panose="02020603050405020304" pitchFamily="18" charset="0"/>
-              </a:rPr>
-              <a:t>JavaScript </a:t>
-            </a:r>
-            <a:r>
-              <a:rPr lang="en-PH" sz="7200" kern="1800" dirty="0">
-                <a:solidFill>
-                  <a:srgbClr val="000000"/>
-                </a:solidFill>
-                <a:latin typeface="Neutraface Text Bold"/>
-                <a:ea typeface="Times New Roman" panose="02020603050405020304" pitchFamily="18" charset="0"/>
-                <a:cs typeface="Times New Roman" panose="02020603050405020304" pitchFamily="18" charset="0"/>
-              </a:rPr>
-              <a:t>HTML DOM</a:t>
-            </a:r>
-            <a:endParaRPr lang="en-PH" sz="3200" kern="100" dirty="0">
-              <a:effectLst/>
-              <a:latin typeface="Neutraface Text Bold"/>
-              <a:ea typeface="Calibri" panose="020F0502020204030204" pitchFamily="34" charset="0"/>
-              <a:cs typeface="Times New Roman" panose="02020603050405020304" pitchFamily="18" charset="0"/>
-            </a:endParaRPr>
-          </a:p>
-        </p:txBody>
-      </p:sp>
-    </p:spTree>
-    <p:extLst>
-      <p:ext uri="{BB962C8B-B14F-4D97-AF65-F5344CB8AC3E}">
-        <p14:creationId xmlns:p14="http://schemas.microsoft.com/office/powerpoint/2010/main" val="307963839"/>
-      </p:ext>
-    </p:extLst>
-  </p:cSld>
-  <p:clrMapOvr>
-    <a:masterClrMapping/>
-  </p:clrMapOvr>
-</p:sld>
-</file>
-
-<file path=ppt/slides/slide13.xml><?xml version="1.0" encoding="utf-8"?>
-<p:sld xmlns:a="http://schemas.openxmlformats.org/drawingml/2006/main" xmlns:r="http://schemas.openxmlformats.org/officeDocument/2006/relationships" xmlns:p="http://schemas.openxmlformats.org/presentationml/2006/main">
-  <p:cSld>
-    <p:bg>
-      <p:bgPr>
-        <a:solidFill>
-          <a:srgbClr val="F0DB4F"/>
-        </a:solidFill>
-        <a:effectLst/>
-      </p:bgPr>
-    </p:bg>
-    <p:spTree>
-      <p:nvGrpSpPr>
-        <p:cNvPr id="1" name=""/>
-        <p:cNvGrpSpPr/>
-        <p:nvPr/>
-      </p:nvGrpSpPr>
-      <p:grpSpPr>
-        <a:xfrm>
-          <a:off x="0" y="0"/>
-          <a:ext cx="0" cy="0"/>
-          <a:chOff x="0" y="0"/>
-          <a:chExt cx="0" cy="0"/>
-        </a:xfrm>
-      </p:grpSpPr>
-      <p:pic>
-        <p:nvPicPr>
-          <p:cNvPr id="17" name="Picture 16">
-            <a:extLst>
-              <a:ext uri="{FF2B5EF4-FFF2-40B4-BE49-F238E27FC236}">
-                <a16:creationId xmlns:a16="http://schemas.microsoft.com/office/drawing/2014/main" id="{DD9D59CC-1E32-E02F-F8EF-3AA27D06F20D}"/>
-              </a:ext>
-            </a:extLst>
-          </p:cNvPr>
-          <p:cNvPicPr>
-            <a:picLocks noChangeAspect="1"/>
-          </p:cNvPicPr>
-          <p:nvPr/>
-        </p:nvPicPr>
-        <p:blipFill>
-          <a:blip r:embed="rId2"/>
-          <a:stretch>
-            <a:fillRect/>
-          </a:stretch>
-        </p:blipFill>
-        <p:spPr>
-          <a:xfrm>
-            <a:off x="2470561" y="2110492"/>
-            <a:ext cx="7250878" cy="4558010"/>
-          </a:xfrm>
-          <a:prstGeom prst="rect">
-            <a:avLst/>
-          </a:prstGeom>
-        </p:spPr>
-      </p:pic>
-      <p:sp>
-        <p:nvSpPr>
-          <p:cNvPr id="19" name="TextBox 18">
-            <a:extLst>
-              <a:ext uri="{FF2B5EF4-FFF2-40B4-BE49-F238E27FC236}">
-                <a16:creationId xmlns:a16="http://schemas.microsoft.com/office/drawing/2014/main" id="{E625EB7E-F311-B0ED-BCE5-F93B52DF97AC}"/>
-              </a:ext>
-            </a:extLst>
-          </p:cNvPr>
-          <p:cNvSpPr txBox="1"/>
-          <p:nvPr/>
-        </p:nvSpPr>
-        <p:spPr>
-          <a:xfrm>
-            <a:off x="179943" y="401935"/>
-            <a:ext cx="11832114" cy="1569660"/>
-          </a:xfrm>
-          <a:prstGeom prst="rect">
-            <a:avLst/>
-          </a:prstGeom>
-          <a:noFill/>
-        </p:spPr>
-        <p:txBody>
-          <a:bodyPr wrap="square">
-            <a:spAutoFit/>
-          </a:bodyPr>
-          <a:lstStyle/>
-          <a:p>
-            <a:pPr algn="l"/>
-            <a:r>
-              <a:rPr lang="en-US" sz="2400" b="1" i="0" dirty="0">
-                <a:solidFill>
-                  <a:srgbClr val="000000"/>
-                </a:solidFill>
-                <a:effectLst/>
-                <a:latin typeface="Neutraface Text Bold"/>
-              </a:rPr>
-              <a:t>The HTML DOM (Document Object Model)</a:t>
-            </a:r>
-          </a:p>
-          <a:p>
-            <a:pPr algn="l"/>
-            <a:endParaRPr lang="en-US" b="1" i="0" dirty="0">
-              <a:solidFill>
-                <a:srgbClr val="000000"/>
-              </a:solidFill>
-              <a:effectLst/>
-              <a:latin typeface="Neutraface Text Bold"/>
-            </a:endParaRPr>
-          </a:p>
-          <a:p>
-            <a:pPr algn="l"/>
-            <a:r>
-              <a:rPr lang="en-US" b="0" i="0" dirty="0">
-                <a:solidFill>
-                  <a:srgbClr val="000000"/>
-                </a:solidFill>
-                <a:effectLst/>
-                <a:latin typeface="Neutraface Text Bold"/>
-              </a:rPr>
-              <a:t>When a web page is loaded, the browser creates a </a:t>
-            </a:r>
-            <a:r>
-              <a:rPr lang="en-US" b="1" i="0" dirty="0">
-                <a:solidFill>
-                  <a:srgbClr val="000000"/>
-                </a:solidFill>
-                <a:effectLst/>
-                <a:latin typeface="Neutraface Text Bold"/>
-              </a:rPr>
-              <a:t>D</a:t>
-            </a:r>
-            <a:r>
-              <a:rPr lang="en-US" b="0" i="0" dirty="0">
-                <a:solidFill>
-                  <a:srgbClr val="000000"/>
-                </a:solidFill>
-                <a:effectLst/>
-                <a:latin typeface="Neutraface Text Bold"/>
-              </a:rPr>
-              <a:t>ocument </a:t>
-            </a:r>
-            <a:r>
-              <a:rPr lang="en-US" b="1" i="0" dirty="0">
-                <a:solidFill>
-                  <a:srgbClr val="000000"/>
-                </a:solidFill>
-                <a:effectLst/>
-                <a:latin typeface="Neutraface Text Bold"/>
-              </a:rPr>
-              <a:t>O</a:t>
-            </a:r>
-            <a:r>
-              <a:rPr lang="en-US" b="0" i="0" dirty="0">
-                <a:solidFill>
-                  <a:srgbClr val="000000"/>
-                </a:solidFill>
-                <a:effectLst/>
-                <a:latin typeface="Neutraface Text Bold"/>
-              </a:rPr>
-              <a:t>bject </a:t>
-            </a:r>
-            <a:r>
-              <a:rPr lang="en-US" b="1" i="0" dirty="0">
-                <a:solidFill>
-                  <a:srgbClr val="000000"/>
-                </a:solidFill>
-                <a:effectLst/>
-                <a:latin typeface="Neutraface Text Bold"/>
-              </a:rPr>
-              <a:t>M</a:t>
-            </a:r>
-            <a:r>
-              <a:rPr lang="en-US" b="0" i="0" dirty="0">
-                <a:solidFill>
-                  <a:srgbClr val="000000"/>
-                </a:solidFill>
-                <a:effectLst/>
-                <a:latin typeface="Neutraface Text Bold"/>
-              </a:rPr>
-              <a:t>odel of the page.</a:t>
-            </a:r>
-          </a:p>
-          <a:p>
-            <a:pPr algn="l"/>
-            <a:endParaRPr lang="en-US" dirty="0">
-              <a:solidFill>
-                <a:srgbClr val="000000"/>
-              </a:solidFill>
-              <a:latin typeface="Neutraface Text Bold"/>
-            </a:endParaRPr>
-          </a:p>
-          <a:p>
-            <a:pPr algn="l"/>
-            <a:r>
-              <a:rPr lang="en-US" b="0" i="0" dirty="0">
-                <a:solidFill>
-                  <a:srgbClr val="000000"/>
-                </a:solidFill>
-                <a:effectLst/>
-                <a:latin typeface="Neutraface Text Bold"/>
-              </a:rPr>
-              <a:t>DOM = another built-in object in JS(like console, Math, JSON, </a:t>
-            </a:r>
-            <a:r>
-              <a:rPr lang="en-US" b="0" i="0" dirty="0" err="1">
-                <a:solidFill>
-                  <a:srgbClr val="000000"/>
-                </a:solidFill>
-                <a:effectLst/>
-                <a:latin typeface="Neutraface Text Bold"/>
-              </a:rPr>
-              <a:t>localStorage</a:t>
-            </a:r>
-            <a:r>
-              <a:rPr lang="en-US" b="0" i="0" dirty="0">
-                <a:solidFill>
-                  <a:srgbClr val="000000"/>
-                </a:solidFill>
-                <a:effectLst/>
-                <a:latin typeface="Neutraface Text Bold"/>
-              </a:rPr>
-              <a:t>) </a:t>
-            </a:r>
-            <a:r>
-              <a:rPr lang="en-US" b="0" i="0" dirty="0">
-                <a:solidFill>
-                  <a:srgbClr val="000000"/>
-                </a:solidFill>
-                <a:effectLst/>
-                <a:latin typeface="Neutraface Text Bold"/>
-                <a:sym typeface="Wingdings" panose="05000000000000000000" pitchFamily="2" charset="2"/>
-              </a:rPr>
-              <a:t> access using document</a:t>
-            </a:r>
-            <a:endParaRPr lang="en-US" b="0" i="0" dirty="0">
-              <a:solidFill>
-                <a:srgbClr val="000000"/>
-              </a:solidFill>
-              <a:effectLst/>
-              <a:latin typeface="Neutraface Text Bold"/>
-            </a:endParaRPr>
-          </a:p>
-        </p:txBody>
-      </p:sp>
-    </p:spTree>
-    <p:extLst>
-      <p:ext uri="{BB962C8B-B14F-4D97-AF65-F5344CB8AC3E}">
-        <p14:creationId xmlns:p14="http://schemas.microsoft.com/office/powerpoint/2010/main" val="2751136035"/>
-      </p:ext>
-    </p:extLst>
-  </p:cSld>
-  <p:clrMapOvr>
-    <a:masterClrMapping/>
-  </p:clrMapOvr>
-</p:sld>
-</file>
-
-<file path=ppt/slides/slide14.xml><?xml version="1.0" encoding="utf-8"?>
-<p:sld xmlns:a="http://schemas.openxmlformats.org/drawingml/2006/main" xmlns:r="http://schemas.openxmlformats.org/officeDocument/2006/relationships" xmlns:p="http://schemas.openxmlformats.org/presentationml/2006/main">
-  <p:cSld>
-    <p:bg>
-      <p:bgPr>
-        <a:solidFill>
-          <a:srgbClr val="F0DB4F"/>
-        </a:solidFill>
-        <a:effectLst/>
-      </p:bgPr>
-    </p:bg>
-    <p:spTree>
-      <p:nvGrpSpPr>
-        <p:cNvPr id="1" name=""/>
-        <p:cNvGrpSpPr/>
-        <p:nvPr/>
-      </p:nvGrpSpPr>
-      <p:grpSpPr>
-        <a:xfrm>
-          <a:off x="0" y="0"/>
-          <a:ext cx="0" cy="0"/>
-          <a:chOff x="0" y="0"/>
-          <a:chExt cx="0" cy="0"/>
-        </a:xfrm>
-      </p:grpSpPr>
-      <p:sp>
-        <p:nvSpPr>
-          <p:cNvPr id="19" name="TextBox 18">
-            <a:extLst>
-              <a:ext uri="{FF2B5EF4-FFF2-40B4-BE49-F238E27FC236}">
-                <a16:creationId xmlns:a16="http://schemas.microsoft.com/office/drawing/2014/main" id="{E625EB7E-F311-B0ED-BCE5-F93B52DF97AC}"/>
-              </a:ext>
-            </a:extLst>
-          </p:cNvPr>
-          <p:cNvSpPr txBox="1"/>
-          <p:nvPr/>
-        </p:nvSpPr>
-        <p:spPr>
-          <a:xfrm>
-            <a:off x="179943" y="401935"/>
-            <a:ext cx="11832114" cy="738664"/>
-          </a:xfrm>
-          <a:prstGeom prst="rect">
-            <a:avLst/>
-          </a:prstGeom>
-          <a:noFill/>
-        </p:spPr>
-        <p:txBody>
-          <a:bodyPr wrap="square">
-            <a:spAutoFit/>
-          </a:bodyPr>
-          <a:lstStyle/>
-          <a:p>
-            <a:pPr algn="l"/>
-            <a:r>
-              <a:rPr lang="en-US" sz="2400" b="1" i="0" dirty="0">
-                <a:solidFill>
-                  <a:srgbClr val="000000"/>
-                </a:solidFill>
-                <a:effectLst/>
-                <a:latin typeface="Neutraface Text Bold"/>
-              </a:rPr>
-              <a:t>The HTML DOM (Document Object Model)</a:t>
-            </a:r>
-          </a:p>
-          <a:p>
-            <a:pPr algn="l"/>
-            <a:endParaRPr lang="en-US" b="1" i="0" dirty="0">
-              <a:solidFill>
-                <a:srgbClr val="000000"/>
-              </a:solidFill>
-              <a:effectLst/>
-              <a:latin typeface="Neutraface Text Bold"/>
-            </a:endParaRPr>
-          </a:p>
-        </p:txBody>
-      </p:sp>
-      <p:sp>
-        <p:nvSpPr>
-          <p:cNvPr id="3" name="TextBox 2">
-            <a:extLst>
-              <a:ext uri="{FF2B5EF4-FFF2-40B4-BE49-F238E27FC236}">
-                <a16:creationId xmlns:a16="http://schemas.microsoft.com/office/drawing/2014/main" id="{8E412EA0-80D6-B059-D209-E8A9EFE2F4DD}"/>
-              </a:ext>
-            </a:extLst>
-          </p:cNvPr>
-          <p:cNvSpPr txBox="1"/>
-          <p:nvPr/>
-        </p:nvSpPr>
-        <p:spPr>
-          <a:xfrm>
-            <a:off x="179943" y="1140599"/>
-            <a:ext cx="8636000" cy="4801314"/>
-          </a:xfrm>
-          <a:prstGeom prst="rect">
-            <a:avLst/>
-          </a:prstGeom>
-          <a:noFill/>
-        </p:spPr>
-        <p:txBody>
-          <a:bodyPr wrap="square">
-            <a:spAutoFit/>
-          </a:bodyPr>
-          <a:lstStyle/>
-          <a:p>
-            <a:pPr algn="l"/>
-            <a:r>
-              <a:rPr lang="en-US" b="0" i="0" dirty="0">
-                <a:effectLst/>
-                <a:latin typeface="Neutraface Text Bold"/>
-              </a:rPr>
-              <a:t>With the object model, JavaScript gets all the power it needs to create dynamic HTML:</a:t>
-            </a:r>
-          </a:p>
-          <a:p>
-            <a:pPr algn="l"/>
-            <a:endParaRPr lang="en-US" b="0" i="0" dirty="0">
-              <a:effectLst/>
-              <a:latin typeface="Neutraface Text Bold"/>
-            </a:endParaRPr>
-          </a:p>
-          <a:p>
-            <a:pPr algn="l">
-              <a:buFont typeface="Arial" panose="020B0604020202020204" pitchFamily="34" charset="0"/>
-              <a:buChar char="•"/>
-            </a:pPr>
-            <a:r>
-              <a:rPr lang="en-US" b="0" i="0" dirty="0">
-                <a:effectLst/>
-                <a:latin typeface="Neutraface Text Bold"/>
-              </a:rPr>
-              <a:t>JavaScript can change all the HTML elements in the page</a:t>
-            </a:r>
-          </a:p>
-          <a:p>
-            <a:pPr algn="l"/>
-            <a:endParaRPr lang="en-US" b="0" i="0" dirty="0">
-              <a:effectLst/>
-              <a:latin typeface="Neutraface Text Bold"/>
-            </a:endParaRPr>
-          </a:p>
-          <a:p>
-            <a:pPr algn="l">
-              <a:buFont typeface="Arial" panose="020B0604020202020204" pitchFamily="34" charset="0"/>
-              <a:buChar char="•"/>
-            </a:pPr>
-            <a:r>
-              <a:rPr lang="en-US" b="0" i="0" dirty="0">
-                <a:effectLst/>
-                <a:latin typeface="Neutraface Text Bold"/>
-              </a:rPr>
-              <a:t>JavaScript can change all the HTML attributes in the page</a:t>
-            </a:r>
-          </a:p>
-          <a:p>
-            <a:pPr algn="l"/>
-            <a:endParaRPr lang="en-US" b="0" i="0" dirty="0">
-              <a:effectLst/>
-              <a:latin typeface="Neutraface Text Bold"/>
-            </a:endParaRPr>
-          </a:p>
-          <a:p>
-            <a:pPr algn="l">
-              <a:buFont typeface="Arial" panose="020B0604020202020204" pitchFamily="34" charset="0"/>
-              <a:buChar char="•"/>
-            </a:pPr>
-            <a:r>
-              <a:rPr lang="en-US" b="0" i="0" dirty="0">
-                <a:effectLst/>
-                <a:latin typeface="Neutraface Text Bold"/>
-              </a:rPr>
-              <a:t>JavaScript can change all the CSS styles in the page</a:t>
-            </a:r>
-          </a:p>
-          <a:p>
-            <a:pPr algn="l"/>
-            <a:endParaRPr lang="en-US" b="0" i="0" dirty="0">
-              <a:effectLst/>
-              <a:latin typeface="Neutraface Text Bold"/>
-            </a:endParaRPr>
-          </a:p>
-          <a:p>
-            <a:pPr algn="l">
-              <a:buFont typeface="Arial" panose="020B0604020202020204" pitchFamily="34" charset="0"/>
-              <a:buChar char="•"/>
-            </a:pPr>
-            <a:r>
-              <a:rPr lang="en-US" b="0" i="0" dirty="0">
-                <a:effectLst/>
-                <a:latin typeface="Neutraface Text Bold"/>
-              </a:rPr>
-              <a:t>JavaScript can remove existing HTML elements and attributes</a:t>
-            </a:r>
-          </a:p>
-          <a:p>
-            <a:pPr algn="l"/>
-            <a:endParaRPr lang="en-US" b="0" i="0" dirty="0">
-              <a:effectLst/>
-              <a:latin typeface="Neutraface Text Bold"/>
-            </a:endParaRPr>
-          </a:p>
-          <a:p>
-            <a:pPr algn="l">
-              <a:buFont typeface="Arial" panose="020B0604020202020204" pitchFamily="34" charset="0"/>
-              <a:buChar char="•"/>
-            </a:pPr>
-            <a:r>
-              <a:rPr lang="en-US" b="0" i="0" dirty="0">
-                <a:effectLst/>
-                <a:latin typeface="Neutraface Text Bold"/>
-              </a:rPr>
-              <a:t>JavaScript can add new HTML elements and attributes</a:t>
-            </a:r>
-          </a:p>
-          <a:p>
-            <a:pPr algn="l"/>
-            <a:endParaRPr lang="en-US" b="0" i="0" dirty="0">
-              <a:effectLst/>
-              <a:latin typeface="Neutraface Text Bold"/>
-            </a:endParaRPr>
-          </a:p>
-          <a:p>
-            <a:pPr algn="l">
-              <a:buFont typeface="Arial" panose="020B0604020202020204" pitchFamily="34" charset="0"/>
-              <a:buChar char="•"/>
-            </a:pPr>
-            <a:r>
-              <a:rPr lang="en-US" b="0" i="0" dirty="0">
-                <a:effectLst/>
-                <a:latin typeface="Neutraface Text Bold"/>
-              </a:rPr>
-              <a:t>JavaScript can react to all existing HTML events in the page</a:t>
-            </a:r>
-          </a:p>
-          <a:p>
-            <a:pPr algn="l"/>
-            <a:endParaRPr lang="en-US" b="0" i="0" dirty="0">
-              <a:effectLst/>
-              <a:latin typeface="Neutraface Text Bold"/>
-            </a:endParaRPr>
-          </a:p>
-          <a:p>
-            <a:pPr algn="l">
-              <a:buFont typeface="Arial" panose="020B0604020202020204" pitchFamily="34" charset="0"/>
-              <a:buChar char="•"/>
-            </a:pPr>
-            <a:r>
-              <a:rPr lang="en-US" b="0" i="0" dirty="0">
-                <a:effectLst/>
-                <a:latin typeface="Neutraface Text Bold"/>
-              </a:rPr>
-              <a:t>JavaScript can create new HTML events in the page</a:t>
-            </a:r>
-          </a:p>
-          <a:p>
-            <a:br>
-              <a:rPr lang="en-US" dirty="0">
-                <a:latin typeface="Neutraface Text Bold"/>
-              </a:rPr>
-            </a:br>
-            <a:endParaRPr lang="en-PH" dirty="0">
-              <a:latin typeface="Neutraface Text Bold"/>
-            </a:endParaRPr>
-          </a:p>
-        </p:txBody>
-      </p:sp>
-    </p:spTree>
-    <p:extLst>
-      <p:ext uri="{BB962C8B-B14F-4D97-AF65-F5344CB8AC3E}">
-        <p14:creationId xmlns:p14="http://schemas.microsoft.com/office/powerpoint/2010/main" val="3039397172"/>
-      </p:ext>
-    </p:extLst>
-  </p:cSld>
-  <p:clrMapOvr>
-    <a:masterClrMapping/>
-  </p:clrMapOvr>
-</p:sld>
-</file>
-
-<file path=ppt/slides/slide15.xml><?xml version="1.0" encoding="utf-8"?>
-<p:sld xmlns:a="http://schemas.openxmlformats.org/drawingml/2006/main" xmlns:r="http://schemas.openxmlformats.org/officeDocument/2006/relationships" xmlns:p="http://schemas.openxmlformats.org/presentationml/2006/main">
-  <p:cSld>
-    <p:bg>
-      <p:bgPr>
-        <a:solidFill>
-          <a:srgbClr val="F0DB4F"/>
-        </a:solidFill>
-        <a:effectLst/>
-      </p:bgPr>
-    </p:bg>
-    <p:spTree>
-      <p:nvGrpSpPr>
-        <p:cNvPr id="1" name=""/>
-        <p:cNvGrpSpPr/>
-        <p:nvPr/>
-      </p:nvGrpSpPr>
-      <p:grpSpPr>
-        <a:xfrm>
-          <a:off x="0" y="0"/>
-          <a:ext cx="0" cy="0"/>
-          <a:chOff x="0" y="0"/>
-          <a:chExt cx="0" cy="0"/>
-        </a:xfrm>
-      </p:grpSpPr>
-      <p:sp>
-        <p:nvSpPr>
-          <p:cNvPr id="19" name="TextBox 18">
-            <a:extLst>
-              <a:ext uri="{FF2B5EF4-FFF2-40B4-BE49-F238E27FC236}">
-                <a16:creationId xmlns:a16="http://schemas.microsoft.com/office/drawing/2014/main" id="{E625EB7E-F311-B0ED-BCE5-F93B52DF97AC}"/>
-              </a:ext>
-            </a:extLst>
-          </p:cNvPr>
-          <p:cNvSpPr txBox="1"/>
-          <p:nvPr/>
-        </p:nvSpPr>
-        <p:spPr>
-          <a:xfrm>
-            <a:off x="179943" y="401935"/>
-            <a:ext cx="11832114" cy="738664"/>
-          </a:xfrm>
-          <a:prstGeom prst="rect">
-            <a:avLst/>
-          </a:prstGeom>
-          <a:noFill/>
-        </p:spPr>
-        <p:txBody>
-          <a:bodyPr wrap="square">
-            <a:spAutoFit/>
-          </a:bodyPr>
-          <a:lstStyle/>
-          <a:p>
-            <a:pPr algn="l"/>
-            <a:r>
-              <a:rPr lang="en-US" sz="2400" b="1" i="0" dirty="0">
-                <a:solidFill>
-                  <a:srgbClr val="000000"/>
-                </a:solidFill>
-                <a:effectLst/>
-                <a:latin typeface="Neutraface Text Bold"/>
-              </a:rPr>
-              <a:t>The HTML DOM (Document Object Model)</a:t>
-            </a:r>
-          </a:p>
-          <a:p>
-            <a:pPr algn="l"/>
-            <a:endParaRPr lang="en-US" b="1" i="0" dirty="0">
-              <a:solidFill>
-                <a:srgbClr val="000000"/>
-              </a:solidFill>
-              <a:effectLst/>
-              <a:latin typeface="Neutraface Text Bold"/>
-            </a:endParaRPr>
-          </a:p>
-        </p:txBody>
-      </p:sp>
-      <p:sp>
-        <p:nvSpPr>
-          <p:cNvPr id="3" name="TextBox 2">
-            <a:extLst>
-              <a:ext uri="{FF2B5EF4-FFF2-40B4-BE49-F238E27FC236}">
-                <a16:creationId xmlns:a16="http://schemas.microsoft.com/office/drawing/2014/main" id="{8E412EA0-80D6-B059-D209-E8A9EFE2F4DD}"/>
-              </a:ext>
-            </a:extLst>
-          </p:cNvPr>
-          <p:cNvSpPr txBox="1"/>
-          <p:nvPr/>
-        </p:nvSpPr>
-        <p:spPr>
-          <a:xfrm>
-            <a:off x="179943" y="1140599"/>
-            <a:ext cx="8636000" cy="4801314"/>
-          </a:xfrm>
-          <a:prstGeom prst="rect">
-            <a:avLst/>
-          </a:prstGeom>
-          <a:noFill/>
-        </p:spPr>
-        <p:txBody>
-          <a:bodyPr wrap="square">
-            <a:spAutoFit/>
-          </a:bodyPr>
-          <a:lstStyle/>
-          <a:p>
-            <a:pPr algn="l"/>
-            <a:r>
-              <a:rPr lang="en-US" b="0" i="0" dirty="0">
-                <a:effectLst/>
-                <a:latin typeface="Neutraface Text Bold"/>
-              </a:rPr>
-              <a:t>With the object model, JavaScript gets all the power it needs to create dynamic HTML:</a:t>
-            </a:r>
-          </a:p>
-          <a:p>
-            <a:pPr algn="l"/>
-            <a:endParaRPr lang="en-US" b="0" i="0" dirty="0">
-              <a:effectLst/>
-              <a:latin typeface="Neutraface Text Bold"/>
-            </a:endParaRPr>
-          </a:p>
-          <a:p>
-            <a:pPr algn="l">
-              <a:buFont typeface="Arial" panose="020B0604020202020204" pitchFamily="34" charset="0"/>
-              <a:buChar char="•"/>
-            </a:pPr>
-            <a:r>
-              <a:rPr lang="en-US" b="0" i="0" dirty="0">
-                <a:effectLst/>
-                <a:highlight>
-                  <a:srgbClr val="00FF00"/>
-                </a:highlight>
-                <a:latin typeface="Neutraface Text Bold"/>
-              </a:rPr>
-              <a:t>JavaScript can change all the HTML elements in the page</a:t>
-            </a:r>
-          </a:p>
-          <a:p>
-            <a:pPr algn="l"/>
-            <a:endParaRPr lang="en-US" b="0" i="0" dirty="0">
-              <a:effectLst/>
-              <a:latin typeface="Neutraface Text Bold"/>
-            </a:endParaRPr>
-          </a:p>
-          <a:p>
-            <a:pPr algn="l">
-              <a:buFont typeface="Arial" panose="020B0604020202020204" pitchFamily="34" charset="0"/>
-              <a:buChar char="•"/>
-            </a:pPr>
-            <a:r>
-              <a:rPr lang="en-US" b="0" i="0" dirty="0">
-                <a:effectLst/>
-                <a:latin typeface="Neutraface Text Bold"/>
-              </a:rPr>
-              <a:t>JavaScript can change all the HTML attributes in the page</a:t>
-            </a:r>
-          </a:p>
-          <a:p>
-            <a:pPr algn="l"/>
-            <a:endParaRPr lang="en-US" b="0" i="0" dirty="0">
-              <a:effectLst/>
-              <a:latin typeface="Neutraface Text Bold"/>
-            </a:endParaRPr>
-          </a:p>
-          <a:p>
-            <a:pPr algn="l">
-              <a:buFont typeface="Arial" panose="020B0604020202020204" pitchFamily="34" charset="0"/>
-              <a:buChar char="•"/>
-            </a:pPr>
-            <a:r>
-              <a:rPr lang="en-US" b="0" i="0" dirty="0">
-                <a:effectLst/>
-                <a:latin typeface="Neutraface Text Bold"/>
-              </a:rPr>
-              <a:t>JavaScript can change all the CSS styles in the page</a:t>
-            </a:r>
-          </a:p>
-          <a:p>
-            <a:pPr algn="l"/>
-            <a:endParaRPr lang="en-US" b="0" i="0" dirty="0">
-              <a:effectLst/>
-              <a:latin typeface="Neutraface Text Bold"/>
-            </a:endParaRPr>
-          </a:p>
-          <a:p>
-            <a:pPr algn="l">
-              <a:buFont typeface="Arial" panose="020B0604020202020204" pitchFamily="34" charset="0"/>
-              <a:buChar char="•"/>
-            </a:pPr>
-            <a:r>
-              <a:rPr lang="en-US" b="0" i="0" dirty="0">
-                <a:effectLst/>
-                <a:latin typeface="Neutraface Text Bold"/>
-              </a:rPr>
-              <a:t>JavaScript can remove existing HTML elements and attributes</a:t>
-            </a:r>
-          </a:p>
-          <a:p>
-            <a:pPr algn="l"/>
-            <a:endParaRPr lang="en-US" b="0" i="0" dirty="0">
-              <a:effectLst/>
-              <a:latin typeface="Neutraface Text Bold"/>
-            </a:endParaRPr>
-          </a:p>
-          <a:p>
-            <a:pPr algn="l">
-              <a:buFont typeface="Arial" panose="020B0604020202020204" pitchFamily="34" charset="0"/>
-              <a:buChar char="•"/>
-            </a:pPr>
-            <a:r>
-              <a:rPr lang="en-US" b="0" i="0" dirty="0">
-                <a:effectLst/>
-                <a:latin typeface="Neutraface Text Bold"/>
-              </a:rPr>
-              <a:t>JavaScript can add new HTML elements and attributes</a:t>
-            </a:r>
-          </a:p>
-          <a:p>
-            <a:pPr algn="l"/>
-            <a:endParaRPr lang="en-US" b="0" i="0" dirty="0">
-              <a:effectLst/>
-              <a:latin typeface="Neutraface Text Bold"/>
-            </a:endParaRPr>
-          </a:p>
-          <a:p>
-            <a:pPr algn="l">
-              <a:buFont typeface="Arial" panose="020B0604020202020204" pitchFamily="34" charset="0"/>
-              <a:buChar char="•"/>
-            </a:pPr>
-            <a:r>
-              <a:rPr lang="en-US" b="0" i="0" dirty="0">
-                <a:effectLst/>
-                <a:latin typeface="Neutraface Text Bold"/>
-              </a:rPr>
-              <a:t>JavaScript can react to all existing HTML events in the page</a:t>
-            </a:r>
-          </a:p>
-          <a:p>
-            <a:pPr algn="l"/>
-            <a:endParaRPr lang="en-US" b="0" i="0" dirty="0">
-              <a:effectLst/>
-              <a:latin typeface="Neutraface Text Bold"/>
-            </a:endParaRPr>
-          </a:p>
-          <a:p>
-            <a:pPr algn="l">
-              <a:buFont typeface="Arial" panose="020B0604020202020204" pitchFamily="34" charset="0"/>
-              <a:buChar char="•"/>
-            </a:pPr>
-            <a:r>
-              <a:rPr lang="en-US" b="0" i="0" dirty="0">
-                <a:effectLst/>
-                <a:latin typeface="Neutraface Text Bold"/>
-              </a:rPr>
-              <a:t>JavaScript can create new HTML events in the page</a:t>
-            </a:r>
-          </a:p>
-          <a:p>
-            <a:br>
-              <a:rPr lang="en-US" dirty="0">
-                <a:latin typeface="Neutraface Text Bold"/>
-              </a:rPr>
-            </a:br>
-            <a:endParaRPr lang="en-PH" dirty="0">
-              <a:latin typeface="Neutraface Text Bold"/>
-            </a:endParaRPr>
-          </a:p>
-        </p:txBody>
-      </p:sp>
-    </p:spTree>
-    <p:extLst>
-      <p:ext uri="{BB962C8B-B14F-4D97-AF65-F5344CB8AC3E}">
-        <p14:creationId xmlns:p14="http://schemas.microsoft.com/office/powerpoint/2010/main" val="2729837741"/>
-      </p:ext>
-    </p:extLst>
-  </p:cSld>
-  <p:clrMapOvr>
-    <a:masterClrMapping/>
-  </p:clrMapOvr>
-</p:sld>
-</file>
-
-<file path=ppt/slides/slide16.xml><?xml version="1.0" encoding="utf-8"?>
-<p:sld xmlns:a="http://schemas.openxmlformats.org/drawingml/2006/main" xmlns:r="http://schemas.openxmlformats.org/officeDocument/2006/relationships" xmlns:p="http://schemas.openxmlformats.org/presentationml/2006/main">
-  <p:cSld>
-    <p:bg>
-      <p:bgPr>
-        <a:solidFill>
-          <a:srgbClr val="F0DB4F"/>
-        </a:solidFill>
-        <a:effectLst/>
-      </p:bgPr>
-    </p:bg>
-    <p:spTree>
-      <p:nvGrpSpPr>
-        <p:cNvPr id="1" name=""/>
-        <p:cNvGrpSpPr/>
-        <p:nvPr/>
-      </p:nvGrpSpPr>
-      <p:grpSpPr>
-        <a:xfrm>
-          <a:off x="0" y="0"/>
-          <a:ext cx="0" cy="0"/>
-          <a:chOff x="0" y="0"/>
-          <a:chExt cx="0" cy="0"/>
-        </a:xfrm>
-      </p:grpSpPr>
-      <p:sp>
-        <p:nvSpPr>
-          <p:cNvPr id="22" name="TextBox 21">
-            <a:extLst>
-              <a:ext uri="{FF2B5EF4-FFF2-40B4-BE49-F238E27FC236}">
-                <a16:creationId xmlns:a16="http://schemas.microsoft.com/office/drawing/2014/main" id="{50C60562-9DDC-9678-1A26-C2407DB0102C}"/>
-              </a:ext>
-            </a:extLst>
-          </p:cNvPr>
-          <p:cNvSpPr txBox="1"/>
-          <p:nvPr/>
-        </p:nvSpPr>
-        <p:spPr>
-          <a:xfrm>
-            <a:off x="489528" y="420316"/>
-            <a:ext cx="7684654" cy="646331"/>
-          </a:xfrm>
-          <a:prstGeom prst="rect">
-            <a:avLst/>
-          </a:prstGeom>
-          <a:noFill/>
-        </p:spPr>
-        <p:txBody>
-          <a:bodyPr wrap="square">
-            <a:spAutoFit/>
-          </a:bodyPr>
-          <a:lstStyle/>
-          <a:p>
-            <a:pPr algn="l"/>
-            <a:r>
-              <a:rPr lang="en-PH" sz="3600" b="0" i="0" dirty="0">
-                <a:effectLst/>
-                <a:latin typeface="Neutraface Text Bold"/>
-              </a:rPr>
-              <a:t>JavaScript - HTML DOM Methods</a:t>
-            </a:r>
-          </a:p>
-        </p:txBody>
-      </p:sp>
-      <p:sp>
-        <p:nvSpPr>
-          <p:cNvPr id="24" name="TextBox 23">
-            <a:extLst>
-              <a:ext uri="{FF2B5EF4-FFF2-40B4-BE49-F238E27FC236}">
-                <a16:creationId xmlns:a16="http://schemas.microsoft.com/office/drawing/2014/main" id="{7ED9D09D-3134-B408-CC3A-FB20BBA86A30}"/>
-              </a:ext>
-            </a:extLst>
-          </p:cNvPr>
-          <p:cNvSpPr txBox="1"/>
-          <p:nvPr/>
-        </p:nvSpPr>
-        <p:spPr>
-          <a:xfrm>
-            <a:off x="489528" y="1261330"/>
-            <a:ext cx="8654472" cy="5755422"/>
-          </a:xfrm>
-          <a:prstGeom prst="rect">
-            <a:avLst/>
-          </a:prstGeom>
-          <a:noFill/>
-        </p:spPr>
-        <p:txBody>
-          <a:bodyPr wrap="square">
-            <a:spAutoFit/>
-          </a:bodyPr>
-          <a:lstStyle/>
-          <a:p>
-            <a:pPr algn="l"/>
-            <a:r>
-              <a:rPr lang="en-US" sz="1600" b="0" i="0" dirty="0">
-                <a:effectLst/>
-                <a:latin typeface="Neutraface Text Bold"/>
-              </a:rPr>
-              <a:t>The HTML DOM can be accessed with JavaScript (and with other programming languages).</a:t>
-            </a:r>
-          </a:p>
-          <a:p>
-            <a:pPr algn="l"/>
-            <a:r>
-              <a:rPr lang="en-US" sz="1600" b="0" i="0" dirty="0">
-                <a:effectLst/>
-                <a:latin typeface="Neutraface Text Bold"/>
-              </a:rPr>
-              <a:t>In the DOM, all HTML elements are defined as </a:t>
-            </a:r>
-            <a:r>
-              <a:rPr lang="en-US" sz="1600" b="1" i="0" dirty="0">
-                <a:effectLst/>
-                <a:latin typeface="Neutraface Text Bold"/>
-              </a:rPr>
-              <a:t>objects</a:t>
-            </a:r>
-            <a:r>
-              <a:rPr lang="en-US" sz="1600" b="0" i="0" dirty="0">
-                <a:effectLst/>
-                <a:latin typeface="Neutraface Text Bold"/>
-              </a:rPr>
-              <a:t>.</a:t>
-            </a:r>
-          </a:p>
-          <a:p>
-            <a:pPr algn="l"/>
-            <a:endParaRPr lang="en-US" sz="1600" b="0" i="0" dirty="0">
-              <a:effectLst/>
-              <a:latin typeface="Neutraface Text Bold"/>
-            </a:endParaRPr>
-          </a:p>
-          <a:p>
-            <a:pPr algn="l"/>
-            <a:r>
-              <a:rPr lang="en-US" sz="1600" b="0" i="0" dirty="0">
-                <a:effectLst/>
-                <a:latin typeface="Neutraface Text Bold"/>
-              </a:rPr>
-              <a:t>The programming interface is the properties and methods of each object</a:t>
-            </a:r>
-            <a:r>
-              <a:rPr lang="en-US" sz="1600" dirty="0">
-                <a:latin typeface="Neutraface Text Bold"/>
-              </a:rPr>
-              <a:t>:</a:t>
-            </a:r>
-            <a:br>
-              <a:rPr lang="en-US" sz="1600" dirty="0">
-                <a:latin typeface="Neutraface Text Bold"/>
-              </a:rPr>
-            </a:br>
-            <a:br>
-              <a:rPr lang="en-US" sz="1600" dirty="0">
-                <a:latin typeface="Neutraface Text Bold"/>
-              </a:rPr>
-            </a:br>
-            <a:r>
-              <a:rPr lang="en-PH" sz="1600" b="0" i="0" dirty="0">
-                <a:solidFill>
-                  <a:srgbClr val="0000CD"/>
-                </a:solidFill>
-                <a:effectLst/>
-                <a:latin typeface="Consolas" panose="020B0609020204030204" pitchFamily="49" charset="0"/>
-              </a:rPr>
-              <a:t>&lt;</a:t>
-            </a:r>
-            <a:r>
-              <a:rPr lang="en-PH" sz="1600" b="0" i="0" dirty="0">
-                <a:solidFill>
-                  <a:srgbClr val="A52A2A"/>
-                </a:solidFill>
-                <a:effectLst/>
-                <a:latin typeface="Consolas" panose="020B0609020204030204" pitchFamily="49" charset="0"/>
-              </a:rPr>
-              <a:t>html</a:t>
-            </a:r>
-            <a:r>
-              <a:rPr lang="en-PH" sz="1600" b="0" i="0" dirty="0">
-                <a:solidFill>
-                  <a:srgbClr val="0000CD"/>
-                </a:solidFill>
-                <a:effectLst/>
-                <a:latin typeface="Consolas" panose="020B0609020204030204" pitchFamily="49" charset="0"/>
-              </a:rPr>
-              <a:t>&gt;</a:t>
-            </a:r>
-            <a:br>
-              <a:rPr lang="en-PH" sz="1600" dirty="0"/>
-            </a:br>
-            <a:r>
-              <a:rPr lang="en-PH" sz="1600" b="0" i="0" dirty="0">
-                <a:solidFill>
-                  <a:srgbClr val="0000CD"/>
-                </a:solidFill>
-                <a:effectLst/>
-                <a:latin typeface="Consolas" panose="020B0609020204030204" pitchFamily="49" charset="0"/>
-              </a:rPr>
-              <a:t>&lt;</a:t>
-            </a:r>
-            <a:r>
-              <a:rPr lang="en-PH" sz="1600" b="0" i="0" dirty="0">
-                <a:solidFill>
-                  <a:srgbClr val="A52A2A"/>
-                </a:solidFill>
-                <a:effectLst/>
-                <a:latin typeface="Consolas" panose="020B0609020204030204" pitchFamily="49" charset="0"/>
-              </a:rPr>
-              <a:t>body</a:t>
-            </a:r>
-            <a:r>
-              <a:rPr lang="en-PH" sz="1600" b="0" i="0" dirty="0">
-                <a:solidFill>
-                  <a:srgbClr val="0000CD"/>
-                </a:solidFill>
-                <a:effectLst/>
-                <a:latin typeface="Consolas" panose="020B0609020204030204" pitchFamily="49" charset="0"/>
-              </a:rPr>
-              <a:t>&gt;</a:t>
-            </a:r>
-            <a:br>
-              <a:rPr lang="en-PH" sz="1600" dirty="0"/>
-            </a:br>
-            <a:br>
-              <a:rPr lang="en-PH" sz="1600" dirty="0"/>
-            </a:br>
-            <a:r>
-              <a:rPr lang="en-PH" sz="1600" b="0" i="0" dirty="0">
-                <a:solidFill>
-                  <a:srgbClr val="0000CD"/>
-                </a:solidFill>
-                <a:effectLst/>
-                <a:latin typeface="Consolas" panose="020B0609020204030204" pitchFamily="49" charset="0"/>
-              </a:rPr>
-              <a:t>&lt;</a:t>
-            </a:r>
-            <a:r>
-              <a:rPr lang="en-PH" sz="1600" b="0" i="0" dirty="0">
-                <a:solidFill>
-                  <a:srgbClr val="A52A2A"/>
-                </a:solidFill>
-                <a:effectLst/>
-                <a:latin typeface="Consolas" panose="020B0609020204030204" pitchFamily="49" charset="0"/>
-              </a:rPr>
-              <a:t>p</a:t>
-            </a:r>
-            <a:r>
-              <a:rPr lang="en-PH" sz="1600" b="0" i="0" dirty="0">
-                <a:solidFill>
-                  <a:srgbClr val="FF0000"/>
-                </a:solidFill>
-                <a:effectLst/>
-                <a:latin typeface="Consolas" panose="020B0609020204030204" pitchFamily="49" charset="0"/>
-              </a:rPr>
-              <a:t> id</a:t>
-            </a:r>
-            <a:r>
-              <a:rPr lang="en-PH" sz="1600" b="0" i="0" dirty="0">
-                <a:solidFill>
-                  <a:srgbClr val="0000CD"/>
-                </a:solidFill>
-                <a:effectLst/>
-                <a:latin typeface="Consolas" panose="020B0609020204030204" pitchFamily="49" charset="0"/>
-              </a:rPr>
-              <a:t>="demo"&gt;&lt;</a:t>
-            </a:r>
-            <a:r>
-              <a:rPr lang="en-PH" sz="1600" b="0" i="0" dirty="0">
-                <a:solidFill>
-                  <a:srgbClr val="A52A2A"/>
-                </a:solidFill>
-                <a:effectLst/>
-                <a:latin typeface="Consolas" panose="020B0609020204030204" pitchFamily="49" charset="0"/>
-              </a:rPr>
-              <a:t>/p</a:t>
-            </a:r>
-            <a:r>
-              <a:rPr lang="en-PH" sz="1600" b="0" i="0" dirty="0">
-                <a:solidFill>
-                  <a:srgbClr val="0000CD"/>
-                </a:solidFill>
-                <a:effectLst/>
-                <a:latin typeface="Consolas" panose="020B0609020204030204" pitchFamily="49" charset="0"/>
-              </a:rPr>
-              <a:t>&gt;</a:t>
-            </a:r>
-            <a:br>
-              <a:rPr lang="en-PH" sz="1600" dirty="0"/>
-            </a:br>
-            <a:br>
-              <a:rPr lang="en-PH" sz="1600" dirty="0"/>
-            </a:br>
-            <a:r>
-              <a:rPr lang="en-PH" sz="1600" b="0" i="0" dirty="0">
-                <a:solidFill>
-                  <a:srgbClr val="0000CD"/>
-                </a:solidFill>
-                <a:effectLst/>
-                <a:latin typeface="Consolas" panose="020B0609020204030204" pitchFamily="49" charset="0"/>
-              </a:rPr>
-              <a:t>&lt;</a:t>
-            </a:r>
-            <a:r>
-              <a:rPr lang="en-PH" sz="1600" b="0" i="0" dirty="0">
-                <a:solidFill>
-                  <a:srgbClr val="A52A2A"/>
-                </a:solidFill>
-                <a:effectLst/>
-                <a:latin typeface="Consolas" panose="020B0609020204030204" pitchFamily="49" charset="0"/>
-              </a:rPr>
-              <a:t>script</a:t>
-            </a:r>
-            <a:r>
-              <a:rPr lang="en-PH" sz="1600" b="0" i="0" dirty="0">
-                <a:solidFill>
-                  <a:srgbClr val="0000CD"/>
-                </a:solidFill>
-                <a:effectLst/>
-                <a:latin typeface="Consolas" panose="020B0609020204030204" pitchFamily="49" charset="0"/>
-              </a:rPr>
-              <a:t>&gt;</a:t>
-            </a:r>
-            <a:br>
-              <a:rPr lang="en-PH" sz="1600" b="0" i="0" dirty="0">
-                <a:solidFill>
-                  <a:srgbClr val="000000"/>
-                </a:solidFill>
-                <a:effectLst/>
-                <a:latin typeface="Consolas" panose="020B0609020204030204" pitchFamily="49" charset="0"/>
-              </a:rPr>
-            </a:br>
-            <a:r>
-              <a:rPr lang="en-PH" sz="1600" b="0" i="0" dirty="0">
-                <a:solidFill>
-                  <a:srgbClr val="000000"/>
-                </a:solidFill>
-                <a:effectLst/>
-                <a:latin typeface="Consolas" panose="020B0609020204030204" pitchFamily="49" charset="0"/>
-              </a:rPr>
-              <a:t>  </a:t>
-            </a:r>
-            <a:r>
-              <a:rPr lang="en-PH" sz="1600" b="0" i="0" dirty="0" err="1">
-                <a:solidFill>
-                  <a:srgbClr val="000000"/>
-                </a:solidFill>
-                <a:effectLst/>
-                <a:latin typeface="Consolas" panose="020B0609020204030204" pitchFamily="49" charset="0"/>
-              </a:rPr>
-              <a:t>document.getElementById</a:t>
-            </a:r>
-            <a:r>
-              <a:rPr lang="en-PH" sz="1600" b="0" i="0" dirty="0">
-                <a:solidFill>
-                  <a:srgbClr val="000000"/>
-                </a:solidFill>
-                <a:effectLst/>
-                <a:latin typeface="Consolas" panose="020B0609020204030204" pitchFamily="49" charset="0"/>
-              </a:rPr>
-              <a:t>(</a:t>
-            </a:r>
-            <a:r>
-              <a:rPr lang="en-PH" sz="1600" b="0" i="0" dirty="0">
-                <a:solidFill>
-                  <a:srgbClr val="A52A2A"/>
-                </a:solidFill>
-                <a:effectLst/>
-                <a:latin typeface="Consolas" panose="020B0609020204030204" pitchFamily="49" charset="0"/>
-              </a:rPr>
-              <a:t>"demo"</a:t>
-            </a:r>
-            <a:r>
-              <a:rPr lang="en-PH" sz="1600" b="0" i="0" dirty="0">
-                <a:solidFill>
-                  <a:srgbClr val="000000"/>
-                </a:solidFill>
-                <a:effectLst/>
-                <a:latin typeface="Consolas" panose="020B0609020204030204" pitchFamily="49" charset="0"/>
-              </a:rPr>
-              <a:t>).</a:t>
-            </a:r>
-            <a:r>
-              <a:rPr lang="en-PH" sz="1600" b="0" i="0" dirty="0" err="1">
-                <a:solidFill>
-                  <a:srgbClr val="000000"/>
-                </a:solidFill>
-                <a:effectLst/>
-                <a:latin typeface="Consolas" panose="020B0609020204030204" pitchFamily="49" charset="0"/>
-              </a:rPr>
-              <a:t>innerHTML</a:t>
-            </a:r>
-            <a:r>
-              <a:rPr lang="en-PH" sz="1600" b="0" i="0" dirty="0">
-                <a:solidFill>
-                  <a:srgbClr val="000000"/>
-                </a:solidFill>
-                <a:effectLst/>
-                <a:latin typeface="Consolas" panose="020B0609020204030204" pitchFamily="49" charset="0"/>
-              </a:rPr>
-              <a:t> = </a:t>
-            </a:r>
-            <a:r>
-              <a:rPr lang="en-PH" sz="1600" b="0" i="0" dirty="0">
-                <a:solidFill>
-                  <a:srgbClr val="A52A2A"/>
-                </a:solidFill>
-                <a:effectLst/>
-                <a:latin typeface="Consolas" panose="020B0609020204030204" pitchFamily="49" charset="0"/>
-              </a:rPr>
-              <a:t>"Hello World!"</a:t>
-            </a:r>
-            <a:r>
-              <a:rPr lang="en-PH" sz="1600" b="0" i="0" dirty="0">
-                <a:solidFill>
-                  <a:srgbClr val="000000"/>
-                </a:solidFill>
-                <a:effectLst/>
-                <a:latin typeface="Consolas" panose="020B0609020204030204" pitchFamily="49" charset="0"/>
-              </a:rPr>
-              <a:t>;</a:t>
-            </a:r>
-            <a:br>
-              <a:rPr lang="en-PH" sz="1600" b="0" i="0" dirty="0">
-                <a:solidFill>
-                  <a:srgbClr val="000000"/>
-                </a:solidFill>
-                <a:effectLst/>
-                <a:latin typeface="Consolas" panose="020B0609020204030204" pitchFamily="49" charset="0"/>
-              </a:rPr>
-            </a:br>
-            <a:r>
-              <a:rPr lang="en-PH" sz="1600" b="0" i="0" dirty="0">
-                <a:solidFill>
-                  <a:srgbClr val="0000CD"/>
-                </a:solidFill>
-                <a:effectLst/>
-                <a:latin typeface="Consolas" panose="020B0609020204030204" pitchFamily="49" charset="0"/>
-              </a:rPr>
-              <a:t>&lt;</a:t>
-            </a:r>
-            <a:r>
-              <a:rPr lang="en-PH" sz="1600" b="0" i="0" dirty="0">
-                <a:solidFill>
-                  <a:srgbClr val="A52A2A"/>
-                </a:solidFill>
-                <a:effectLst/>
-                <a:latin typeface="Consolas" panose="020B0609020204030204" pitchFamily="49" charset="0"/>
-              </a:rPr>
-              <a:t>/script</a:t>
-            </a:r>
-            <a:r>
-              <a:rPr lang="en-PH" sz="1600" b="0" i="0" dirty="0">
-                <a:solidFill>
-                  <a:srgbClr val="0000CD"/>
-                </a:solidFill>
-                <a:effectLst/>
-                <a:latin typeface="Consolas" panose="020B0609020204030204" pitchFamily="49" charset="0"/>
-              </a:rPr>
-              <a:t>&gt;</a:t>
-            </a:r>
-            <a:br>
-              <a:rPr lang="en-PH" sz="1600" dirty="0"/>
-            </a:br>
-            <a:br>
-              <a:rPr lang="en-PH" sz="1600" dirty="0"/>
-            </a:br>
-            <a:r>
-              <a:rPr lang="en-PH" sz="1600" b="0" i="0" dirty="0">
-                <a:solidFill>
-                  <a:srgbClr val="0000CD"/>
-                </a:solidFill>
-                <a:effectLst/>
-                <a:latin typeface="Consolas" panose="020B0609020204030204" pitchFamily="49" charset="0"/>
-              </a:rPr>
-              <a:t>&lt;</a:t>
-            </a:r>
-            <a:r>
-              <a:rPr lang="en-PH" sz="1600" b="0" i="0" dirty="0">
-                <a:solidFill>
-                  <a:srgbClr val="A52A2A"/>
-                </a:solidFill>
-                <a:effectLst/>
-                <a:latin typeface="Consolas" panose="020B0609020204030204" pitchFamily="49" charset="0"/>
-              </a:rPr>
-              <a:t>/body</a:t>
-            </a:r>
-            <a:r>
-              <a:rPr lang="en-PH" sz="1600" b="0" i="0" dirty="0">
-                <a:solidFill>
-                  <a:srgbClr val="0000CD"/>
-                </a:solidFill>
-                <a:effectLst/>
-                <a:latin typeface="Consolas" panose="020B0609020204030204" pitchFamily="49" charset="0"/>
-              </a:rPr>
-              <a:t>&gt;</a:t>
-            </a:r>
-            <a:br>
-              <a:rPr lang="en-PH" sz="1600" dirty="0"/>
-            </a:br>
-            <a:r>
-              <a:rPr lang="en-PH" sz="1600" b="0" i="0" dirty="0">
-                <a:solidFill>
-                  <a:srgbClr val="0000CD"/>
-                </a:solidFill>
-                <a:effectLst/>
-                <a:latin typeface="Consolas" panose="020B0609020204030204" pitchFamily="49" charset="0"/>
-              </a:rPr>
-              <a:t>&lt;</a:t>
-            </a:r>
-            <a:r>
-              <a:rPr lang="en-PH" sz="1600" b="0" i="0" dirty="0">
-                <a:solidFill>
-                  <a:srgbClr val="A52A2A"/>
-                </a:solidFill>
-                <a:effectLst/>
-                <a:latin typeface="Consolas" panose="020B0609020204030204" pitchFamily="49" charset="0"/>
-              </a:rPr>
-              <a:t>/html</a:t>
-            </a:r>
-            <a:r>
-              <a:rPr lang="en-PH" sz="1600" b="0" i="0" dirty="0">
-                <a:solidFill>
-                  <a:srgbClr val="0000CD"/>
-                </a:solidFill>
-                <a:effectLst/>
-                <a:latin typeface="Consolas" panose="020B0609020204030204" pitchFamily="49" charset="0"/>
-              </a:rPr>
-              <a:t>&gt;</a:t>
-            </a:r>
-            <a:endParaRPr lang="en-US" sz="1600" b="0" i="0" dirty="0">
-              <a:effectLst/>
-              <a:latin typeface="Neutraface Text Bold"/>
-            </a:endParaRPr>
-          </a:p>
-          <a:p>
-            <a:pPr algn="l"/>
-            <a:endParaRPr lang="en-US" sz="1600" b="0" i="0" dirty="0">
-              <a:effectLst/>
-              <a:latin typeface="Neutraface Text Bold"/>
-            </a:endParaRPr>
-          </a:p>
-          <a:p>
-            <a:r>
-              <a:rPr lang="en-US" sz="1600" b="0" i="0" dirty="0">
-                <a:effectLst/>
-                <a:latin typeface="Neutraface Text Bold"/>
-              </a:rPr>
-              <a:t>A </a:t>
-            </a:r>
-            <a:r>
-              <a:rPr lang="en-US" sz="1600" b="1" i="0" dirty="0">
-                <a:effectLst/>
-                <a:latin typeface="Neutraface Text Bold"/>
-              </a:rPr>
-              <a:t>method</a:t>
-            </a:r>
-            <a:r>
-              <a:rPr lang="en-US" sz="1600" b="0" i="0" dirty="0">
-                <a:effectLst/>
-                <a:latin typeface="Neutraface Text Bold"/>
-              </a:rPr>
-              <a:t> is an action you can do (access or find an HTML element).</a:t>
-            </a:r>
-          </a:p>
-          <a:p>
-            <a:pPr algn="l"/>
-            <a:endParaRPr lang="en-US" sz="1600" b="0" i="0" dirty="0">
-              <a:effectLst/>
-              <a:latin typeface="Neutraface Text Bold"/>
-            </a:endParaRPr>
-          </a:p>
-          <a:p>
-            <a:pPr algn="l"/>
-            <a:r>
-              <a:rPr lang="en-US" sz="1600" b="0" i="0" dirty="0">
-                <a:effectLst/>
-                <a:latin typeface="Neutraface Text Bold"/>
-              </a:rPr>
-              <a:t>A </a:t>
-            </a:r>
-            <a:r>
-              <a:rPr lang="en-US" sz="1600" b="1" i="0" dirty="0">
-                <a:effectLst/>
-                <a:latin typeface="Neutraface Text Bold"/>
-              </a:rPr>
-              <a:t>property</a:t>
-            </a:r>
-            <a:r>
-              <a:rPr lang="en-US" sz="1600" b="0" i="0" dirty="0">
-                <a:effectLst/>
-                <a:latin typeface="Neutraface Text Bold"/>
-              </a:rPr>
-              <a:t> is a value that you can get or set (like changing the content of an HTML element).</a:t>
-            </a:r>
-          </a:p>
-          <a:p>
-            <a:pPr algn="l"/>
-            <a:endParaRPr lang="en-US" sz="1600" b="0" i="0" dirty="0">
-              <a:effectLst/>
-              <a:latin typeface="Neutraface Text Bold"/>
-            </a:endParaRPr>
-          </a:p>
-          <a:p>
-            <a:br>
-              <a:rPr lang="en-US" sz="1600" dirty="0">
-                <a:latin typeface="Neutraface Text Bold"/>
-              </a:rPr>
-            </a:br>
-            <a:endParaRPr lang="en-PH" sz="1600" dirty="0">
-              <a:latin typeface="Neutraface Text Bold"/>
-            </a:endParaRPr>
-          </a:p>
-        </p:txBody>
-      </p:sp>
-    </p:spTree>
-    <p:extLst>
-      <p:ext uri="{BB962C8B-B14F-4D97-AF65-F5344CB8AC3E}">
-        <p14:creationId xmlns:p14="http://schemas.microsoft.com/office/powerpoint/2010/main" val="297784243"/>
-      </p:ext>
-    </p:extLst>
-  </p:cSld>
-  <p:clrMapOvr>
-    <a:masterClrMapping/>
-  </p:clrMapOvr>
-</p:sld>
-</file>
-
-<file path=ppt/slides/slide2.xml><?xml version="1.0" encoding="utf-8"?>
-<p:sld xmlns:a="http://schemas.openxmlformats.org/drawingml/2006/main" xmlns:r="http://schemas.openxmlformats.org/officeDocument/2006/relationships" xmlns:p="http://schemas.openxmlformats.org/presentationml/2006/main">
-  <p:cSld>
-    <p:bg>
-      <p:bgPr>
-        <a:solidFill>
-          <a:srgbClr val="F0DB4F"/>
-        </a:solidFill>
-        <a:effectLst/>
-      </p:bgPr>
-    </p:bg>
-    <p:spTree>
-      <p:nvGrpSpPr>
-        <p:cNvPr id="1" name=""/>
-        <p:cNvGrpSpPr/>
-        <p:nvPr/>
-      </p:nvGrpSpPr>
-      <p:grpSpPr>
-        <a:xfrm>
-          <a:off x="0" y="0"/>
-          <a:ext cx="0" cy="0"/>
-          <a:chOff x="0" y="0"/>
-          <a:chExt cx="0" cy="0"/>
-        </a:xfrm>
-      </p:grpSpPr>
-      <p:pic>
-        <p:nvPicPr>
-          <p:cNvPr id="5" name="Picture 4">
-            <a:extLst>
-              <a:ext uri="{FF2B5EF4-FFF2-40B4-BE49-F238E27FC236}">
-                <a16:creationId xmlns:a16="http://schemas.microsoft.com/office/drawing/2014/main" id="{2CA34F3E-6A00-9B54-ABFB-1CEF4B64B0F4}"/>
-              </a:ext>
-            </a:extLst>
-          </p:cNvPr>
-          <p:cNvPicPr>
-            <a:picLocks noChangeAspect="1"/>
-          </p:cNvPicPr>
-          <p:nvPr/>
-        </p:nvPicPr>
-        <p:blipFill>
-          <a:blip r:embed="rId2"/>
-          <a:stretch>
-            <a:fillRect/>
-          </a:stretch>
-        </p:blipFill>
-        <p:spPr>
-          <a:xfrm>
-            <a:off x="3840284" y="1596231"/>
-            <a:ext cx="4511431" cy="3665538"/>
-          </a:xfrm>
-          <a:prstGeom prst="rect">
-            <a:avLst/>
-          </a:prstGeom>
-        </p:spPr>
-      </p:pic>
-    </p:spTree>
-    <p:extLst>
-      <p:ext uri="{BB962C8B-B14F-4D97-AF65-F5344CB8AC3E}">
-        <p14:creationId xmlns:p14="http://schemas.microsoft.com/office/powerpoint/2010/main" val="3809877702"/>
-      </p:ext>
-    </p:extLst>
-  </p:cSld>
-  <p:clrMapOvr>
-    <a:masterClrMapping/>
-  </p:clrMapOvr>
-</p:sld>
-</file>
-
-<file path=ppt/slides/slide3.xml><?xml version="1.0" encoding="utf-8"?>
-<p:sld xmlns:a="http://schemas.openxmlformats.org/drawingml/2006/main" xmlns:r="http://schemas.openxmlformats.org/officeDocument/2006/relationships" xmlns:p="http://schemas.openxmlformats.org/presentationml/2006/main">
-  <p:cSld>
-    <p:bg>
-      <p:bgPr>
-        <a:solidFill>
-          <a:srgbClr val="F0DB4F"/>
-        </a:solidFill>
-        <a:effectLst/>
-      </p:bgPr>
-    </p:bg>
-    <p:spTree>
-      <p:nvGrpSpPr>
-        <p:cNvPr id="1" name=""/>
-        <p:cNvGrpSpPr/>
-        <p:nvPr/>
-      </p:nvGrpSpPr>
-      <p:grpSpPr>
-        <a:xfrm>
-          <a:off x="0" y="0"/>
-          <a:ext cx="0" cy="0"/>
-          <a:chOff x="0" y="0"/>
-          <a:chExt cx="0" cy="0"/>
-        </a:xfrm>
-      </p:grpSpPr>
-      <p:pic>
-        <p:nvPicPr>
-          <p:cNvPr id="3" name="Picture 2">
-            <a:extLst>
-              <a:ext uri="{FF2B5EF4-FFF2-40B4-BE49-F238E27FC236}">
-                <a16:creationId xmlns:a16="http://schemas.microsoft.com/office/drawing/2014/main" id="{80A3C768-A82F-8AED-551B-891F68BF6C31}"/>
-              </a:ext>
-            </a:extLst>
-          </p:cNvPr>
-          <p:cNvPicPr>
-            <a:picLocks noChangeAspect="1"/>
-          </p:cNvPicPr>
-          <p:nvPr/>
-        </p:nvPicPr>
-        <p:blipFill>
-          <a:blip r:embed="rId2"/>
-          <a:stretch>
-            <a:fillRect/>
-          </a:stretch>
-        </p:blipFill>
-        <p:spPr>
-          <a:xfrm>
-            <a:off x="4118438" y="1584800"/>
-            <a:ext cx="3955123" cy="3688400"/>
-          </a:xfrm>
-          <a:prstGeom prst="rect">
-            <a:avLst/>
-          </a:prstGeom>
-        </p:spPr>
-      </p:pic>
-    </p:spTree>
-    <p:extLst>
-      <p:ext uri="{BB962C8B-B14F-4D97-AF65-F5344CB8AC3E}">
-        <p14:creationId xmlns:p14="http://schemas.microsoft.com/office/powerpoint/2010/main" val="3388369573"/>
-      </p:ext>
-    </p:extLst>
-  </p:cSld>
-  <p:clrMapOvr>
-    <a:masterClrMapping/>
-  </p:clrMapOvr>
-</p:sld>
-</file>
-
-<file path=ppt/slides/slide4.xml><?xml version="1.0" encoding="utf-8"?>
-<p:sld xmlns:a="http://schemas.openxmlformats.org/drawingml/2006/main" xmlns:r="http://schemas.openxmlformats.org/officeDocument/2006/relationships" xmlns:p="http://schemas.openxmlformats.org/presentationml/2006/main">
-  <p:cSld>
-    <p:bg>
-      <p:bgPr>
-        <a:solidFill>
-          <a:srgbClr val="F0DB4F"/>
-        </a:solidFill>
-        <a:effectLst/>
-      </p:bgPr>
-    </p:bg>
-    <p:spTree>
-      <p:nvGrpSpPr>
-        <p:cNvPr id="1" name=""/>
-        <p:cNvGrpSpPr/>
-        <p:nvPr/>
-      </p:nvGrpSpPr>
-      <p:grpSpPr>
-        <a:xfrm>
-          <a:off x="0" y="0"/>
-          <a:ext cx="0" cy="0"/>
-          <a:chOff x="0" y="0"/>
-          <a:chExt cx="0" cy="0"/>
-        </a:xfrm>
-      </p:grpSpPr>
-      <p:pic>
-        <p:nvPicPr>
-          <p:cNvPr id="3074" name="Picture 2" descr="Gojo Satoru Live Wallpaper Gif - canvas-a">
-            <a:extLst>
-              <a:ext uri="{FF2B5EF4-FFF2-40B4-BE49-F238E27FC236}">
-                <a16:creationId xmlns:a16="http://schemas.microsoft.com/office/drawing/2014/main" id="{3332FA0A-D96C-DAA4-F327-7D6DA0F5E2C5}"/>
-              </a:ext>
-            </a:extLst>
-          </p:cNvPr>
-          <p:cNvPicPr>
-            <a:picLocks noChangeAspect="1" noChangeArrowheads="1"/>
-          </p:cNvPicPr>
-          <p:nvPr/>
-        </p:nvPicPr>
-        <p:blipFill>
-          <a:blip r:embed="rId2">
-            <a:extLst>
-              <a:ext uri="{28A0092B-C50C-407E-A947-70E740481C1C}">
-                <a14:useLocalDpi xmlns:a14="http://schemas.microsoft.com/office/drawing/2010/main" val="0"/>
-              </a:ext>
-            </a:extLst>
-          </a:blip>
-          <a:srcRect/>
-          <a:stretch>
-            <a:fillRect/>
-          </a:stretch>
-        </p:blipFill>
-        <p:spPr bwMode="auto">
-          <a:xfrm>
-            <a:off x="3048000" y="552450"/>
-            <a:ext cx="6096000" cy="5753100"/>
-          </a:xfrm>
-          <a:prstGeom prst="rect">
-            <a:avLst/>
-          </a:prstGeom>
-          <a:noFill/>
-          <a:extLst>
-            <a:ext uri="{909E8E84-426E-40DD-AFC4-6F175D3DCCD1}">
-              <a14:hiddenFill xmlns:a14="http://schemas.microsoft.com/office/drawing/2010/main">
-                <a:solidFill>
-                  <a:srgbClr val="FFFFFF"/>
-                </a:solidFill>
-              </a14:hiddenFill>
-            </a:ext>
-          </a:extLst>
-        </p:spPr>
-      </p:pic>
-    </p:spTree>
-    <p:extLst>
-      <p:ext uri="{BB962C8B-B14F-4D97-AF65-F5344CB8AC3E}">
-        <p14:creationId xmlns:p14="http://schemas.microsoft.com/office/powerpoint/2010/main" val="3940096248"/>
-      </p:ext>
-    </p:extLst>
-  </p:cSld>
-  <p:clrMapOvr>
-    <a:masterClrMapping/>
-  </p:clrMapOvr>
-</p:sld>
-</file>
-
-<file path=ppt/slides/slide5.xml><?xml version="1.0" encoding="utf-8"?>
-<p:sld xmlns:a="http://schemas.openxmlformats.org/drawingml/2006/main" xmlns:r="http://schemas.openxmlformats.org/officeDocument/2006/relationships" xmlns:p="http://schemas.openxmlformats.org/presentationml/2006/main">
-  <p:cSld>
-    <p:bg>
-      <p:bgPr>
-        <a:solidFill>
-          <a:srgbClr val="F0DB4F"/>
-        </a:solidFill>
-        <a:effectLst/>
-      </p:bgPr>
-    </p:bg>
-    <p:spTree>
-      <p:nvGrpSpPr>
-        <p:cNvPr id="1" name=""/>
-        <p:cNvGrpSpPr/>
-        <p:nvPr/>
-      </p:nvGrpSpPr>
-      <p:grpSpPr>
-        <a:xfrm>
-          <a:off x="0" y="0"/>
-          <a:ext cx="0" cy="0"/>
-          <a:chOff x="0" y="0"/>
-          <a:chExt cx="0" cy="0"/>
-        </a:xfrm>
-      </p:grpSpPr>
-      <p:sp>
-        <p:nvSpPr>
-          <p:cNvPr id="6" name="TextBox 5">
-            <a:extLst>
-              <a:ext uri="{FF2B5EF4-FFF2-40B4-BE49-F238E27FC236}">
-                <a16:creationId xmlns:a16="http://schemas.microsoft.com/office/drawing/2014/main" id="{212C7CCA-BA5C-679A-B18A-B68CD9B1770E}"/>
-              </a:ext>
-            </a:extLst>
-          </p:cNvPr>
-          <p:cNvSpPr txBox="1"/>
-          <p:nvPr/>
-        </p:nvSpPr>
-        <p:spPr>
-          <a:xfrm>
-            <a:off x="500741" y="2816364"/>
-            <a:ext cx="8923176" cy="1225272"/>
-          </a:xfrm>
-          <a:prstGeom prst="rect">
-            <a:avLst/>
-          </a:prstGeom>
-          <a:noFill/>
-        </p:spPr>
-        <p:txBody>
-          <a:bodyPr wrap="square">
-            <a:spAutoFit/>
-          </a:bodyPr>
-          <a:lstStyle/>
-          <a:p>
-            <a:pPr marL="0" marR="0">
-              <a:lnSpc>
-                <a:spcPct val="107000"/>
-              </a:lnSpc>
-              <a:spcBef>
-                <a:spcPts val="750"/>
-              </a:spcBef>
-              <a:spcAft>
-                <a:spcPts val="750"/>
-              </a:spcAft>
-            </a:pPr>
-            <a:r>
-              <a:rPr lang="en-PH" sz="7200" kern="1800" dirty="0">
-                <a:solidFill>
-                  <a:srgbClr val="000000"/>
-                </a:solidFill>
-                <a:effectLst/>
-                <a:latin typeface="Neutraface Text Bold"/>
-                <a:ea typeface="Times New Roman" panose="02020603050405020304" pitchFamily="18" charset="0"/>
-                <a:cs typeface="Times New Roman" panose="02020603050405020304" pitchFamily="18" charset="0"/>
-              </a:rPr>
-              <a:t>JavaScript Objects</a:t>
-            </a:r>
-            <a:endParaRPr lang="en-PH" sz="3200" kern="100" dirty="0">
-              <a:effectLst/>
-              <a:latin typeface="Neutraface Text Bold"/>
-              <a:ea typeface="Calibri" panose="020F0502020204030204" pitchFamily="34" charset="0"/>
-              <a:cs typeface="Times New Roman" panose="02020603050405020304" pitchFamily="18" charset="0"/>
-            </a:endParaRPr>
-          </a:p>
-        </p:txBody>
-      </p:sp>
-    </p:spTree>
-    <p:extLst>
-      <p:ext uri="{BB962C8B-B14F-4D97-AF65-F5344CB8AC3E}">
-        <p14:creationId xmlns:p14="http://schemas.microsoft.com/office/powerpoint/2010/main" val="2897679020"/>
-      </p:ext>
-    </p:extLst>
-  </p:cSld>
-  <p:clrMapOvr>
-    <a:masterClrMapping/>
-  </p:clrMapOvr>
-</p:sld>
-</file>
-
-<file path=ppt/slides/slide6.xml><?xml version="1.0" encoding="utf-8"?>
-<p:sld xmlns:a="http://schemas.openxmlformats.org/drawingml/2006/main" xmlns:r="http://schemas.openxmlformats.org/officeDocument/2006/relationships" xmlns:p="http://schemas.openxmlformats.org/presentationml/2006/main">
-  <p:cSld>
-    <p:bg>
-      <p:bgPr>
-        <a:solidFill>
-          <a:srgbClr val="F0DB4F"/>
-        </a:solidFill>
-        <a:effectLst/>
-      </p:bgPr>
-    </p:bg>
-    <p:spTree>
-      <p:nvGrpSpPr>
-        <p:cNvPr id="1" name=""/>
-        <p:cNvGrpSpPr/>
-        <p:nvPr/>
-      </p:nvGrpSpPr>
-      <p:grpSpPr>
-        <a:xfrm>
-          <a:off x="0" y="0"/>
-          <a:ext cx="0" cy="0"/>
-          <a:chOff x="0" y="0"/>
-          <a:chExt cx="0" cy="0"/>
-        </a:xfrm>
-      </p:grpSpPr>
-      <p:pic>
-        <p:nvPicPr>
-          <p:cNvPr id="1026" name="Picture 2" descr="Here’s Your First Look at Tesla’s New Autopilot and UI | WIRED">
-            <a:extLst>
-              <a:ext uri="{FF2B5EF4-FFF2-40B4-BE49-F238E27FC236}">
-                <a16:creationId xmlns:a16="http://schemas.microsoft.com/office/drawing/2014/main" id="{B6770085-D4EF-07D2-8972-F7F63DE03C89}"/>
-              </a:ext>
-            </a:extLst>
-          </p:cNvPr>
-          <p:cNvPicPr>
-            <a:picLocks noChangeAspect="1" noChangeArrowheads="1"/>
-          </p:cNvPicPr>
-          <p:nvPr/>
-        </p:nvPicPr>
-        <p:blipFill>
-          <a:blip r:embed="rId2">
-            <a:extLst>
-              <a:ext uri="{28A0092B-C50C-407E-A947-70E740481C1C}">
-                <a14:useLocalDpi xmlns:a14="http://schemas.microsoft.com/office/drawing/2010/main" val="0"/>
-              </a:ext>
-            </a:extLst>
-          </a:blip>
-          <a:srcRect/>
-          <a:stretch>
-            <a:fillRect/>
-          </a:stretch>
-        </p:blipFill>
-        <p:spPr bwMode="auto">
-          <a:xfrm>
-            <a:off x="466725" y="1560133"/>
-            <a:ext cx="4829175" cy="3497641"/>
-          </a:xfrm>
-          <a:prstGeom prst="rect">
-            <a:avLst/>
-          </a:prstGeom>
-          <a:noFill/>
-          <a:extLst>
-            <a:ext uri="{909E8E84-426E-40DD-AFC4-6F175D3DCCD1}">
-              <a14:hiddenFill xmlns:a14="http://schemas.microsoft.com/office/drawing/2010/main">
-                <a:solidFill>
-                  <a:srgbClr val="FFFFFF"/>
-                </a:solidFill>
-              </a14:hiddenFill>
-            </a:ext>
-          </a:extLst>
-        </p:spPr>
-      </p:pic>
-      <p:sp>
-        <p:nvSpPr>
-          <p:cNvPr id="4" name="TextBox 3">
-            <a:extLst>
-              <a:ext uri="{FF2B5EF4-FFF2-40B4-BE49-F238E27FC236}">
-                <a16:creationId xmlns:a16="http://schemas.microsoft.com/office/drawing/2014/main" id="{D1514664-4FC2-4949-E299-9EA3B6D558BF}"/>
-              </a:ext>
-            </a:extLst>
-          </p:cNvPr>
-          <p:cNvSpPr txBox="1"/>
-          <p:nvPr/>
-        </p:nvSpPr>
-        <p:spPr>
-          <a:xfrm>
-            <a:off x="314129" y="95071"/>
-            <a:ext cx="6954418" cy="1036438"/>
-          </a:xfrm>
-          <a:prstGeom prst="rect">
-            <a:avLst/>
-          </a:prstGeom>
-          <a:noFill/>
-        </p:spPr>
-        <p:txBody>
-          <a:bodyPr wrap="square">
-            <a:spAutoFit/>
-          </a:bodyPr>
-          <a:lstStyle/>
-          <a:p>
-            <a:pPr marL="0" marR="0">
-              <a:lnSpc>
-                <a:spcPct val="107000"/>
-              </a:lnSpc>
-              <a:spcBef>
-                <a:spcPts val="750"/>
-              </a:spcBef>
-              <a:spcAft>
-                <a:spcPts val="750"/>
-              </a:spcAft>
-            </a:pPr>
-            <a:r>
-              <a:rPr lang="en-PH" sz="6000" kern="1800" dirty="0">
-                <a:solidFill>
-                  <a:srgbClr val="000000"/>
-                </a:solidFill>
-                <a:effectLst/>
-                <a:latin typeface="Neutraface Text Bold"/>
-                <a:ea typeface="Times New Roman" panose="02020603050405020304" pitchFamily="18" charset="0"/>
-                <a:cs typeface="Times New Roman" panose="02020603050405020304" pitchFamily="18" charset="0"/>
-              </a:rPr>
-              <a:t>Real life </a:t>
-            </a:r>
-            <a:r>
-              <a:rPr lang="en-PH" sz="6000" kern="1800" dirty="0">
-                <a:solidFill>
-                  <a:srgbClr val="000000"/>
-                </a:solidFill>
-                <a:latin typeface="Neutraface Text Bold"/>
-                <a:ea typeface="Times New Roman" panose="02020603050405020304" pitchFamily="18" charset="0"/>
-                <a:cs typeface="Times New Roman" panose="02020603050405020304" pitchFamily="18" charset="0"/>
-              </a:rPr>
-              <a:t>o</a:t>
-            </a:r>
-            <a:r>
-              <a:rPr lang="en-PH" sz="6000" kern="1800" dirty="0">
-                <a:solidFill>
-                  <a:srgbClr val="000000"/>
-                </a:solidFill>
-                <a:effectLst/>
-                <a:latin typeface="Neutraface Text Bold"/>
-                <a:ea typeface="Times New Roman" panose="02020603050405020304" pitchFamily="18" charset="0"/>
-                <a:cs typeface="Times New Roman" panose="02020603050405020304" pitchFamily="18" charset="0"/>
-              </a:rPr>
-              <a:t>bjects</a:t>
-            </a:r>
-            <a:endParaRPr lang="en-PH" sz="2400" kern="100" dirty="0">
-              <a:effectLst/>
-              <a:latin typeface="Neutraface Text Bold"/>
-              <a:ea typeface="Calibri" panose="020F0502020204030204" pitchFamily="34" charset="0"/>
-              <a:cs typeface="Times New Roman" panose="02020603050405020304" pitchFamily="18" charset="0"/>
-            </a:endParaRPr>
-          </a:p>
-        </p:txBody>
-      </p:sp>
-      <p:pic>
-        <p:nvPicPr>
-          <p:cNvPr id="1028" name="Picture 4" descr="System Unit - Computer Information Technology">
-            <a:extLst>
-              <a:ext uri="{FF2B5EF4-FFF2-40B4-BE49-F238E27FC236}">
-                <a16:creationId xmlns:a16="http://schemas.microsoft.com/office/drawing/2014/main" id="{6A7C018A-A880-379D-31A1-804DDAE58E02}"/>
-              </a:ext>
-            </a:extLst>
-          </p:cNvPr>
-          <p:cNvPicPr>
-            <a:picLocks noChangeAspect="1" noChangeArrowheads="1"/>
-          </p:cNvPicPr>
-          <p:nvPr/>
-        </p:nvPicPr>
-        <p:blipFill>
-          <a:blip r:embed="rId3">
-            <a:extLst>
-              <a:ext uri="{28A0092B-C50C-407E-A947-70E740481C1C}">
-                <a14:useLocalDpi xmlns:a14="http://schemas.microsoft.com/office/drawing/2010/main" val="0"/>
-              </a:ext>
-            </a:extLst>
-          </a:blip>
-          <a:srcRect/>
-          <a:stretch>
-            <a:fillRect/>
-          </a:stretch>
-        </p:blipFill>
-        <p:spPr bwMode="auto">
-          <a:xfrm>
-            <a:off x="5905500" y="295276"/>
-            <a:ext cx="4542136" cy="3133724"/>
-          </a:xfrm>
-          <a:prstGeom prst="rect">
-            <a:avLst/>
-          </a:prstGeom>
-          <a:noFill/>
-          <a:extLst>
-            <a:ext uri="{909E8E84-426E-40DD-AFC4-6F175D3DCCD1}">
-              <a14:hiddenFill xmlns:a14="http://schemas.microsoft.com/office/drawing/2010/main">
-                <a:solidFill>
-                  <a:srgbClr val="FFFFFF"/>
-                </a:solidFill>
-              </a14:hiddenFill>
-            </a:ext>
-          </a:extLst>
-        </p:spPr>
-      </p:pic>
-      <p:pic>
-        <p:nvPicPr>
-          <p:cNvPr id="1032" name="Picture 8" descr="Apple unveils iPhone 15 Pro and iPhone 15 Pro Max - Apple">
-            <a:extLst>
-              <a:ext uri="{FF2B5EF4-FFF2-40B4-BE49-F238E27FC236}">
-                <a16:creationId xmlns:a16="http://schemas.microsoft.com/office/drawing/2014/main" id="{EC3CC090-624F-8E5F-6784-3DD0967D3D3E}"/>
-              </a:ext>
-            </a:extLst>
-          </p:cNvPr>
-          <p:cNvPicPr>
-            <a:picLocks noChangeAspect="1" noChangeArrowheads="1"/>
-          </p:cNvPicPr>
-          <p:nvPr/>
-        </p:nvPicPr>
-        <p:blipFill>
-          <a:blip r:embed="rId4">
-            <a:extLst>
-              <a:ext uri="{28A0092B-C50C-407E-A947-70E740481C1C}">
-                <a14:useLocalDpi xmlns:a14="http://schemas.microsoft.com/office/drawing/2010/main" val="0"/>
-              </a:ext>
-            </a:extLst>
-          </a:blip>
-          <a:srcRect/>
-          <a:stretch>
-            <a:fillRect/>
-          </a:stretch>
-        </p:blipFill>
-        <p:spPr bwMode="auto">
-          <a:xfrm>
-            <a:off x="5698676" y="3676648"/>
-            <a:ext cx="5350933" cy="3009900"/>
-          </a:xfrm>
-          <a:prstGeom prst="rect">
-            <a:avLst/>
-          </a:prstGeom>
-          <a:noFill/>
-          <a:extLst>
-            <a:ext uri="{909E8E84-426E-40DD-AFC4-6F175D3DCCD1}">
-              <a14:hiddenFill xmlns:a14="http://schemas.microsoft.com/office/drawing/2010/main">
-                <a:solidFill>
-                  <a:srgbClr val="FFFFFF"/>
-                </a:solidFill>
-              </a14:hiddenFill>
-            </a:ext>
-          </a:extLst>
-        </p:spPr>
-      </p:pic>
-    </p:spTree>
-    <p:extLst>
-      <p:ext uri="{BB962C8B-B14F-4D97-AF65-F5344CB8AC3E}">
-        <p14:creationId xmlns:p14="http://schemas.microsoft.com/office/powerpoint/2010/main" val="1689838434"/>
-      </p:ext>
-    </p:extLst>
-  </p:cSld>
-  <p:clrMapOvr>
-    <a:masterClrMapping/>
-  </p:clrMapOvr>
-</p:sld>
-</file>
-
-<file path=ppt/slides/slide7.xml><?xml version="1.0" encoding="utf-8"?>
 <p:sld xmlns:a="http://schemas.openxmlformats.org/drawingml/2006/main" xmlns:r="http://schemas.openxmlformats.org/officeDocument/2006/relationships" xmlns:p="http://schemas.openxmlformats.org/presentationml/2006/main">
   <p:cSld>
     <p:bg>
@@ -7748,7 +4025,7 @@
 </p:sld>
 </file>
 
-<file path=ppt/slides/slide8.xml><?xml version="1.0" encoding="utf-8"?>
+<file path=ppt/slides/slide11.xml><?xml version="1.0" encoding="utf-8"?>
 <p:sld xmlns:a="http://schemas.openxmlformats.org/drawingml/2006/main" xmlns:r="http://schemas.openxmlformats.org/officeDocument/2006/relationships" xmlns:p="http://schemas.openxmlformats.org/presentationml/2006/main">
   <p:cSld>
     <p:bg>
@@ -8796,7 +5073,7 @@
 </p:sld>
 </file>
 
-<file path=ppt/slides/slide9.xml><?xml version="1.0" encoding="utf-8"?>
+<file path=ppt/slides/slide12.xml><?xml version="1.0" encoding="utf-8"?>
 <p:sld xmlns:a="http://schemas.openxmlformats.org/drawingml/2006/main" xmlns:r="http://schemas.openxmlformats.org/officeDocument/2006/relationships" xmlns:p="http://schemas.openxmlformats.org/presentationml/2006/main">
   <p:cSld>
     <p:bg>
@@ -9702,6 +5979,4352 @@
 </p:sld>
 </file>
 
+<file path=ppt/slides/slide13.xml><?xml version="1.0" encoding="utf-8"?>
+<p:sld xmlns:a="http://schemas.openxmlformats.org/drawingml/2006/main" xmlns:r="http://schemas.openxmlformats.org/officeDocument/2006/relationships" xmlns:p="http://schemas.openxmlformats.org/presentationml/2006/main">
+  <p:cSld>
+    <p:bg>
+      <p:bgPr>
+        <a:solidFill>
+          <a:srgbClr val="F0DB4F"/>
+        </a:solidFill>
+        <a:effectLst/>
+      </p:bgPr>
+    </p:bg>
+    <p:spTree>
+      <p:nvGrpSpPr>
+        <p:cNvPr id="1" name=""/>
+        <p:cNvGrpSpPr/>
+        <p:nvPr/>
+      </p:nvGrpSpPr>
+      <p:grpSpPr>
+        <a:xfrm>
+          <a:off x="0" y="0"/>
+          <a:ext cx="0" cy="0"/>
+          <a:chOff x="0" y="0"/>
+          <a:chExt cx="0" cy="0"/>
+        </a:xfrm>
+      </p:grpSpPr>
+      <p:sp>
+        <p:nvSpPr>
+          <p:cNvPr id="3" name="TextBox 2">
+            <a:extLst>
+              <a:ext uri="{FF2B5EF4-FFF2-40B4-BE49-F238E27FC236}">
+                <a16:creationId xmlns:a16="http://schemas.microsoft.com/office/drawing/2014/main" id="{19CB3E84-7F62-9762-565D-9883135DE4FA}"/>
+              </a:ext>
+            </a:extLst>
+          </p:cNvPr>
+          <p:cNvSpPr txBox="1"/>
+          <p:nvPr/>
+        </p:nvSpPr>
+        <p:spPr>
+          <a:xfrm>
+            <a:off x="235069" y="336456"/>
+            <a:ext cx="6493535" cy="1546834"/>
+          </a:xfrm>
+          <a:prstGeom prst="rect">
+            <a:avLst/>
+          </a:prstGeom>
+          <a:noFill/>
+        </p:spPr>
+        <p:txBody>
+          <a:bodyPr wrap="square">
+            <a:spAutoFit/>
+          </a:bodyPr>
+          <a:lstStyle/>
+          <a:p>
+            <a:pPr marL="0" marR="0">
+              <a:lnSpc>
+                <a:spcPct val="107000"/>
+              </a:lnSpc>
+              <a:spcBef>
+                <a:spcPts val="750"/>
+              </a:spcBef>
+              <a:spcAft>
+                <a:spcPts val="750"/>
+              </a:spcAft>
+            </a:pPr>
+            <a:r>
+              <a:rPr lang="en-PH" sz="3600" kern="0" dirty="0">
+                <a:solidFill>
+                  <a:srgbClr val="000000"/>
+                </a:solidFill>
+                <a:effectLst/>
+                <a:latin typeface="Neutraface Text Bold"/>
+                <a:ea typeface="Times New Roman" panose="02020603050405020304" pitchFamily="18" charset="0"/>
+                <a:cs typeface="Times New Roman" panose="02020603050405020304" pitchFamily="18" charset="0"/>
+              </a:rPr>
+              <a:t>Object Properties</a:t>
+            </a:r>
+            <a:endParaRPr lang="en-PH" sz="1600" kern="100" dirty="0">
+              <a:effectLst/>
+              <a:latin typeface="Neutraface Text Bold"/>
+              <a:ea typeface="Calibri" panose="020F0502020204030204" pitchFamily="34" charset="0"/>
+              <a:cs typeface="Times New Roman" panose="02020603050405020304" pitchFamily="18" charset="0"/>
+            </a:endParaRPr>
+          </a:p>
+          <a:p>
+            <a:pPr marL="0" marR="0">
+              <a:lnSpc>
+                <a:spcPct val="107000"/>
+              </a:lnSpc>
+              <a:spcBef>
+                <a:spcPts val="1440"/>
+              </a:spcBef>
+              <a:spcAft>
+                <a:spcPts val="1440"/>
+              </a:spcAft>
+            </a:pPr>
+            <a:r>
+              <a:rPr lang="en-PH" sz="1800" kern="0" dirty="0">
+                <a:solidFill>
+                  <a:srgbClr val="000000"/>
+                </a:solidFill>
+                <a:effectLst/>
+                <a:latin typeface="Neutraface Text Bold"/>
+                <a:ea typeface="Times New Roman" panose="02020603050405020304" pitchFamily="18" charset="0"/>
+                <a:cs typeface="Times New Roman" panose="02020603050405020304" pitchFamily="18" charset="0"/>
+              </a:rPr>
+              <a:t>The </a:t>
+            </a:r>
+            <a:r>
+              <a:rPr lang="en-PH" sz="1800" b="1" kern="0" dirty="0" err="1">
+                <a:solidFill>
+                  <a:srgbClr val="000000"/>
+                </a:solidFill>
+                <a:effectLst/>
+                <a:latin typeface="Neutraface Text Bold"/>
+                <a:ea typeface="Times New Roman" panose="02020603050405020304" pitchFamily="18" charset="0"/>
+                <a:cs typeface="Times New Roman" panose="02020603050405020304" pitchFamily="18" charset="0"/>
+              </a:rPr>
+              <a:t>name:values</a:t>
+            </a:r>
+            <a:r>
+              <a:rPr lang="en-PH" sz="1800" b="1" kern="0" dirty="0">
+                <a:solidFill>
+                  <a:srgbClr val="000000"/>
+                </a:solidFill>
+                <a:effectLst/>
+                <a:latin typeface="Neutraface Text Bold"/>
+                <a:ea typeface="Times New Roman" panose="02020603050405020304" pitchFamily="18" charset="0"/>
+                <a:cs typeface="Times New Roman" panose="02020603050405020304" pitchFamily="18" charset="0"/>
+              </a:rPr>
+              <a:t> (property-value)</a:t>
+            </a:r>
+            <a:r>
+              <a:rPr lang="en-PH" sz="1800" kern="0" dirty="0">
+                <a:solidFill>
+                  <a:srgbClr val="000000"/>
+                </a:solidFill>
+                <a:effectLst/>
+                <a:latin typeface="Neutraface Text Bold"/>
+                <a:ea typeface="Times New Roman" panose="02020603050405020304" pitchFamily="18" charset="0"/>
+                <a:cs typeface="Times New Roman" panose="02020603050405020304" pitchFamily="18" charset="0"/>
+              </a:rPr>
+              <a:t> pairs in JavaScript objects are called </a:t>
+            </a:r>
+            <a:r>
+              <a:rPr lang="en-PH" sz="1800" b="1" kern="0" dirty="0">
+                <a:solidFill>
+                  <a:srgbClr val="000000"/>
+                </a:solidFill>
+                <a:effectLst/>
+                <a:latin typeface="Neutraface Text Bold"/>
+                <a:ea typeface="Times New Roman" panose="02020603050405020304" pitchFamily="18" charset="0"/>
+                <a:cs typeface="Times New Roman" panose="02020603050405020304" pitchFamily="18" charset="0"/>
+              </a:rPr>
+              <a:t>properties</a:t>
+            </a:r>
+            <a:r>
+              <a:rPr lang="en-PH" sz="1800" kern="0" dirty="0">
+                <a:solidFill>
+                  <a:srgbClr val="000000"/>
+                </a:solidFill>
+                <a:effectLst/>
+                <a:latin typeface="Neutraface Text Bold"/>
+                <a:ea typeface="Times New Roman" panose="02020603050405020304" pitchFamily="18" charset="0"/>
+                <a:cs typeface="Times New Roman" panose="02020603050405020304" pitchFamily="18" charset="0"/>
+              </a:rPr>
+              <a:t>:</a:t>
+            </a:r>
+            <a:endParaRPr lang="en-PH" sz="1600" kern="100" dirty="0">
+              <a:effectLst/>
+              <a:latin typeface="Neutraface Text Bold"/>
+              <a:ea typeface="Calibri" panose="020F0502020204030204" pitchFamily="34" charset="0"/>
+              <a:cs typeface="Times New Roman" panose="02020603050405020304" pitchFamily="18" charset="0"/>
+            </a:endParaRPr>
+          </a:p>
+        </p:txBody>
+      </p:sp>
+      <p:graphicFrame>
+        <p:nvGraphicFramePr>
+          <p:cNvPr id="4" name="Table 3">
+            <a:extLst>
+              <a:ext uri="{FF2B5EF4-FFF2-40B4-BE49-F238E27FC236}">
+                <a16:creationId xmlns:a16="http://schemas.microsoft.com/office/drawing/2014/main" id="{2879E516-ADBD-8D93-80AA-50E42231F819}"/>
+              </a:ext>
+            </a:extLst>
+          </p:cNvPr>
+          <p:cNvGraphicFramePr>
+            <a:graphicFrameLocks noGrp="1"/>
+          </p:cNvGraphicFramePr>
+          <p:nvPr/>
+        </p:nvGraphicFramePr>
+        <p:xfrm>
+          <a:off x="235069" y="1885039"/>
+          <a:ext cx="7528706" cy="2122100"/>
+        </p:xfrm>
+        <a:graphic>
+          <a:graphicData uri="http://schemas.openxmlformats.org/drawingml/2006/table">
+            <a:tbl>
+              <a:tblPr firstRow="1" firstCol="1" bandRow="1">
+                <a:tableStyleId>{5C22544A-7EE6-4342-B048-85BDC9FD1C3A}</a:tableStyleId>
+              </a:tblPr>
+              <a:tblGrid>
+                <a:gridCol w="1504386">
+                  <a:extLst>
+                    <a:ext uri="{9D8B030D-6E8A-4147-A177-3AD203B41FA5}">
+                      <a16:colId xmlns:a16="http://schemas.microsoft.com/office/drawing/2014/main" val="3278774486"/>
+                    </a:ext>
+                  </a:extLst>
+                </a:gridCol>
+                <a:gridCol w="6024320">
+                  <a:extLst>
+                    <a:ext uri="{9D8B030D-6E8A-4147-A177-3AD203B41FA5}">
+                      <a16:colId xmlns:a16="http://schemas.microsoft.com/office/drawing/2014/main" val="3167115500"/>
+                    </a:ext>
+                  </a:extLst>
+                </a:gridCol>
+              </a:tblGrid>
+              <a:tr h="424420">
+                <a:tc>
+                  <a:txBody>
+                    <a:bodyPr/>
+                    <a:lstStyle/>
+                    <a:p>
+                      <a:pPr marL="0" marR="0">
+                        <a:lnSpc>
+                          <a:spcPct val="107000"/>
+                        </a:lnSpc>
+                        <a:spcBef>
+                          <a:spcPts val="1500"/>
+                        </a:spcBef>
+                        <a:spcAft>
+                          <a:spcPts val="1500"/>
+                        </a:spcAft>
+                      </a:pPr>
+                      <a:r>
+                        <a:rPr lang="en-PH" sz="1000" kern="0" dirty="0">
+                          <a:effectLst/>
+                        </a:rPr>
+                        <a:t>Property</a:t>
+                      </a:r>
+                      <a:endParaRPr lang="en-PH" sz="1000" kern="100" dirty="0">
+                        <a:effectLst/>
+                        <a:latin typeface="Calibri" panose="020F0502020204030204" pitchFamily="34" charset="0"/>
+                        <a:ea typeface="Calibri" panose="020F0502020204030204" pitchFamily="34" charset="0"/>
+                        <a:cs typeface="Times New Roman" panose="02020603050405020304" pitchFamily="18" charset="0"/>
+                      </a:endParaRPr>
+                    </a:p>
+                  </a:txBody>
+                  <a:tcPr marL="133553" marR="66776" marT="66776" marB="66776"/>
+                </a:tc>
+                <a:tc>
+                  <a:txBody>
+                    <a:bodyPr/>
+                    <a:lstStyle/>
+                    <a:p>
+                      <a:pPr marL="0" marR="0">
+                        <a:lnSpc>
+                          <a:spcPct val="107000"/>
+                        </a:lnSpc>
+                        <a:spcBef>
+                          <a:spcPts val="1500"/>
+                        </a:spcBef>
+                        <a:spcAft>
+                          <a:spcPts val="1500"/>
+                        </a:spcAft>
+                      </a:pPr>
+                      <a:r>
+                        <a:rPr lang="en-PH" sz="1000" kern="0" dirty="0">
+                          <a:effectLst/>
+                        </a:rPr>
+                        <a:t>Property Value</a:t>
+                      </a:r>
+                      <a:endParaRPr lang="en-PH" sz="1000" kern="100" dirty="0">
+                        <a:effectLst/>
+                        <a:latin typeface="Calibri" panose="020F0502020204030204" pitchFamily="34" charset="0"/>
+                        <a:ea typeface="Calibri" panose="020F0502020204030204" pitchFamily="34" charset="0"/>
+                        <a:cs typeface="Times New Roman" panose="02020603050405020304" pitchFamily="18" charset="0"/>
+                      </a:endParaRPr>
+                    </a:p>
+                  </a:txBody>
+                  <a:tcPr marL="66776" marR="66776" marT="66776" marB="66776"/>
+                </a:tc>
+                <a:extLst>
+                  <a:ext uri="{0D108BD9-81ED-4DB2-BD59-A6C34878D82A}">
+                    <a16:rowId xmlns:a16="http://schemas.microsoft.com/office/drawing/2014/main" val="1403836859"/>
+                  </a:ext>
+                </a:extLst>
+              </a:tr>
+              <a:tr h="424420">
+                <a:tc>
+                  <a:txBody>
+                    <a:bodyPr/>
+                    <a:lstStyle/>
+                    <a:p>
+                      <a:pPr marL="0" marR="0">
+                        <a:lnSpc>
+                          <a:spcPct val="107000"/>
+                        </a:lnSpc>
+                        <a:spcBef>
+                          <a:spcPts val="1500"/>
+                        </a:spcBef>
+                        <a:spcAft>
+                          <a:spcPts val="1500"/>
+                        </a:spcAft>
+                      </a:pPr>
+                      <a:r>
+                        <a:rPr lang="en-PH" sz="1000" kern="0" dirty="0" err="1">
+                          <a:effectLst/>
+                        </a:rPr>
+                        <a:t>firstName</a:t>
+                      </a:r>
+                      <a:endParaRPr lang="en-PH" sz="1000" kern="100" dirty="0">
+                        <a:effectLst/>
+                        <a:latin typeface="Calibri" panose="020F0502020204030204" pitchFamily="34" charset="0"/>
+                        <a:ea typeface="Calibri" panose="020F0502020204030204" pitchFamily="34" charset="0"/>
+                        <a:cs typeface="Times New Roman" panose="02020603050405020304" pitchFamily="18" charset="0"/>
+                      </a:endParaRPr>
+                    </a:p>
+                  </a:txBody>
+                  <a:tcPr marL="133553" marR="66776" marT="66776" marB="66776"/>
+                </a:tc>
+                <a:tc>
+                  <a:txBody>
+                    <a:bodyPr/>
+                    <a:lstStyle/>
+                    <a:p>
+                      <a:pPr marL="0" marR="0">
+                        <a:lnSpc>
+                          <a:spcPct val="107000"/>
+                        </a:lnSpc>
+                        <a:spcBef>
+                          <a:spcPts val="1500"/>
+                        </a:spcBef>
+                        <a:spcAft>
+                          <a:spcPts val="1500"/>
+                        </a:spcAft>
+                      </a:pPr>
+                      <a:r>
+                        <a:rPr lang="en-US" sz="1000" kern="0" dirty="0">
+                          <a:effectLst/>
+                          <a:latin typeface="Calibri" panose="020F0502020204030204" pitchFamily="34" charset="0"/>
+                          <a:ea typeface="Calibri" panose="020F0502020204030204" pitchFamily="34" charset="0"/>
+                          <a:cs typeface="Times New Roman" panose="02020603050405020304" pitchFamily="18" charset="0"/>
+                        </a:rPr>
+                        <a:t>Kevin</a:t>
+                      </a:r>
+                      <a:endParaRPr lang="en-PH" sz="1000" kern="100" dirty="0">
+                        <a:effectLst/>
+                        <a:latin typeface="Calibri" panose="020F0502020204030204" pitchFamily="34" charset="0"/>
+                        <a:ea typeface="Calibri" panose="020F0502020204030204" pitchFamily="34" charset="0"/>
+                        <a:cs typeface="Times New Roman" panose="02020603050405020304" pitchFamily="18" charset="0"/>
+                      </a:endParaRPr>
+                    </a:p>
+                  </a:txBody>
+                  <a:tcPr marL="66776" marR="66776" marT="66776" marB="66776"/>
+                </a:tc>
+                <a:extLst>
+                  <a:ext uri="{0D108BD9-81ED-4DB2-BD59-A6C34878D82A}">
+                    <a16:rowId xmlns:a16="http://schemas.microsoft.com/office/drawing/2014/main" val="119346653"/>
+                  </a:ext>
+                </a:extLst>
+              </a:tr>
+              <a:tr h="424420">
+                <a:tc>
+                  <a:txBody>
+                    <a:bodyPr/>
+                    <a:lstStyle/>
+                    <a:p>
+                      <a:pPr marL="0" marR="0">
+                        <a:lnSpc>
+                          <a:spcPct val="107000"/>
+                        </a:lnSpc>
+                        <a:spcBef>
+                          <a:spcPts val="1500"/>
+                        </a:spcBef>
+                        <a:spcAft>
+                          <a:spcPts val="1500"/>
+                        </a:spcAft>
+                      </a:pPr>
+                      <a:r>
+                        <a:rPr lang="en-PH" sz="1000" kern="0" dirty="0" err="1">
+                          <a:effectLst/>
+                        </a:rPr>
+                        <a:t>lastName</a:t>
+                      </a:r>
+                      <a:endParaRPr lang="en-PH" sz="1000" kern="100" dirty="0">
+                        <a:effectLst/>
+                        <a:latin typeface="Calibri" panose="020F0502020204030204" pitchFamily="34" charset="0"/>
+                        <a:ea typeface="Calibri" panose="020F0502020204030204" pitchFamily="34" charset="0"/>
+                        <a:cs typeface="Times New Roman" panose="02020603050405020304" pitchFamily="18" charset="0"/>
+                      </a:endParaRPr>
+                    </a:p>
+                  </a:txBody>
+                  <a:tcPr marL="133553" marR="66776" marT="66776" marB="66776"/>
+                </a:tc>
+                <a:tc>
+                  <a:txBody>
+                    <a:bodyPr/>
+                    <a:lstStyle/>
+                    <a:p>
+                      <a:pPr marL="0" marR="0">
+                        <a:lnSpc>
+                          <a:spcPct val="107000"/>
+                        </a:lnSpc>
+                        <a:spcBef>
+                          <a:spcPts val="1500"/>
+                        </a:spcBef>
+                        <a:spcAft>
+                          <a:spcPts val="1500"/>
+                        </a:spcAft>
+                      </a:pPr>
+                      <a:r>
+                        <a:rPr lang="en-US" sz="1000" kern="0" dirty="0">
+                          <a:effectLst/>
+                          <a:latin typeface="Calibri" panose="020F0502020204030204" pitchFamily="34" charset="0"/>
+                          <a:ea typeface="Calibri" panose="020F0502020204030204" pitchFamily="34" charset="0"/>
+                          <a:cs typeface="Times New Roman" panose="02020603050405020304" pitchFamily="18" charset="0"/>
+                        </a:rPr>
+                        <a:t>D</a:t>
+                      </a:r>
+                      <a:r>
+                        <a:rPr lang="en-PH" sz="1000" kern="0" dirty="0" err="1">
+                          <a:effectLst/>
+                          <a:latin typeface="Calibri" panose="020F0502020204030204" pitchFamily="34" charset="0"/>
+                          <a:ea typeface="Calibri" panose="020F0502020204030204" pitchFamily="34" charset="0"/>
+                          <a:cs typeface="Times New Roman" panose="02020603050405020304" pitchFamily="18" charset="0"/>
+                        </a:rPr>
+                        <a:t>urant</a:t>
+                      </a:r>
+                      <a:endParaRPr lang="en-PH" sz="1000" kern="100" dirty="0">
+                        <a:effectLst/>
+                        <a:latin typeface="Calibri" panose="020F0502020204030204" pitchFamily="34" charset="0"/>
+                        <a:ea typeface="Calibri" panose="020F0502020204030204" pitchFamily="34" charset="0"/>
+                        <a:cs typeface="Times New Roman" panose="02020603050405020304" pitchFamily="18" charset="0"/>
+                      </a:endParaRPr>
+                    </a:p>
+                  </a:txBody>
+                  <a:tcPr marL="66776" marR="66776" marT="66776" marB="66776"/>
+                </a:tc>
+                <a:extLst>
+                  <a:ext uri="{0D108BD9-81ED-4DB2-BD59-A6C34878D82A}">
+                    <a16:rowId xmlns:a16="http://schemas.microsoft.com/office/drawing/2014/main" val="948555828"/>
+                  </a:ext>
+                </a:extLst>
+              </a:tr>
+              <a:tr h="424420">
+                <a:tc>
+                  <a:txBody>
+                    <a:bodyPr/>
+                    <a:lstStyle/>
+                    <a:p>
+                      <a:pPr marL="0" marR="0">
+                        <a:lnSpc>
+                          <a:spcPct val="107000"/>
+                        </a:lnSpc>
+                        <a:spcBef>
+                          <a:spcPts val="1500"/>
+                        </a:spcBef>
+                        <a:spcAft>
+                          <a:spcPts val="1500"/>
+                        </a:spcAft>
+                      </a:pPr>
+                      <a:r>
+                        <a:rPr lang="en-PH" sz="1000" kern="0">
+                          <a:effectLst/>
+                        </a:rPr>
+                        <a:t>age</a:t>
+                      </a:r>
+                      <a:endParaRPr lang="en-PH" sz="1000" kern="100">
+                        <a:effectLst/>
+                        <a:latin typeface="Calibri" panose="020F0502020204030204" pitchFamily="34" charset="0"/>
+                        <a:ea typeface="Calibri" panose="020F0502020204030204" pitchFamily="34" charset="0"/>
+                        <a:cs typeface="Times New Roman" panose="02020603050405020304" pitchFamily="18" charset="0"/>
+                      </a:endParaRPr>
+                    </a:p>
+                  </a:txBody>
+                  <a:tcPr marL="133553" marR="66776" marT="66776" marB="66776"/>
+                </a:tc>
+                <a:tc>
+                  <a:txBody>
+                    <a:bodyPr/>
+                    <a:lstStyle/>
+                    <a:p>
+                      <a:pPr marL="0" marR="0">
+                        <a:lnSpc>
+                          <a:spcPct val="107000"/>
+                        </a:lnSpc>
+                        <a:spcBef>
+                          <a:spcPts val="1500"/>
+                        </a:spcBef>
+                        <a:spcAft>
+                          <a:spcPts val="1500"/>
+                        </a:spcAft>
+                      </a:pPr>
+                      <a:r>
+                        <a:rPr lang="en-US" sz="1000" kern="0" dirty="0">
+                          <a:effectLst/>
+                          <a:latin typeface="Calibri" panose="020F0502020204030204" pitchFamily="34" charset="0"/>
+                          <a:ea typeface="Calibri" panose="020F0502020204030204" pitchFamily="34" charset="0"/>
+                          <a:cs typeface="Times New Roman" panose="02020603050405020304" pitchFamily="18" charset="0"/>
+                        </a:rPr>
+                        <a:t>3</a:t>
+                      </a:r>
+                      <a:r>
+                        <a:rPr lang="en-PH" sz="1000" kern="0" dirty="0">
+                          <a:effectLst/>
+                          <a:latin typeface="Calibri" panose="020F0502020204030204" pitchFamily="34" charset="0"/>
+                          <a:ea typeface="Calibri" panose="020F0502020204030204" pitchFamily="34" charset="0"/>
+                          <a:cs typeface="Times New Roman" panose="02020603050405020304" pitchFamily="18" charset="0"/>
+                        </a:rPr>
+                        <a:t>5</a:t>
+                      </a:r>
+                      <a:endParaRPr lang="en-PH" sz="1000" kern="100" dirty="0">
+                        <a:effectLst/>
+                        <a:latin typeface="Calibri" panose="020F0502020204030204" pitchFamily="34" charset="0"/>
+                        <a:ea typeface="Calibri" panose="020F0502020204030204" pitchFamily="34" charset="0"/>
+                        <a:cs typeface="Times New Roman" panose="02020603050405020304" pitchFamily="18" charset="0"/>
+                      </a:endParaRPr>
+                    </a:p>
+                  </a:txBody>
+                  <a:tcPr marL="66776" marR="66776" marT="66776" marB="66776"/>
+                </a:tc>
+                <a:extLst>
+                  <a:ext uri="{0D108BD9-81ED-4DB2-BD59-A6C34878D82A}">
+                    <a16:rowId xmlns:a16="http://schemas.microsoft.com/office/drawing/2014/main" val="3568045477"/>
+                  </a:ext>
+                </a:extLst>
+              </a:tr>
+              <a:tr h="424420">
+                <a:tc>
+                  <a:txBody>
+                    <a:bodyPr/>
+                    <a:lstStyle/>
+                    <a:p>
+                      <a:pPr marL="0" marR="0">
+                        <a:lnSpc>
+                          <a:spcPct val="107000"/>
+                        </a:lnSpc>
+                        <a:spcBef>
+                          <a:spcPts val="1500"/>
+                        </a:spcBef>
+                        <a:spcAft>
+                          <a:spcPts val="1500"/>
+                        </a:spcAft>
+                      </a:pPr>
+                      <a:r>
+                        <a:rPr lang="en-PH" sz="1000" kern="0">
+                          <a:effectLst/>
+                        </a:rPr>
+                        <a:t>eyeColor</a:t>
+                      </a:r>
+                      <a:endParaRPr lang="en-PH" sz="1000" kern="100">
+                        <a:effectLst/>
+                        <a:latin typeface="Calibri" panose="020F0502020204030204" pitchFamily="34" charset="0"/>
+                        <a:ea typeface="Calibri" panose="020F0502020204030204" pitchFamily="34" charset="0"/>
+                        <a:cs typeface="Times New Roman" panose="02020603050405020304" pitchFamily="18" charset="0"/>
+                      </a:endParaRPr>
+                    </a:p>
+                  </a:txBody>
+                  <a:tcPr marL="133553" marR="66776" marT="66776" marB="66776"/>
+                </a:tc>
+                <a:tc>
+                  <a:txBody>
+                    <a:bodyPr/>
+                    <a:lstStyle/>
+                    <a:p>
+                      <a:pPr marL="0" marR="0">
+                        <a:lnSpc>
+                          <a:spcPct val="107000"/>
+                        </a:lnSpc>
+                        <a:spcBef>
+                          <a:spcPts val="1500"/>
+                        </a:spcBef>
+                        <a:spcAft>
+                          <a:spcPts val="1500"/>
+                        </a:spcAft>
+                      </a:pPr>
+                      <a:r>
+                        <a:rPr lang="en-US" sz="1000" kern="0" dirty="0">
+                          <a:effectLst/>
+                          <a:latin typeface="Calibri" panose="020F0502020204030204" pitchFamily="34" charset="0"/>
+                          <a:ea typeface="Calibri" panose="020F0502020204030204" pitchFamily="34" charset="0"/>
+                          <a:cs typeface="Times New Roman" panose="02020603050405020304" pitchFamily="18" charset="0"/>
+                        </a:rPr>
+                        <a:t>black</a:t>
+                      </a:r>
+                      <a:endParaRPr lang="en-PH" sz="1000" kern="100" dirty="0">
+                        <a:effectLst/>
+                        <a:latin typeface="Calibri" panose="020F0502020204030204" pitchFamily="34" charset="0"/>
+                        <a:ea typeface="Calibri" panose="020F0502020204030204" pitchFamily="34" charset="0"/>
+                        <a:cs typeface="Times New Roman" panose="02020603050405020304" pitchFamily="18" charset="0"/>
+                      </a:endParaRPr>
+                    </a:p>
+                  </a:txBody>
+                  <a:tcPr marL="66776" marR="66776" marT="66776" marB="66776"/>
+                </a:tc>
+                <a:extLst>
+                  <a:ext uri="{0D108BD9-81ED-4DB2-BD59-A6C34878D82A}">
+                    <a16:rowId xmlns:a16="http://schemas.microsoft.com/office/drawing/2014/main" val="2656684511"/>
+                  </a:ext>
+                </a:extLst>
+              </a:tr>
+            </a:tbl>
+          </a:graphicData>
+        </a:graphic>
+      </p:graphicFrame>
+      <p:sp>
+        <p:nvSpPr>
+          <p:cNvPr id="7" name="TextBox 6">
+            <a:extLst>
+              <a:ext uri="{FF2B5EF4-FFF2-40B4-BE49-F238E27FC236}">
+                <a16:creationId xmlns:a16="http://schemas.microsoft.com/office/drawing/2014/main" id="{14A6DC0A-9E7F-C198-C68C-DD100D8479B8}"/>
+              </a:ext>
+            </a:extLst>
+          </p:cNvPr>
+          <p:cNvSpPr txBox="1"/>
+          <p:nvPr/>
+        </p:nvSpPr>
+        <p:spPr>
+          <a:xfrm>
+            <a:off x="235069" y="4106509"/>
+            <a:ext cx="6094562" cy="373692"/>
+          </a:xfrm>
+          <a:prstGeom prst="rect">
+            <a:avLst/>
+          </a:prstGeom>
+          <a:noFill/>
+        </p:spPr>
+        <p:txBody>
+          <a:bodyPr wrap="square">
+            <a:spAutoFit/>
+          </a:bodyPr>
+          <a:lstStyle/>
+          <a:p>
+            <a:pPr marL="0" marR="0">
+              <a:lnSpc>
+                <a:spcPct val="107000"/>
+              </a:lnSpc>
+              <a:spcBef>
+                <a:spcPts val="750"/>
+              </a:spcBef>
+              <a:spcAft>
+                <a:spcPts val="750"/>
+              </a:spcAft>
+            </a:pPr>
+            <a:r>
+              <a:rPr lang="en-PH" kern="0" dirty="0">
+                <a:solidFill>
+                  <a:srgbClr val="000000"/>
+                </a:solidFill>
+                <a:latin typeface="Neutraface Text Bold"/>
+                <a:ea typeface="Times New Roman" panose="02020603050405020304" pitchFamily="18" charset="0"/>
+                <a:cs typeface="Times New Roman" panose="02020603050405020304" pitchFamily="18" charset="0"/>
+              </a:rPr>
+              <a:t>Manipulating</a:t>
+            </a:r>
+            <a:r>
+              <a:rPr lang="en-PH" sz="1800" kern="0" dirty="0">
+                <a:solidFill>
+                  <a:srgbClr val="000000"/>
+                </a:solidFill>
+                <a:effectLst/>
+                <a:latin typeface="Neutraface Text Bold"/>
+                <a:ea typeface="Times New Roman" panose="02020603050405020304" pitchFamily="18" charset="0"/>
+                <a:cs typeface="Times New Roman" panose="02020603050405020304" pitchFamily="18" charset="0"/>
+              </a:rPr>
+              <a:t> Object Properties</a:t>
+            </a:r>
+            <a:endParaRPr lang="en-PH" sz="1000" kern="100" dirty="0">
+              <a:effectLst/>
+              <a:latin typeface="Neutraface Text Bold"/>
+              <a:ea typeface="Calibri" panose="020F0502020204030204" pitchFamily="34" charset="0"/>
+              <a:cs typeface="Times New Roman" panose="02020603050405020304" pitchFamily="18" charset="0"/>
+            </a:endParaRPr>
+          </a:p>
+        </p:txBody>
+      </p:sp>
+      <p:sp>
+        <p:nvSpPr>
+          <p:cNvPr id="9" name="TextBox 8">
+            <a:extLst>
+              <a:ext uri="{FF2B5EF4-FFF2-40B4-BE49-F238E27FC236}">
+                <a16:creationId xmlns:a16="http://schemas.microsoft.com/office/drawing/2014/main" id="{8D73D450-9444-BAC7-FCA3-FDD04B83BD31}"/>
+              </a:ext>
+            </a:extLst>
+          </p:cNvPr>
+          <p:cNvSpPr txBox="1"/>
+          <p:nvPr/>
+        </p:nvSpPr>
+        <p:spPr>
+          <a:xfrm>
+            <a:off x="235069" y="4480201"/>
+            <a:ext cx="6648810" cy="1510285"/>
+          </a:xfrm>
+          <a:prstGeom prst="rect">
+            <a:avLst/>
+          </a:prstGeom>
+          <a:noFill/>
+        </p:spPr>
+        <p:txBody>
+          <a:bodyPr wrap="square">
+            <a:spAutoFit/>
+          </a:bodyPr>
+          <a:lstStyle/>
+          <a:p>
+            <a:pPr marL="0" marR="0">
+              <a:lnSpc>
+                <a:spcPct val="107000"/>
+              </a:lnSpc>
+              <a:spcBef>
+                <a:spcPts val="1440"/>
+              </a:spcBef>
+              <a:spcAft>
+                <a:spcPts val="1440"/>
+              </a:spcAft>
+            </a:pPr>
+            <a:r>
+              <a:rPr lang="en-PH" sz="1200" kern="0" dirty="0">
+                <a:solidFill>
+                  <a:srgbClr val="000000"/>
+                </a:solidFill>
+                <a:effectLst/>
+                <a:latin typeface="Neutraface Text Bold"/>
+                <a:ea typeface="Times New Roman" panose="02020603050405020304" pitchFamily="18" charset="0"/>
+                <a:cs typeface="Times New Roman" panose="02020603050405020304" pitchFamily="18" charset="0"/>
+              </a:rPr>
+              <a:t>You can </a:t>
+            </a:r>
+            <a:r>
+              <a:rPr lang="en-PH" sz="1200" kern="0" dirty="0">
+                <a:solidFill>
+                  <a:srgbClr val="000000"/>
+                </a:solidFill>
+                <a:latin typeface="Neutraface Text Bold"/>
+                <a:ea typeface="Times New Roman" panose="02020603050405020304" pitchFamily="18" charset="0"/>
+                <a:cs typeface="Times New Roman" panose="02020603050405020304" pitchFamily="18" charset="0"/>
+              </a:rPr>
+              <a:t>add </a:t>
+            </a:r>
+            <a:r>
+              <a:rPr lang="en-PH" sz="1200" kern="0" dirty="0">
+                <a:solidFill>
+                  <a:srgbClr val="000000"/>
+                </a:solidFill>
+                <a:effectLst/>
+                <a:latin typeface="Neutraface Text Bold"/>
+                <a:ea typeface="Times New Roman" panose="02020603050405020304" pitchFamily="18" charset="0"/>
+                <a:cs typeface="Times New Roman" panose="02020603050405020304" pitchFamily="18" charset="0"/>
+              </a:rPr>
+              <a:t>object property:</a:t>
+            </a:r>
+            <a:endParaRPr lang="en-PH" sz="1100" kern="100" dirty="0">
+              <a:effectLst/>
+              <a:latin typeface="Neutraface Text Bold"/>
+              <a:ea typeface="Calibri" panose="020F0502020204030204" pitchFamily="34" charset="0"/>
+              <a:cs typeface="Times New Roman" panose="02020603050405020304" pitchFamily="18" charset="0"/>
+            </a:endParaRPr>
+          </a:p>
+          <a:p>
+            <a:pPr marL="0" marR="0">
+              <a:lnSpc>
+                <a:spcPct val="107000"/>
+              </a:lnSpc>
+              <a:spcBef>
+                <a:spcPts val="0"/>
+              </a:spcBef>
+              <a:spcAft>
+                <a:spcPts val="800"/>
+              </a:spcAft>
+            </a:pPr>
+            <a:r>
+              <a:rPr lang="en-PH" sz="1200" i="1" kern="0" dirty="0" err="1">
+                <a:solidFill>
+                  <a:srgbClr val="000000"/>
+                </a:solidFill>
+                <a:effectLst/>
+                <a:latin typeface="Neutraface Text Bold"/>
+                <a:ea typeface="Times New Roman" panose="02020603050405020304" pitchFamily="18" charset="0"/>
+                <a:cs typeface="Times New Roman" panose="02020603050405020304" pitchFamily="18" charset="0"/>
+              </a:rPr>
+              <a:t>objectName.propertyName</a:t>
+            </a:r>
+            <a:r>
+              <a:rPr lang="en-PH" sz="1200" i="1" kern="0" dirty="0">
+                <a:solidFill>
+                  <a:srgbClr val="000000"/>
+                </a:solidFill>
+                <a:effectLst/>
+                <a:latin typeface="Neutraface Text Bold"/>
+                <a:ea typeface="Times New Roman" panose="02020603050405020304" pitchFamily="18" charset="0"/>
+                <a:cs typeface="Times New Roman" panose="02020603050405020304" pitchFamily="18" charset="0"/>
+              </a:rPr>
+              <a:t>; (does not exist in object)</a:t>
+            </a:r>
+            <a:endParaRPr lang="en-PH" sz="1100" i="1" kern="100" dirty="0">
+              <a:solidFill>
+                <a:srgbClr val="000000"/>
+              </a:solidFill>
+              <a:latin typeface="Neutraface Text Bold"/>
+              <a:ea typeface="Calibri" panose="020F0502020204030204" pitchFamily="34" charset="0"/>
+              <a:cs typeface="Times New Roman" panose="02020603050405020304" pitchFamily="18" charset="0"/>
+            </a:endParaRPr>
+          </a:p>
+          <a:p>
+            <a:pPr marL="0" marR="0">
+              <a:lnSpc>
+                <a:spcPct val="107000"/>
+              </a:lnSpc>
+              <a:spcBef>
+                <a:spcPts val="0"/>
+              </a:spcBef>
+              <a:spcAft>
+                <a:spcPts val="800"/>
+              </a:spcAft>
+            </a:pPr>
+            <a:endParaRPr lang="en-PH" sz="1100" i="1" kern="100" dirty="0">
+              <a:solidFill>
+                <a:srgbClr val="000000"/>
+              </a:solidFill>
+              <a:effectLst/>
+              <a:latin typeface="Neutraface Text Bold"/>
+              <a:ea typeface="Calibri" panose="020F0502020204030204" pitchFamily="34" charset="0"/>
+              <a:cs typeface="Times New Roman" panose="02020603050405020304" pitchFamily="18" charset="0"/>
+            </a:endParaRPr>
+          </a:p>
+          <a:p>
+            <a:pPr marL="0" marR="0">
+              <a:lnSpc>
+                <a:spcPct val="107000"/>
+              </a:lnSpc>
+              <a:spcBef>
+                <a:spcPts val="0"/>
+              </a:spcBef>
+              <a:spcAft>
+                <a:spcPts val="800"/>
+              </a:spcAft>
+            </a:pPr>
+            <a:r>
+              <a:rPr lang="en-PH" sz="1100" i="1" kern="100" dirty="0">
+                <a:solidFill>
+                  <a:srgbClr val="000000"/>
+                </a:solidFill>
+                <a:latin typeface="Neutraface Text Bold"/>
+                <a:ea typeface="Calibri" panose="020F0502020204030204" pitchFamily="34" charset="0"/>
+                <a:cs typeface="Times New Roman" panose="02020603050405020304" pitchFamily="18" charset="0"/>
+              </a:rPr>
+              <a:t>You can delete object property:</a:t>
+            </a:r>
+          </a:p>
+          <a:p>
+            <a:pPr marL="0" marR="0">
+              <a:lnSpc>
+                <a:spcPct val="107000"/>
+              </a:lnSpc>
+              <a:spcBef>
+                <a:spcPts val="0"/>
+              </a:spcBef>
+              <a:spcAft>
+                <a:spcPts val="800"/>
+              </a:spcAft>
+            </a:pPr>
+            <a:r>
+              <a:rPr lang="en-PH" sz="1100" i="1" kern="100" dirty="0">
+                <a:solidFill>
+                  <a:srgbClr val="000000"/>
+                </a:solidFill>
+                <a:latin typeface="Neutraface Text Bold"/>
+                <a:ea typeface="Calibri" panose="020F0502020204030204" pitchFamily="34" charset="0"/>
+                <a:cs typeface="Times New Roman" panose="02020603050405020304" pitchFamily="18" charset="0"/>
+              </a:rPr>
+              <a:t>delete </a:t>
+            </a:r>
+            <a:r>
+              <a:rPr lang="en-PH" sz="1100" i="1" kern="0" dirty="0" err="1">
+                <a:solidFill>
+                  <a:srgbClr val="000000"/>
+                </a:solidFill>
+                <a:effectLst/>
+                <a:latin typeface="Neutraface Text Bold"/>
+                <a:ea typeface="Times New Roman" panose="02020603050405020304" pitchFamily="18" charset="0"/>
+                <a:cs typeface="Times New Roman" panose="02020603050405020304" pitchFamily="18" charset="0"/>
+              </a:rPr>
+              <a:t>objectName.propertyName</a:t>
+            </a:r>
+            <a:r>
+              <a:rPr lang="en-PH" sz="1100" i="1" kern="0" dirty="0">
+                <a:solidFill>
+                  <a:srgbClr val="000000"/>
+                </a:solidFill>
+                <a:latin typeface="Neutraface Text Bold"/>
+                <a:ea typeface="Times New Roman" panose="02020603050405020304" pitchFamily="18" charset="0"/>
+                <a:cs typeface="Times New Roman" panose="02020603050405020304" pitchFamily="18" charset="0"/>
+              </a:rPr>
+              <a:t>;</a:t>
+            </a:r>
+            <a:endParaRPr lang="en-PH" sz="1100" kern="100" dirty="0">
+              <a:effectLst/>
+              <a:latin typeface="Neutraface Text Bold"/>
+              <a:ea typeface="Calibri" panose="020F0502020204030204" pitchFamily="34" charset="0"/>
+              <a:cs typeface="Times New Roman" panose="02020603050405020304" pitchFamily="18" charset="0"/>
+            </a:endParaRPr>
+          </a:p>
+        </p:txBody>
+      </p:sp>
+    </p:spTree>
+    <p:extLst>
+      <p:ext uri="{BB962C8B-B14F-4D97-AF65-F5344CB8AC3E}">
+        <p14:creationId xmlns:p14="http://schemas.microsoft.com/office/powerpoint/2010/main" val="2589596977"/>
+      </p:ext>
+    </p:extLst>
+  </p:cSld>
+  <p:clrMapOvr>
+    <a:masterClrMapping/>
+  </p:clrMapOvr>
+</p:sld>
+</file>
+
+<file path=ppt/slides/slide14.xml><?xml version="1.0" encoding="utf-8"?>
+<p:sld xmlns:a="http://schemas.openxmlformats.org/drawingml/2006/main" xmlns:r="http://schemas.openxmlformats.org/officeDocument/2006/relationships" xmlns:p="http://schemas.openxmlformats.org/presentationml/2006/main">
+  <p:cSld>
+    <p:bg>
+      <p:bgPr>
+        <a:solidFill>
+          <a:srgbClr val="F0DB4F"/>
+        </a:solidFill>
+        <a:effectLst/>
+      </p:bgPr>
+    </p:bg>
+    <p:spTree>
+      <p:nvGrpSpPr>
+        <p:cNvPr id="1" name=""/>
+        <p:cNvGrpSpPr/>
+        <p:nvPr/>
+      </p:nvGrpSpPr>
+      <p:grpSpPr>
+        <a:xfrm>
+          <a:off x="0" y="0"/>
+          <a:ext cx="0" cy="0"/>
+          <a:chOff x="0" y="0"/>
+          <a:chExt cx="0" cy="0"/>
+        </a:xfrm>
+      </p:grpSpPr>
+      <p:sp>
+        <p:nvSpPr>
+          <p:cNvPr id="3" name="TextBox 2">
+            <a:extLst>
+              <a:ext uri="{FF2B5EF4-FFF2-40B4-BE49-F238E27FC236}">
+                <a16:creationId xmlns:a16="http://schemas.microsoft.com/office/drawing/2014/main" id="{19CB3E84-7F62-9762-565D-9883135DE4FA}"/>
+              </a:ext>
+            </a:extLst>
+          </p:cNvPr>
+          <p:cNvSpPr txBox="1"/>
+          <p:nvPr/>
+        </p:nvSpPr>
+        <p:spPr>
+          <a:xfrm>
+            <a:off x="235069" y="336456"/>
+            <a:ext cx="6493535" cy="1843197"/>
+          </a:xfrm>
+          <a:prstGeom prst="rect">
+            <a:avLst/>
+          </a:prstGeom>
+          <a:noFill/>
+        </p:spPr>
+        <p:txBody>
+          <a:bodyPr wrap="square">
+            <a:spAutoFit/>
+          </a:bodyPr>
+          <a:lstStyle/>
+          <a:p>
+            <a:pPr marL="0" marR="0">
+              <a:lnSpc>
+                <a:spcPct val="107000"/>
+              </a:lnSpc>
+              <a:spcBef>
+                <a:spcPts val="750"/>
+              </a:spcBef>
+              <a:spcAft>
+                <a:spcPts val="750"/>
+              </a:spcAft>
+            </a:pPr>
+            <a:r>
+              <a:rPr lang="en-PH" sz="3600" kern="0" dirty="0">
+                <a:solidFill>
+                  <a:srgbClr val="000000"/>
+                </a:solidFill>
+                <a:effectLst/>
+                <a:latin typeface="Neutraface Text Bold"/>
+                <a:ea typeface="Times New Roman" panose="02020603050405020304" pitchFamily="18" charset="0"/>
+                <a:cs typeface="Times New Roman" panose="02020603050405020304" pitchFamily="18" charset="0"/>
+              </a:rPr>
+              <a:t>Object </a:t>
+            </a:r>
+            <a:r>
+              <a:rPr lang="en-PH" sz="3600" kern="0" dirty="0">
+                <a:solidFill>
+                  <a:srgbClr val="000000"/>
+                </a:solidFill>
+                <a:latin typeface="Neutraface Text Bold"/>
+                <a:ea typeface="Times New Roman" panose="02020603050405020304" pitchFamily="18" charset="0"/>
+                <a:cs typeface="Times New Roman" panose="02020603050405020304" pitchFamily="18" charset="0"/>
+              </a:rPr>
+              <a:t>Methods</a:t>
+            </a:r>
+            <a:endParaRPr lang="en-PH" sz="1600" kern="100" dirty="0">
+              <a:effectLst/>
+              <a:latin typeface="Neutraface Text Bold"/>
+              <a:ea typeface="Calibri" panose="020F0502020204030204" pitchFamily="34" charset="0"/>
+              <a:cs typeface="Times New Roman" panose="02020603050405020304" pitchFamily="18" charset="0"/>
+            </a:endParaRPr>
+          </a:p>
+          <a:p>
+            <a:pPr marL="0" marR="0">
+              <a:lnSpc>
+                <a:spcPct val="107000"/>
+              </a:lnSpc>
+              <a:spcBef>
+                <a:spcPts val="1440"/>
+              </a:spcBef>
+              <a:spcAft>
+                <a:spcPts val="1440"/>
+              </a:spcAft>
+            </a:pPr>
+            <a:r>
+              <a:rPr lang="en-US" sz="1800" kern="0" dirty="0">
+                <a:solidFill>
+                  <a:srgbClr val="000000"/>
+                </a:solidFill>
+                <a:effectLst/>
+                <a:latin typeface="Neutraface Text Bold"/>
+                <a:ea typeface="Times New Roman" panose="02020603050405020304" pitchFamily="18" charset="0"/>
+                <a:cs typeface="Times New Roman" panose="02020603050405020304" pitchFamily="18" charset="0"/>
+              </a:rPr>
+              <a:t>They are </a:t>
+            </a:r>
+            <a:r>
+              <a:rPr lang="en-US" sz="1800" kern="0" dirty="0">
+                <a:solidFill>
+                  <a:srgbClr val="000000"/>
+                </a:solidFill>
+                <a:effectLst/>
+                <a:highlight>
+                  <a:srgbClr val="00FF00"/>
+                </a:highlight>
+                <a:latin typeface="Neutraface Text Bold"/>
+                <a:ea typeface="Times New Roman" panose="02020603050405020304" pitchFamily="18" charset="0"/>
+                <a:cs typeface="Times New Roman" panose="02020603050405020304" pitchFamily="18" charset="0"/>
+              </a:rPr>
+              <a:t>functions</a:t>
+            </a:r>
+            <a:r>
+              <a:rPr lang="en-US" sz="1800" kern="0" dirty="0">
+                <a:solidFill>
+                  <a:srgbClr val="000000"/>
+                </a:solidFill>
+                <a:effectLst/>
+                <a:latin typeface="Neutraface Text Bold"/>
+                <a:ea typeface="Times New Roman" panose="02020603050405020304" pitchFamily="18" charset="0"/>
+                <a:cs typeface="Times New Roman" panose="02020603050405020304" pitchFamily="18" charset="0"/>
+              </a:rPr>
+              <a:t> that are associated with and defined within objects, and they allow you to perform specific operations or manipulations on the object's properties</a:t>
+            </a:r>
+            <a:r>
+              <a:rPr lang="en-US" kern="0" dirty="0">
+                <a:solidFill>
+                  <a:srgbClr val="000000"/>
+                </a:solidFill>
+                <a:latin typeface="Neutraface Text Bold"/>
+                <a:ea typeface="Times New Roman" panose="02020603050405020304" pitchFamily="18" charset="0"/>
+                <a:cs typeface="Times New Roman" panose="02020603050405020304" pitchFamily="18" charset="0"/>
+              </a:rPr>
+              <a:t> (data).</a:t>
+            </a:r>
+            <a:r>
+              <a:rPr lang="en-US" sz="1800" kern="0" dirty="0">
+                <a:solidFill>
+                  <a:srgbClr val="000000"/>
+                </a:solidFill>
+                <a:effectLst/>
+                <a:latin typeface="Neutraface Text Bold"/>
+                <a:ea typeface="Times New Roman" panose="02020603050405020304" pitchFamily="18" charset="0"/>
+                <a:cs typeface="Times New Roman" panose="02020603050405020304" pitchFamily="18" charset="0"/>
+              </a:rPr>
+              <a:t> </a:t>
+            </a:r>
+            <a:endParaRPr lang="en-PH" sz="1600" kern="100" dirty="0">
+              <a:effectLst/>
+              <a:latin typeface="Neutraface Text Bold"/>
+              <a:ea typeface="Calibri" panose="020F0502020204030204" pitchFamily="34" charset="0"/>
+              <a:cs typeface="Times New Roman" panose="02020603050405020304" pitchFamily="18" charset="0"/>
+            </a:endParaRPr>
+          </a:p>
+        </p:txBody>
+      </p:sp>
+      <p:sp>
+        <p:nvSpPr>
+          <p:cNvPr id="5" name="TextBox 4">
+            <a:extLst>
+              <a:ext uri="{FF2B5EF4-FFF2-40B4-BE49-F238E27FC236}">
+                <a16:creationId xmlns:a16="http://schemas.microsoft.com/office/drawing/2014/main" id="{9297BD08-12F7-1548-EBE0-AAE231B8299E}"/>
+              </a:ext>
+            </a:extLst>
+          </p:cNvPr>
+          <p:cNvSpPr txBox="1"/>
+          <p:nvPr/>
+        </p:nvSpPr>
+        <p:spPr>
+          <a:xfrm>
+            <a:off x="235069" y="2358902"/>
+            <a:ext cx="6094562" cy="1409617"/>
+          </a:xfrm>
+          <a:prstGeom prst="rect">
+            <a:avLst/>
+          </a:prstGeom>
+          <a:noFill/>
+        </p:spPr>
+        <p:txBody>
+          <a:bodyPr wrap="square">
+            <a:spAutoFit/>
+          </a:bodyPr>
+          <a:lstStyle/>
+          <a:p>
+            <a:pPr marL="0" marR="0">
+              <a:spcBef>
+                <a:spcPts val="1440"/>
+              </a:spcBef>
+              <a:spcAft>
+                <a:spcPts val="1440"/>
+              </a:spcAft>
+            </a:pPr>
+            <a:r>
+              <a:rPr lang="en-PH" sz="1600" kern="0" dirty="0">
+                <a:solidFill>
+                  <a:srgbClr val="000000"/>
+                </a:solidFill>
+                <a:effectLst/>
+                <a:latin typeface="Neutraface Text Bold"/>
+                <a:ea typeface="Times New Roman" panose="02020603050405020304" pitchFamily="18" charset="0"/>
+                <a:cs typeface="Times New Roman" panose="02020603050405020304" pitchFamily="18" charset="0"/>
+              </a:rPr>
+              <a:t>Methods are </a:t>
+            </a:r>
+            <a:r>
+              <a:rPr lang="en-PH" sz="1600" b="1" kern="0" dirty="0">
+                <a:solidFill>
+                  <a:srgbClr val="000000"/>
+                </a:solidFill>
+                <a:effectLst/>
+                <a:latin typeface="Neutraface Text Bold"/>
+                <a:ea typeface="Times New Roman" panose="02020603050405020304" pitchFamily="18" charset="0"/>
+                <a:cs typeface="Times New Roman" panose="02020603050405020304" pitchFamily="18" charset="0"/>
+              </a:rPr>
+              <a:t>actions</a:t>
+            </a:r>
+            <a:r>
+              <a:rPr lang="en-PH" sz="1600" kern="0" dirty="0">
+                <a:solidFill>
+                  <a:srgbClr val="000000"/>
+                </a:solidFill>
+                <a:effectLst/>
+                <a:latin typeface="Neutraface Text Bold"/>
+                <a:ea typeface="Times New Roman" panose="02020603050405020304" pitchFamily="18" charset="0"/>
+                <a:cs typeface="Times New Roman" panose="02020603050405020304" pitchFamily="18" charset="0"/>
+              </a:rPr>
+              <a:t> that can be performed on objects.</a:t>
+            </a:r>
+            <a:endParaRPr lang="en-PH" sz="1400" kern="100" dirty="0">
+              <a:latin typeface="Neutraface Text Bold"/>
+              <a:ea typeface="Calibri" panose="020F0502020204030204" pitchFamily="34" charset="0"/>
+              <a:cs typeface="Times New Roman" panose="02020603050405020304" pitchFamily="18" charset="0"/>
+            </a:endParaRPr>
+          </a:p>
+          <a:p>
+            <a:pPr marL="0" marR="0">
+              <a:spcBef>
+                <a:spcPts val="1440"/>
+              </a:spcBef>
+              <a:spcAft>
+                <a:spcPts val="1440"/>
+              </a:spcAft>
+            </a:pPr>
+            <a:r>
+              <a:rPr lang="en-PH" sz="1600" kern="0" dirty="0">
+                <a:solidFill>
+                  <a:srgbClr val="000000"/>
+                </a:solidFill>
+                <a:effectLst/>
+                <a:latin typeface="Neutraface Text Bold"/>
+                <a:ea typeface="Times New Roman" panose="02020603050405020304" pitchFamily="18" charset="0"/>
+                <a:cs typeface="Times New Roman" panose="02020603050405020304" pitchFamily="18" charset="0"/>
+              </a:rPr>
+              <a:t>Methods are stored in properties as </a:t>
+            </a:r>
+            <a:r>
+              <a:rPr lang="en-PH" sz="1600" b="1" kern="0" dirty="0">
+                <a:solidFill>
+                  <a:srgbClr val="000000"/>
+                </a:solidFill>
+                <a:effectLst/>
+                <a:latin typeface="Neutraface Text Bold"/>
+                <a:ea typeface="Times New Roman" panose="02020603050405020304" pitchFamily="18" charset="0"/>
+                <a:cs typeface="Times New Roman" panose="02020603050405020304" pitchFamily="18" charset="0"/>
+              </a:rPr>
+              <a:t>function definitions</a:t>
+            </a:r>
+            <a:r>
+              <a:rPr lang="en-PH" sz="1600" kern="0" dirty="0">
+                <a:solidFill>
+                  <a:srgbClr val="000000"/>
+                </a:solidFill>
+                <a:effectLst/>
+                <a:latin typeface="Neutraface Text Bold"/>
+                <a:ea typeface="Times New Roman" panose="02020603050405020304" pitchFamily="18" charset="0"/>
+                <a:cs typeface="Times New Roman" panose="02020603050405020304" pitchFamily="18" charset="0"/>
+              </a:rPr>
+              <a:t>.</a:t>
+            </a:r>
+            <a:endParaRPr lang="en-PH" sz="1400" kern="100" dirty="0">
+              <a:effectLst/>
+              <a:latin typeface="Neutraface Text Bold"/>
+              <a:ea typeface="Calibri" panose="020F0502020204030204" pitchFamily="34" charset="0"/>
+              <a:cs typeface="Times New Roman" panose="02020603050405020304" pitchFamily="18" charset="0"/>
+            </a:endParaRPr>
+          </a:p>
+          <a:p>
+            <a:pPr marL="0" marR="0">
+              <a:spcBef>
+                <a:spcPts val="0"/>
+              </a:spcBef>
+              <a:spcAft>
+                <a:spcPts val="800"/>
+              </a:spcAft>
+            </a:pPr>
+            <a:r>
+              <a:rPr lang="en-PH" sz="1600" kern="0" dirty="0">
+                <a:solidFill>
+                  <a:srgbClr val="000000"/>
+                </a:solidFill>
+                <a:effectLst/>
+                <a:latin typeface="Neutraface Text Bold"/>
+                <a:ea typeface="Times New Roman" panose="02020603050405020304" pitchFamily="18" charset="0"/>
+                <a:cs typeface="Times New Roman" panose="02020603050405020304" pitchFamily="18" charset="0"/>
+              </a:rPr>
+              <a:t>A method is a function stored as a property.</a:t>
+            </a:r>
+            <a:endParaRPr lang="en-PH" sz="1400" kern="100" dirty="0">
+              <a:effectLst/>
+              <a:latin typeface="Neutraface Text Bold"/>
+              <a:ea typeface="Calibri" panose="020F0502020204030204" pitchFamily="34" charset="0"/>
+              <a:cs typeface="Times New Roman" panose="02020603050405020304" pitchFamily="18" charset="0"/>
+            </a:endParaRPr>
+          </a:p>
+        </p:txBody>
+      </p:sp>
+      <p:sp>
+        <p:nvSpPr>
+          <p:cNvPr id="8" name="TextBox 7">
+            <a:extLst>
+              <a:ext uri="{FF2B5EF4-FFF2-40B4-BE49-F238E27FC236}">
+                <a16:creationId xmlns:a16="http://schemas.microsoft.com/office/drawing/2014/main" id="{7E7529A1-BAE8-0136-334C-48F0322773C9}"/>
+              </a:ext>
+            </a:extLst>
+          </p:cNvPr>
+          <p:cNvSpPr txBox="1"/>
+          <p:nvPr/>
+        </p:nvSpPr>
+        <p:spPr>
+          <a:xfrm>
+            <a:off x="235069" y="3947768"/>
+            <a:ext cx="6094562" cy="2029466"/>
+          </a:xfrm>
+          <a:prstGeom prst="rect">
+            <a:avLst/>
+          </a:prstGeom>
+          <a:noFill/>
+        </p:spPr>
+        <p:txBody>
+          <a:bodyPr wrap="square">
+            <a:spAutoFit/>
+          </a:bodyPr>
+          <a:lstStyle/>
+          <a:p>
+            <a:pPr marL="0" marR="0">
+              <a:lnSpc>
+                <a:spcPct val="107000"/>
+              </a:lnSpc>
+              <a:spcBef>
+                <a:spcPts val="750"/>
+              </a:spcBef>
+              <a:spcAft>
+                <a:spcPts val="750"/>
+              </a:spcAft>
+            </a:pPr>
+            <a:r>
+              <a:rPr lang="en-PH" sz="2800" kern="0" dirty="0">
+                <a:solidFill>
+                  <a:srgbClr val="000000"/>
+                </a:solidFill>
+                <a:effectLst/>
+                <a:latin typeface="Neutraface Text Bold"/>
+                <a:ea typeface="Times New Roman" panose="02020603050405020304" pitchFamily="18" charset="0"/>
+                <a:cs typeface="Times New Roman" panose="02020603050405020304" pitchFamily="18" charset="0"/>
+              </a:rPr>
+              <a:t>Accessing Object Methods</a:t>
+            </a:r>
+            <a:endParaRPr lang="en-PH" sz="1200" kern="100" dirty="0">
+              <a:effectLst/>
+              <a:latin typeface="Neutraface Text Bold"/>
+              <a:ea typeface="Calibri" panose="020F0502020204030204" pitchFamily="34" charset="0"/>
+              <a:cs typeface="Times New Roman" panose="02020603050405020304" pitchFamily="18" charset="0"/>
+            </a:endParaRPr>
+          </a:p>
+          <a:p>
+            <a:pPr marL="0" marR="0">
+              <a:lnSpc>
+                <a:spcPct val="107000"/>
+              </a:lnSpc>
+              <a:spcBef>
+                <a:spcPts val="1440"/>
+              </a:spcBef>
+              <a:spcAft>
+                <a:spcPts val="1440"/>
+              </a:spcAft>
+            </a:pPr>
+            <a:r>
+              <a:rPr lang="en-PH" sz="1400" kern="0" dirty="0">
+                <a:solidFill>
+                  <a:srgbClr val="000000"/>
+                </a:solidFill>
+                <a:effectLst/>
+                <a:latin typeface="Neutraface Text Bold"/>
+                <a:ea typeface="Times New Roman" panose="02020603050405020304" pitchFamily="18" charset="0"/>
+                <a:cs typeface="Times New Roman" panose="02020603050405020304" pitchFamily="18" charset="0"/>
+              </a:rPr>
+              <a:t>You access an object method with the following syntax:</a:t>
+            </a:r>
+            <a:endParaRPr lang="en-PH" sz="1200" kern="100" dirty="0">
+              <a:effectLst/>
+              <a:latin typeface="Neutraface Text Bold"/>
+              <a:ea typeface="Calibri" panose="020F0502020204030204" pitchFamily="34" charset="0"/>
+              <a:cs typeface="Times New Roman" panose="02020603050405020304" pitchFamily="18" charset="0"/>
+            </a:endParaRPr>
+          </a:p>
+          <a:p>
+            <a:pPr marL="0" marR="0">
+              <a:lnSpc>
+                <a:spcPct val="107000"/>
+              </a:lnSpc>
+              <a:spcBef>
+                <a:spcPts val="0"/>
+              </a:spcBef>
+              <a:spcAft>
+                <a:spcPts val="800"/>
+              </a:spcAft>
+            </a:pPr>
+            <a:r>
+              <a:rPr lang="en-PH" sz="1400" i="1" kern="0" dirty="0" err="1">
+                <a:solidFill>
+                  <a:srgbClr val="000000"/>
+                </a:solidFill>
+                <a:effectLst/>
+                <a:latin typeface="Neutraface Text Bold"/>
+                <a:ea typeface="Times New Roman" panose="02020603050405020304" pitchFamily="18" charset="0"/>
+                <a:cs typeface="Times New Roman" panose="02020603050405020304" pitchFamily="18" charset="0"/>
+              </a:rPr>
+              <a:t>objectName.methodName</a:t>
+            </a:r>
+            <a:r>
+              <a:rPr lang="en-PH" sz="1400" i="1" kern="0" dirty="0">
+                <a:solidFill>
+                  <a:srgbClr val="000000"/>
+                </a:solidFill>
+                <a:effectLst/>
+                <a:latin typeface="Neutraface Text Bold"/>
+                <a:ea typeface="Times New Roman" panose="02020603050405020304" pitchFamily="18" charset="0"/>
+                <a:cs typeface="Times New Roman" panose="02020603050405020304" pitchFamily="18" charset="0"/>
+              </a:rPr>
+              <a:t>()</a:t>
+            </a:r>
+            <a:endParaRPr lang="en-PH" sz="1200" i="1" kern="100" dirty="0">
+              <a:latin typeface="Neutraface Text Bold"/>
+              <a:ea typeface="Calibri" panose="020F0502020204030204" pitchFamily="34" charset="0"/>
+              <a:cs typeface="Times New Roman" panose="02020603050405020304" pitchFamily="18" charset="0"/>
+            </a:endParaRPr>
+          </a:p>
+          <a:p>
+            <a:pPr marL="0" marR="0">
+              <a:lnSpc>
+                <a:spcPct val="107000"/>
+              </a:lnSpc>
+              <a:spcBef>
+                <a:spcPts val="0"/>
+              </a:spcBef>
+              <a:spcAft>
+                <a:spcPts val="800"/>
+              </a:spcAft>
+            </a:pPr>
+            <a:r>
+              <a:rPr lang="en-PH" sz="1400" kern="0" dirty="0">
+                <a:solidFill>
+                  <a:srgbClr val="000000"/>
+                </a:solidFill>
+                <a:effectLst/>
+                <a:latin typeface="Neutraface Text Bold"/>
+                <a:ea typeface="Times New Roman" panose="02020603050405020304" pitchFamily="18" charset="0"/>
+                <a:cs typeface="Times New Roman" panose="02020603050405020304" pitchFamily="18" charset="0"/>
+              </a:rPr>
+              <a:t>If you access a method </a:t>
+            </a:r>
+            <a:r>
+              <a:rPr lang="en-PH" sz="1400" b="1" kern="0" dirty="0">
+                <a:solidFill>
+                  <a:srgbClr val="000000"/>
+                </a:solidFill>
+                <a:effectLst/>
+                <a:latin typeface="Neutraface Text Bold"/>
+                <a:ea typeface="Times New Roman" panose="02020603050405020304" pitchFamily="18" charset="0"/>
+                <a:cs typeface="Times New Roman" panose="02020603050405020304" pitchFamily="18" charset="0"/>
+              </a:rPr>
+              <a:t>without</a:t>
+            </a:r>
+            <a:r>
+              <a:rPr lang="en-PH" sz="1400" kern="0" dirty="0">
+                <a:solidFill>
+                  <a:srgbClr val="000000"/>
+                </a:solidFill>
+                <a:effectLst/>
+                <a:latin typeface="Neutraface Text Bold"/>
+                <a:ea typeface="Times New Roman" panose="02020603050405020304" pitchFamily="18" charset="0"/>
+                <a:cs typeface="Times New Roman" panose="02020603050405020304" pitchFamily="18" charset="0"/>
+              </a:rPr>
+              <a:t> the () parentheses, it will return the </a:t>
+            </a:r>
+            <a:r>
+              <a:rPr lang="en-PH" sz="1400" b="1" kern="0" dirty="0">
+                <a:solidFill>
+                  <a:srgbClr val="000000"/>
+                </a:solidFill>
+                <a:effectLst/>
+                <a:latin typeface="Neutraface Text Bold"/>
+                <a:ea typeface="Times New Roman" panose="02020603050405020304" pitchFamily="18" charset="0"/>
+                <a:cs typeface="Times New Roman" panose="02020603050405020304" pitchFamily="18" charset="0"/>
+              </a:rPr>
+              <a:t>function definition</a:t>
+            </a:r>
+            <a:r>
+              <a:rPr lang="en-PH" sz="1400" b="1" kern="0" dirty="0">
+                <a:solidFill>
+                  <a:srgbClr val="000000"/>
+                </a:solidFill>
+                <a:latin typeface="Neutraface Text Bold"/>
+                <a:ea typeface="Times New Roman" panose="02020603050405020304" pitchFamily="18" charset="0"/>
+                <a:cs typeface="Times New Roman" panose="02020603050405020304" pitchFamily="18" charset="0"/>
+              </a:rPr>
+              <a:t>…</a:t>
+            </a:r>
+            <a:endParaRPr lang="en-PH" sz="1200" kern="100" dirty="0">
+              <a:effectLst/>
+              <a:latin typeface="Neutraface Text Bold"/>
+              <a:ea typeface="Calibri" panose="020F0502020204030204" pitchFamily="34" charset="0"/>
+              <a:cs typeface="Times New Roman" panose="02020603050405020304" pitchFamily="18" charset="0"/>
+            </a:endParaRPr>
+          </a:p>
+        </p:txBody>
+      </p:sp>
+    </p:spTree>
+    <p:extLst>
+      <p:ext uri="{BB962C8B-B14F-4D97-AF65-F5344CB8AC3E}">
+        <p14:creationId xmlns:p14="http://schemas.microsoft.com/office/powerpoint/2010/main" val="1244659133"/>
+      </p:ext>
+    </p:extLst>
+  </p:cSld>
+  <p:clrMapOvr>
+    <a:masterClrMapping/>
+  </p:clrMapOvr>
+</p:sld>
+</file>
+
+<file path=ppt/slides/slide15.xml><?xml version="1.0" encoding="utf-8"?>
+<p:sld xmlns:a="http://schemas.openxmlformats.org/drawingml/2006/main" xmlns:r="http://schemas.openxmlformats.org/officeDocument/2006/relationships" xmlns:p="http://schemas.openxmlformats.org/presentationml/2006/main">
+  <p:cSld>
+    <p:bg>
+      <p:bgPr>
+        <a:solidFill>
+          <a:srgbClr val="F0DB4F"/>
+        </a:solidFill>
+        <a:effectLst/>
+      </p:bgPr>
+    </p:bg>
+    <p:spTree>
+      <p:nvGrpSpPr>
+        <p:cNvPr id="1" name=""/>
+        <p:cNvGrpSpPr/>
+        <p:nvPr/>
+      </p:nvGrpSpPr>
+      <p:grpSpPr>
+        <a:xfrm>
+          <a:off x="0" y="0"/>
+          <a:ext cx="0" cy="0"/>
+          <a:chOff x="0" y="0"/>
+          <a:chExt cx="0" cy="0"/>
+        </a:xfrm>
+      </p:grpSpPr>
+      <p:sp>
+        <p:nvSpPr>
+          <p:cNvPr id="2" name="TextBox 1">
+            <a:extLst>
+              <a:ext uri="{FF2B5EF4-FFF2-40B4-BE49-F238E27FC236}">
+                <a16:creationId xmlns:a16="http://schemas.microsoft.com/office/drawing/2014/main" id="{AA4FC06F-A92D-8A76-4E07-46FE88CB8A00}"/>
+              </a:ext>
+            </a:extLst>
+          </p:cNvPr>
+          <p:cNvSpPr txBox="1"/>
+          <p:nvPr/>
+        </p:nvSpPr>
+        <p:spPr>
+          <a:xfrm>
+            <a:off x="500741" y="2816364"/>
+            <a:ext cx="8923176" cy="1225272"/>
+          </a:xfrm>
+          <a:prstGeom prst="rect">
+            <a:avLst/>
+          </a:prstGeom>
+          <a:noFill/>
+        </p:spPr>
+        <p:txBody>
+          <a:bodyPr wrap="square">
+            <a:spAutoFit/>
+          </a:bodyPr>
+          <a:lstStyle/>
+          <a:p>
+            <a:pPr marL="0" marR="0">
+              <a:lnSpc>
+                <a:spcPct val="107000"/>
+              </a:lnSpc>
+              <a:spcBef>
+                <a:spcPts val="750"/>
+              </a:spcBef>
+              <a:spcAft>
+                <a:spcPts val="750"/>
+              </a:spcAft>
+            </a:pPr>
+            <a:r>
+              <a:rPr lang="en-PH" sz="7200" kern="1800" dirty="0">
+                <a:solidFill>
+                  <a:srgbClr val="000000"/>
+                </a:solidFill>
+                <a:effectLst/>
+                <a:latin typeface="Neutraface Text Bold"/>
+                <a:ea typeface="Times New Roman" panose="02020603050405020304" pitchFamily="18" charset="0"/>
+                <a:cs typeface="Times New Roman" panose="02020603050405020304" pitchFamily="18" charset="0"/>
+              </a:rPr>
+              <a:t>JavaScript </a:t>
+            </a:r>
+            <a:r>
+              <a:rPr lang="en-PH" sz="7200" kern="1800" dirty="0">
+                <a:solidFill>
+                  <a:srgbClr val="000000"/>
+                </a:solidFill>
+                <a:latin typeface="Neutraface Text Bold"/>
+                <a:ea typeface="Times New Roman" panose="02020603050405020304" pitchFamily="18" charset="0"/>
+                <a:cs typeface="Times New Roman" panose="02020603050405020304" pitchFamily="18" charset="0"/>
+              </a:rPr>
+              <a:t>HTML DOM</a:t>
+            </a:r>
+            <a:endParaRPr lang="en-PH" sz="3200" kern="100" dirty="0">
+              <a:effectLst/>
+              <a:latin typeface="Neutraface Text Bold"/>
+              <a:ea typeface="Calibri" panose="020F0502020204030204" pitchFamily="34" charset="0"/>
+              <a:cs typeface="Times New Roman" panose="02020603050405020304" pitchFamily="18" charset="0"/>
+            </a:endParaRPr>
+          </a:p>
+        </p:txBody>
+      </p:sp>
+    </p:spTree>
+    <p:extLst>
+      <p:ext uri="{BB962C8B-B14F-4D97-AF65-F5344CB8AC3E}">
+        <p14:creationId xmlns:p14="http://schemas.microsoft.com/office/powerpoint/2010/main" val="307963839"/>
+      </p:ext>
+    </p:extLst>
+  </p:cSld>
+  <p:clrMapOvr>
+    <a:masterClrMapping/>
+  </p:clrMapOvr>
+</p:sld>
+</file>
+
+<file path=ppt/slides/slide16.xml><?xml version="1.0" encoding="utf-8"?>
+<p:sld xmlns:a="http://schemas.openxmlformats.org/drawingml/2006/main" xmlns:r="http://schemas.openxmlformats.org/officeDocument/2006/relationships" xmlns:p="http://schemas.openxmlformats.org/presentationml/2006/main">
+  <p:cSld>
+    <p:bg>
+      <p:bgPr>
+        <a:solidFill>
+          <a:srgbClr val="F0DB4F"/>
+        </a:solidFill>
+        <a:effectLst/>
+      </p:bgPr>
+    </p:bg>
+    <p:spTree>
+      <p:nvGrpSpPr>
+        <p:cNvPr id="1" name=""/>
+        <p:cNvGrpSpPr/>
+        <p:nvPr/>
+      </p:nvGrpSpPr>
+      <p:grpSpPr>
+        <a:xfrm>
+          <a:off x="0" y="0"/>
+          <a:ext cx="0" cy="0"/>
+          <a:chOff x="0" y="0"/>
+          <a:chExt cx="0" cy="0"/>
+        </a:xfrm>
+      </p:grpSpPr>
+      <p:pic>
+        <p:nvPicPr>
+          <p:cNvPr id="17" name="Picture 16">
+            <a:extLst>
+              <a:ext uri="{FF2B5EF4-FFF2-40B4-BE49-F238E27FC236}">
+                <a16:creationId xmlns:a16="http://schemas.microsoft.com/office/drawing/2014/main" id="{DD9D59CC-1E32-E02F-F8EF-3AA27D06F20D}"/>
+              </a:ext>
+            </a:extLst>
+          </p:cNvPr>
+          <p:cNvPicPr>
+            <a:picLocks noChangeAspect="1"/>
+          </p:cNvPicPr>
+          <p:nvPr/>
+        </p:nvPicPr>
+        <p:blipFill>
+          <a:blip r:embed="rId2"/>
+          <a:stretch>
+            <a:fillRect/>
+          </a:stretch>
+        </p:blipFill>
+        <p:spPr>
+          <a:xfrm>
+            <a:off x="2470561" y="2110492"/>
+            <a:ext cx="7250878" cy="4558010"/>
+          </a:xfrm>
+          <a:prstGeom prst="rect">
+            <a:avLst/>
+          </a:prstGeom>
+        </p:spPr>
+      </p:pic>
+      <p:sp>
+        <p:nvSpPr>
+          <p:cNvPr id="19" name="TextBox 18">
+            <a:extLst>
+              <a:ext uri="{FF2B5EF4-FFF2-40B4-BE49-F238E27FC236}">
+                <a16:creationId xmlns:a16="http://schemas.microsoft.com/office/drawing/2014/main" id="{E625EB7E-F311-B0ED-BCE5-F93B52DF97AC}"/>
+              </a:ext>
+            </a:extLst>
+          </p:cNvPr>
+          <p:cNvSpPr txBox="1"/>
+          <p:nvPr/>
+        </p:nvSpPr>
+        <p:spPr>
+          <a:xfrm>
+            <a:off x="179943" y="401935"/>
+            <a:ext cx="11832114" cy="1569660"/>
+          </a:xfrm>
+          <a:prstGeom prst="rect">
+            <a:avLst/>
+          </a:prstGeom>
+          <a:noFill/>
+        </p:spPr>
+        <p:txBody>
+          <a:bodyPr wrap="square">
+            <a:spAutoFit/>
+          </a:bodyPr>
+          <a:lstStyle/>
+          <a:p>
+            <a:pPr algn="l"/>
+            <a:r>
+              <a:rPr lang="en-US" sz="2400" b="1" i="0" dirty="0">
+                <a:solidFill>
+                  <a:srgbClr val="000000"/>
+                </a:solidFill>
+                <a:effectLst/>
+                <a:latin typeface="Neutraface Text Bold"/>
+              </a:rPr>
+              <a:t>The HTML DOM (Document Object Model)</a:t>
+            </a:r>
+          </a:p>
+          <a:p>
+            <a:pPr algn="l"/>
+            <a:endParaRPr lang="en-US" b="1" i="0" dirty="0">
+              <a:solidFill>
+                <a:srgbClr val="000000"/>
+              </a:solidFill>
+              <a:effectLst/>
+              <a:latin typeface="Neutraface Text Bold"/>
+            </a:endParaRPr>
+          </a:p>
+          <a:p>
+            <a:pPr algn="l"/>
+            <a:r>
+              <a:rPr lang="en-US" b="0" i="0" dirty="0">
+                <a:solidFill>
+                  <a:srgbClr val="000000"/>
+                </a:solidFill>
+                <a:effectLst/>
+                <a:latin typeface="Neutraface Text Bold"/>
+              </a:rPr>
+              <a:t>When a web page is loaded, the browser creates a </a:t>
+            </a:r>
+            <a:r>
+              <a:rPr lang="en-US" b="1" i="0" dirty="0">
+                <a:solidFill>
+                  <a:srgbClr val="000000"/>
+                </a:solidFill>
+                <a:effectLst/>
+                <a:latin typeface="Neutraface Text Bold"/>
+              </a:rPr>
+              <a:t>D</a:t>
+            </a:r>
+            <a:r>
+              <a:rPr lang="en-US" b="0" i="0" dirty="0">
+                <a:solidFill>
+                  <a:srgbClr val="000000"/>
+                </a:solidFill>
+                <a:effectLst/>
+                <a:latin typeface="Neutraface Text Bold"/>
+              </a:rPr>
+              <a:t>ocument </a:t>
+            </a:r>
+            <a:r>
+              <a:rPr lang="en-US" b="1" i="0" dirty="0">
+                <a:solidFill>
+                  <a:srgbClr val="000000"/>
+                </a:solidFill>
+                <a:effectLst/>
+                <a:latin typeface="Neutraface Text Bold"/>
+              </a:rPr>
+              <a:t>O</a:t>
+            </a:r>
+            <a:r>
+              <a:rPr lang="en-US" b="0" i="0" dirty="0">
+                <a:solidFill>
+                  <a:srgbClr val="000000"/>
+                </a:solidFill>
+                <a:effectLst/>
+                <a:latin typeface="Neutraface Text Bold"/>
+              </a:rPr>
+              <a:t>bject </a:t>
+            </a:r>
+            <a:r>
+              <a:rPr lang="en-US" b="1" i="0" dirty="0">
+                <a:solidFill>
+                  <a:srgbClr val="000000"/>
+                </a:solidFill>
+                <a:effectLst/>
+                <a:latin typeface="Neutraface Text Bold"/>
+              </a:rPr>
+              <a:t>M</a:t>
+            </a:r>
+            <a:r>
+              <a:rPr lang="en-US" b="0" i="0" dirty="0">
+                <a:solidFill>
+                  <a:srgbClr val="000000"/>
+                </a:solidFill>
+                <a:effectLst/>
+                <a:latin typeface="Neutraface Text Bold"/>
+              </a:rPr>
+              <a:t>odel of the page.</a:t>
+            </a:r>
+          </a:p>
+          <a:p>
+            <a:pPr algn="l"/>
+            <a:endParaRPr lang="en-US" dirty="0">
+              <a:solidFill>
+                <a:srgbClr val="000000"/>
+              </a:solidFill>
+              <a:latin typeface="Neutraface Text Bold"/>
+            </a:endParaRPr>
+          </a:p>
+          <a:p>
+            <a:pPr algn="l"/>
+            <a:r>
+              <a:rPr lang="en-US" b="0" i="0" dirty="0">
+                <a:solidFill>
+                  <a:srgbClr val="000000"/>
+                </a:solidFill>
+                <a:effectLst/>
+                <a:latin typeface="Neutraface Text Bold"/>
+              </a:rPr>
+              <a:t>DOM = another built-in object in JS(like console, Math, JSON, </a:t>
+            </a:r>
+            <a:r>
+              <a:rPr lang="en-US" b="0" i="0" dirty="0" err="1">
+                <a:solidFill>
+                  <a:srgbClr val="000000"/>
+                </a:solidFill>
+                <a:effectLst/>
+                <a:latin typeface="Neutraface Text Bold"/>
+              </a:rPr>
+              <a:t>localStorage</a:t>
+            </a:r>
+            <a:r>
+              <a:rPr lang="en-US" b="0" i="0" dirty="0">
+                <a:solidFill>
+                  <a:srgbClr val="000000"/>
+                </a:solidFill>
+                <a:effectLst/>
+                <a:latin typeface="Neutraface Text Bold"/>
+              </a:rPr>
+              <a:t>) </a:t>
+            </a:r>
+            <a:r>
+              <a:rPr lang="en-US" b="0" i="0" dirty="0">
+                <a:solidFill>
+                  <a:srgbClr val="000000"/>
+                </a:solidFill>
+                <a:effectLst/>
+                <a:latin typeface="Neutraface Text Bold"/>
+                <a:sym typeface="Wingdings" panose="05000000000000000000" pitchFamily="2" charset="2"/>
+              </a:rPr>
+              <a:t> access using document</a:t>
+            </a:r>
+            <a:endParaRPr lang="en-US" b="0" i="0" dirty="0">
+              <a:solidFill>
+                <a:srgbClr val="000000"/>
+              </a:solidFill>
+              <a:effectLst/>
+              <a:latin typeface="Neutraface Text Bold"/>
+            </a:endParaRPr>
+          </a:p>
+        </p:txBody>
+      </p:sp>
+    </p:spTree>
+    <p:extLst>
+      <p:ext uri="{BB962C8B-B14F-4D97-AF65-F5344CB8AC3E}">
+        <p14:creationId xmlns:p14="http://schemas.microsoft.com/office/powerpoint/2010/main" val="2751136035"/>
+      </p:ext>
+    </p:extLst>
+  </p:cSld>
+  <p:clrMapOvr>
+    <a:masterClrMapping/>
+  </p:clrMapOvr>
+</p:sld>
+</file>
+
+<file path=ppt/slides/slide17.xml><?xml version="1.0" encoding="utf-8"?>
+<p:sld xmlns:a="http://schemas.openxmlformats.org/drawingml/2006/main" xmlns:r="http://schemas.openxmlformats.org/officeDocument/2006/relationships" xmlns:p="http://schemas.openxmlformats.org/presentationml/2006/main">
+  <p:cSld>
+    <p:bg>
+      <p:bgPr>
+        <a:solidFill>
+          <a:srgbClr val="F0DB4F"/>
+        </a:solidFill>
+        <a:effectLst/>
+      </p:bgPr>
+    </p:bg>
+    <p:spTree>
+      <p:nvGrpSpPr>
+        <p:cNvPr id="1" name=""/>
+        <p:cNvGrpSpPr/>
+        <p:nvPr/>
+      </p:nvGrpSpPr>
+      <p:grpSpPr>
+        <a:xfrm>
+          <a:off x="0" y="0"/>
+          <a:ext cx="0" cy="0"/>
+          <a:chOff x="0" y="0"/>
+          <a:chExt cx="0" cy="0"/>
+        </a:xfrm>
+      </p:grpSpPr>
+      <p:sp>
+        <p:nvSpPr>
+          <p:cNvPr id="19" name="TextBox 18">
+            <a:extLst>
+              <a:ext uri="{FF2B5EF4-FFF2-40B4-BE49-F238E27FC236}">
+                <a16:creationId xmlns:a16="http://schemas.microsoft.com/office/drawing/2014/main" id="{E625EB7E-F311-B0ED-BCE5-F93B52DF97AC}"/>
+              </a:ext>
+            </a:extLst>
+          </p:cNvPr>
+          <p:cNvSpPr txBox="1"/>
+          <p:nvPr/>
+        </p:nvSpPr>
+        <p:spPr>
+          <a:xfrm>
+            <a:off x="179943" y="401935"/>
+            <a:ext cx="11832114" cy="738664"/>
+          </a:xfrm>
+          <a:prstGeom prst="rect">
+            <a:avLst/>
+          </a:prstGeom>
+          <a:noFill/>
+        </p:spPr>
+        <p:txBody>
+          <a:bodyPr wrap="square">
+            <a:spAutoFit/>
+          </a:bodyPr>
+          <a:lstStyle/>
+          <a:p>
+            <a:pPr algn="l"/>
+            <a:r>
+              <a:rPr lang="en-US" sz="2400" b="1" i="0" dirty="0">
+                <a:solidFill>
+                  <a:srgbClr val="000000"/>
+                </a:solidFill>
+                <a:effectLst/>
+                <a:latin typeface="Neutraface Text Bold"/>
+              </a:rPr>
+              <a:t>The HTML DOM (Document Object Model)</a:t>
+            </a:r>
+          </a:p>
+          <a:p>
+            <a:pPr algn="l"/>
+            <a:endParaRPr lang="en-US" b="1" i="0" dirty="0">
+              <a:solidFill>
+                <a:srgbClr val="000000"/>
+              </a:solidFill>
+              <a:effectLst/>
+              <a:latin typeface="Neutraface Text Bold"/>
+            </a:endParaRPr>
+          </a:p>
+        </p:txBody>
+      </p:sp>
+      <p:sp>
+        <p:nvSpPr>
+          <p:cNvPr id="3" name="TextBox 2">
+            <a:extLst>
+              <a:ext uri="{FF2B5EF4-FFF2-40B4-BE49-F238E27FC236}">
+                <a16:creationId xmlns:a16="http://schemas.microsoft.com/office/drawing/2014/main" id="{8E412EA0-80D6-B059-D209-E8A9EFE2F4DD}"/>
+              </a:ext>
+            </a:extLst>
+          </p:cNvPr>
+          <p:cNvSpPr txBox="1"/>
+          <p:nvPr/>
+        </p:nvSpPr>
+        <p:spPr>
+          <a:xfrm>
+            <a:off x="179943" y="1140599"/>
+            <a:ext cx="8636000" cy="4801314"/>
+          </a:xfrm>
+          <a:prstGeom prst="rect">
+            <a:avLst/>
+          </a:prstGeom>
+          <a:noFill/>
+        </p:spPr>
+        <p:txBody>
+          <a:bodyPr wrap="square">
+            <a:spAutoFit/>
+          </a:bodyPr>
+          <a:lstStyle/>
+          <a:p>
+            <a:pPr algn="l"/>
+            <a:r>
+              <a:rPr lang="en-US" b="0" i="0" dirty="0">
+                <a:effectLst/>
+                <a:latin typeface="Neutraface Text Bold"/>
+              </a:rPr>
+              <a:t>With the object model, JavaScript gets all the power it needs to create dynamic HTML:</a:t>
+            </a:r>
+          </a:p>
+          <a:p>
+            <a:pPr algn="l"/>
+            <a:endParaRPr lang="en-US" b="0" i="0" dirty="0">
+              <a:effectLst/>
+              <a:latin typeface="Neutraface Text Bold"/>
+            </a:endParaRPr>
+          </a:p>
+          <a:p>
+            <a:pPr algn="l">
+              <a:buFont typeface="Arial" panose="020B0604020202020204" pitchFamily="34" charset="0"/>
+              <a:buChar char="•"/>
+            </a:pPr>
+            <a:r>
+              <a:rPr lang="en-US" b="0" i="0" dirty="0">
+                <a:effectLst/>
+                <a:latin typeface="Neutraface Text Bold"/>
+              </a:rPr>
+              <a:t>JavaScript can change all the HTML elements in the page</a:t>
+            </a:r>
+          </a:p>
+          <a:p>
+            <a:pPr algn="l"/>
+            <a:endParaRPr lang="en-US" b="0" i="0" dirty="0">
+              <a:effectLst/>
+              <a:latin typeface="Neutraface Text Bold"/>
+            </a:endParaRPr>
+          </a:p>
+          <a:p>
+            <a:pPr algn="l">
+              <a:buFont typeface="Arial" panose="020B0604020202020204" pitchFamily="34" charset="0"/>
+              <a:buChar char="•"/>
+            </a:pPr>
+            <a:r>
+              <a:rPr lang="en-US" b="0" i="0" dirty="0">
+                <a:effectLst/>
+                <a:latin typeface="Neutraface Text Bold"/>
+              </a:rPr>
+              <a:t>JavaScript can change all the HTML attributes in the page</a:t>
+            </a:r>
+          </a:p>
+          <a:p>
+            <a:pPr algn="l"/>
+            <a:endParaRPr lang="en-US" b="0" i="0" dirty="0">
+              <a:effectLst/>
+              <a:latin typeface="Neutraface Text Bold"/>
+            </a:endParaRPr>
+          </a:p>
+          <a:p>
+            <a:pPr algn="l">
+              <a:buFont typeface="Arial" panose="020B0604020202020204" pitchFamily="34" charset="0"/>
+              <a:buChar char="•"/>
+            </a:pPr>
+            <a:r>
+              <a:rPr lang="en-US" b="0" i="0" dirty="0">
+                <a:effectLst/>
+                <a:latin typeface="Neutraface Text Bold"/>
+              </a:rPr>
+              <a:t>JavaScript can change all the CSS styles in the page</a:t>
+            </a:r>
+          </a:p>
+          <a:p>
+            <a:pPr algn="l"/>
+            <a:endParaRPr lang="en-US" b="0" i="0" dirty="0">
+              <a:effectLst/>
+              <a:latin typeface="Neutraface Text Bold"/>
+            </a:endParaRPr>
+          </a:p>
+          <a:p>
+            <a:pPr algn="l">
+              <a:buFont typeface="Arial" panose="020B0604020202020204" pitchFamily="34" charset="0"/>
+              <a:buChar char="•"/>
+            </a:pPr>
+            <a:r>
+              <a:rPr lang="en-US" b="0" i="0" dirty="0">
+                <a:effectLst/>
+                <a:latin typeface="Neutraface Text Bold"/>
+              </a:rPr>
+              <a:t>JavaScript can remove existing HTML elements and attributes</a:t>
+            </a:r>
+          </a:p>
+          <a:p>
+            <a:pPr algn="l"/>
+            <a:endParaRPr lang="en-US" b="0" i="0" dirty="0">
+              <a:effectLst/>
+              <a:latin typeface="Neutraface Text Bold"/>
+            </a:endParaRPr>
+          </a:p>
+          <a:p>
+            <a:pPr algn="l">
+              <a:buFont typeface="Arial" panose="020B0604020202020204" pitchFamily="34" charset="0"/>
+              <a:buChar char="•"/>
+            </a:pPr>
+            <a:r>
+              <a:rPr lang="en-US" b="0" i="0" dirty="0">
+                <a:effectLst/>
+                <a:latin typeface="Neutraface Text Bold"/>
+              </a:rPr>
+              <a:t>JavaScript can add new HTML elements and attributes</a:t>
+            </a:r>
+          </a:p>
+          <a:p>
+            <a:pPr algn="l"/>
+            <a:endParaRPr lang="en-US" b="0" i="0" dirty="0">
+              <a:effectLst/>
+              <a:latin typeface="Neutraface Text Bold"/>
+            </a:endParaRPr>
+          </a:p>
+          <a:p>
+            <a:pPr algn="l">
+              <a:buFont typeface="Arial" panose="020B0604020202020204" pitchFamily="34" charset="0"/>
+              <a:buChar char="•"/>
+            </a:pPr>
+            <a:r>
+              <a:rPr lang="en-US" b="0" i="0" dirty="0">
+                <a:effectLst/>
+                <a:latin typeface="Neutraface Text Bold"/>
+              </a:rPr>
+              <a:t>JavaScript can react to all existing HTML events in the page</a:t>
+            </a:r>
+          </a:p>
+          <a:p>
+            <a:pPr algn="l"/>
+            <a:endParaRPr lang="en-US" b="0" i="0" dirty="0">
+              <a:effectLst/>
+              <a:latin typeface="Neutraface Text Bold"/>
+            </a:endParaRPr>
+          </a:p>
+          <a:p>
+            <a:pPr algn="l">
+              <a:buFont typeface="Arial" panose="020B0604020202020204" pitchFamily="34" charset="0"/>
+              <a:buChar char="•"/>
+            </a:pPr>
+            <a:r>
+              <a:rPr lang="en-US" b="0" i="0" dirty="0">
+                <a:effectLst/>
+                <a:latin typeface="Neutraface Text Bold"/>
+              </a:rPr>
+              <a:t>JavaScript can create new HTML events in the page</a:t>
+            </a:r>
+          </a:p>
+          <a:p>
+            <a:br>
+              <a:rPr lang="en-US" dirty="0">
+                <a:latin typeface="Neutraface Text Bold"/>
+              </a:rPr>
+            </a:br>
+            <a:endParaRPr lang="en-PH" dirty="0">
+              <a:latin typeface="Neutraface Text Bold"/>
+            </a:endParaRPr>
+          </a:p>
+        </p:txBody>
+      </p:sp>
+    </p:spTree>
+    <p:extLst>
+      <p:ext uri="{BB962C8B-B14F-4D97-AF65-F5344CB8AC3E}">
+        <p14:creationId xmlns:p14="http://schemas.microsoft.com/office/powerpoint/2010/main" val="3039397172"/>
+      </p:ext>
+    </p:extLst>
+  </p:cSld>
+  <p:clrMapOvr>
+    <a:masterClrMapping/>
+  </p:clrMapOvr>
+</p:sld>
+</file>
+
+<file path=ppt/slides/slide18.xml><?xml version="1.0" encoding="utf-8"?>
+<p:sld xmlns:a="http://schemas.openxmlformats.org/drawingml/2006/main" xmlns:r="http://schemas.openxmlformats.org/officeDocument/2006/relationships" xmlns:p="http://schemas.openxmlformats.org/presentationml/2006/main">
+  <p:cSld>
+    <p:bg>
+      <p:bgPr>
+        <a:solidFill>
+          <a:srgbClr val="F0DB4F"/>
+        </a:solidFill>
+        <a:effectLst/>
+      </p:bgPr>
+    </p:bg>
+    <p:spTree>
+      <p:nvGrpSpPr>
+        <p:cNvPr id="1" name=""/>
+        <p:cNvGrpSpPr/>
+        <p:nvPr/>
+      </p:nvGrpSpPr>
+      <p:grpSpPr>
+        <a:xfrm>
+          <a:off x="0" y="0"/>
+          <a:ext cx="0" cy="0"/>
+          <a:chOff x="0" y="0"/>
+          <a:chExt cx="0" cy="0"/>
+        </a:xfrm>
+      </p:grpSpPr>
+      <p:sp>
+        <p:nvSpPr>
+          <p:cNvPr id="19" name="TextBox 18">
+            <a:extLst>
+              <a:ext uri="{FF2B5EF4-FFF2-40B4-BE49-F238E27FC236}">
+                <a16:creationId xmlns:a16="http://schemas.microsoft.com/office/drawing/2014/main" id="{E625EB7E-F311-B0ED-BCE5-F93B52DF97AC}"/>
+              </a:ext>
+            </a:extLst>
+          </p:cNvPr>
+          <p:cNvSpPr txBox="1"/>
+          <p:nvPr/>
+        </p:nvSpPr>
+        <p:spPr>
+          <a:xfrm>
+            <a:off x="179943" y="401935"/>
+            <a:ext cx="11832114" cy="738664"/>
+          </a:xfrm>
+          <a:prstGeom prst="rect">
+            <a:avLst/>
+          </a:prstGeom>
+          <a:noFill/>
+        </p:spPr>
+        <p:txBody>
+          <a:bodyPr wrap="square">
+            <a:spAutoFit/>
+          </a:bodyPr>
+          <a:lstStyle/>
+          <a:p>
+            <a:pPr algn="l"/>
+            <a:r>
+              <a:rPr lang="en-US" sz="2400" b="1" i="0" dirty="0">
+                <a:solidFill>
+                  <a:srgbClr val="000000"/>
+                </a:solidFill>
+                <a:effectLst/>
+                <a:latin typeface="Neutraface Text Bold"/>
+              </a:rPr>
+              <a:t>The HTML DOM (Document Object Model)</a:t>
+            </a:r>
+          </a:p>
+          <a:p>
+            <a:pPr algn="l"/>
+            <a:endParaRPr lang="en-US" b="1" i="0" dirty="0">
+              <a:solidFill>
+                <a:srgbClr val="000000"/>
+              </a:solidFill>
+              <a:effectLst/>
+              <a:latin typeface="Neutraface Text Bold"/>
+            </a:endParaRPr>
+          </a:p>
+        </p:txBody>
+      </p:sp>
+      <p:sp>
+        <p:nvSpPr>
+          <p:cNvPr id="3" name="TextBox 2">
+            <a:extLst>
+              <a:ext uri="{FF2B5EF4-FFF2-40B4-BE49-F238E27FC236}">
+                <a16:creationId xmlns:a16="http://schemas.microsoft.com/office/drawing/2014/main" id="{8E412EA0-80D6-B059-D209-E8A9EFE2F4DD}"/>
+              </a:ext>
+            </a:extLst>
+          </p:cNvPr>
+          <p:cNvSpPr txBox="1"/>
+          <p:nvPr/>
+        </p:nvSpPr>
+        <p:spPr>
+          <a:xfrm>
+            <a:off x="179943" y="1140599"/>
+            <a:ext cx="8636000" cy="4801314"/>
+          </a:xfrm>
+          <a:prstGeom prst="rect">
+            <a:avLst/>
+          </a:prstGeom>
+          <a:noFill/>
+        </p:spPr>
+        <p:txBody>
+          <a:bodyPr wrap="square">
+            <a:spAutoFit/>
+          </a:bodyPr>
+          <a:lstStyle/>
+          <a:p>
+            <a:pPr algn="l"/>
+            <a:r>
+              <a:rPr lang="en-US" b="0" i="0" dirty="0">
+                <a:effectLst/>
+                <a:latin typeface="Neutraface Text Bold"/>
+              </a:rPr>
+              <a:t>With the object model, JavaScript gets all the power it needs to create dynamic HTML:</a:t>
+            </a:r>
+          </a:p>
+          <a:p>
+            <a:pPr algn="l"/>
+            <a:endParaRPr lang="en-US" b="0" i="0" dirty="0">
+              <a:effectLst/>
+              <a:latin typeface="Neutraface Text Bold"/>
+            </a:endParaRPr>
+          </a:p>
+          <a:p>
+            <a:pPr algn="l">
+              <a:buFont typeface="Arial" panose="020B0604020202020204" pitchFamily="34" charset="0"/>
+              <a:buChar char="•"/>
+            </a:pPr>
+            <a:r>
+              <a:rPr lang="en-US" b="0" i="0" dirty="0">
+                <a:effectLst/>
+                <a:highlight>
+                  <a:srgbClr val="00FF00"/>
+                </a:highlight>
+                <a:latin typeface="Neutraface Text Bold"/>
+              </a:rPr>
+              <a:t>JavaScript can change all the HTML elements in the page</a:t>
+            </a:r>
+          </a:p>
+          <a:p>
+            <a:pPr algn="l"/>
+            <a:endParaRPr lang="en-US" b="0" i="0" dirty="0">
+              <a:effectLst/>
+              <a:latin typeface="Neutraface Text Bold"/>
+            </a:endParaRPr>
+          </a:p>
+          <a:p>
+            <a:pPr algn="l">
+              <a:buFont typeface="Arial" panose="020B0604020202020204" pitchFamily="34" charset="0"/>
+              <a:buChar char="•"/>
+            </a:pPr>
+            <a:r>
+              <a:rPr lang="en-US" b="0" i="0" dirty="0">
+                <a:effectLst/>
+                <a:latin typeface="Neutraface Text Bold"/>
+              </a:rPr>
+              <a:t>JavaScript can change all the HTML attributes in the page</a:t>
+            </a:r>
+          </a:p>
+          <a:p>
+            <a:pPr algn="l"/>
+            <a:endParaRPr lang="en-US" b="0" i="0" dirty="0">
+              <a:effectLst/>
+              <a:latin typeface="Neutraface Text Bold"/>
+            </a:endParaRPr>
+          </a:p>
+          <a:p>
+            <a:pPr algn="l">
+              <a:buFont typeface="Arial" panose="020B0604020202020204" pitchFamily="34" charset="0"/>
+              <a:buChar char="•"/>
+            </a:pPr>
+            <a:r>
+              <a:rPr lang="en-US" b="0" i="0" dirty="0">
+                <a:effectLst/>
+                <a:latin typeface="Neutraface Text Bold"/>
+              </a:rPr>
+              <a:t>JavaScript can change all the CSS styles in the page</a:t>
+            </a:r>
+          </a:p>
+          <a:p>
+            <a:pPr algn="l"/>
+            <a:endParaRPr lang="en-US" b="0" i="0" dirty="0">
+              <a:effectLst/>
+              <a:latin typeface="Neutraface Text Bold"/>
+            </a:endParaRPr>
+          </a:p>
+          <a:p>
+            <a:pPr algn="l">
+              <a:buFont typeface="Arial" panose="020B0604020202020204" pitchFamily="34" charset="0"/>
+              <a:buChar char="•"/>
+            </a:pPr>
+            <a:r>
+              <a:rPr lang="en-US" b="0" i="0" dirty="0">
+                <a:effectLst/>
+                <a:latin typeface="Neutraface Text Bold"/>
+              </a:rPr>
+              <a:t>JavaScript can remove existing HTML elements and attributes</a:t>
+            </a:r>
+          </a:p>
+          <a:p>
+            <a:pPr algn="l"/>
+            <a:endParaRPr lang="en-US" b="0" i="0" dirty="0">
+              <a:effectLst/>
+              <a:latin typeface="Neutraface Text Bold"/>
+            </a:endParaRPr>
+          </a:p>
+          <a:p>
+            <a:pPr algn="l">
+              <a:buFont typeface="Arial" panose="020B0604020202020204" pitchFamily="34" charset="0"/>
+              <a:buChar char="•"/>
+            </a:pPr>
+            <a:r>
+              <a:rPr lang="en-US" b="0" i="0" dirty="0">
+                <a:effectLst/>
+                <a:latin typeface="Neutraface Text Bold"/>
+              </a:rPr>
+              <a:t>JavaScript can add new HTML elements and attributes</a:t>
+            </a:r>
+          </a:p>
+          <a:p>
+            <a:pPr algn="l"/>
+            <a:endParaRPr lang="en-US" b="0" i="0" dirty="0">
+              <a:effectLst/>
+              <a:latin typeface="Neutraface Text Bold"/>
+            </a:endParaRPr>
+          </a:p>
+          <a:p>
+            <a:pPr algn="l">
+              <a:buFont typeface="Arial" panose="020B0604020202020204" pitchFamily="34" charset="0"/>
+              <a:buChar char="•"/>
+            </a:pPr>
+            <a:r>
+              <a:rPr lang="en-US" b="0" i="0" dirty="0">
+                <a:effectLst/>
+                <a:latin typeface="Neutraface Text Bold"/>
+              </a:rPr>
+              <a:t>JavaScript can react to all existing HTML events in the page</a:t>
+            </a:r>
+          </a:p>
+          <a:p>
+            <a:pPr algn="l"/>
+            <a:endParaRPr lang="en-US" b="0" i="0" dirty="0">
+              <a:effectLst/>
+              <a:latin typeface="Neutraface Text Bold"/>
+            </a:endParaRPr>
+          </a:p>
+          <a:p>
+            <a:pPr algn="l">
+              <a:buFont typeface="Arial" panose="020B0604020202020204" pitchFamily="34" charset="0"/>
+              <a:buChar char="•"/>
+            </a:pPr>
+            <a:r>
+              <a:rPr lang="en-US" b="0" i="0" dirty="0">
+                <a:effectLst/>
+                <a:latin typeface="Neutraface Text Bold"/>
+              </a:rPr>
+              <a:t>JavaScript can create new HTML events in the page</a:t>
+            </a:r>
+          </a:p>
+          <a:p>
+            <a:br>
+              <a:rPr lang="en-US" dirty="0">
+                <a:latin typeface="Neutraface Text Bold"/>
+              </a:rPr>
+            </a:br>
+            <a:endParaRPr lang="en-PH" dirty="0">
+              <a:latin typeface="Neutraface Text Bold"/>
+            </a:endParaRPr>
+          </a:p>
+        </p:txBody>
+      </p:sp>
+    </p:spTree>
+    <p:extLst>
+      <p:ext uri="{BB962C8B-B14F-4D97-AF65-F5344CB8AC3E}">
+        <p14:creationId xmlns:p14="http://schemas.microsoft.com/office/powerpoint/2010/main" val="2729837741"/>
+      </p:ext>
+    </p:extLst>
+  </p:cSld>
+  <p:clrMapOvr>
+    <a:masterClrMapping/>
+  </p:clrMapOvr>
+</p:sld>
+</file>
+
+<file path=ppt/slides/slide19.xml><?xml version="1.0" encoding="utf-8"?>
+<p:sld xmlns:a="http://schemas.openxmlformats.org/drawingml/2006/main" xmlns:r="http://schemas.openxmlformats.org/officeDocument/2006/relationships" xmlns:p="http://schemas.openxmlformats.org/presentationml/2006/main">
+  <p:cSld>
+    <p:bg>
+      <p:bgPr>
+        <a:solidFill>
+          <a:srgbClr val="F0DB4F"/>
+        </a:solidFill>
+        <a:effectLst/>
+      </p:bgPr>
+    </p:bg>
+    <p:spTree>
+      <p:nvGrpSpPr>
+        <p:cNvPr id="1" name=""/>
+        <p:cNvGrpSpPr/>
+        <p:nvPr/>
+      </p:nvGrpSpPr>
+      <p:grpSpPr>
+        <a:xfrm>
+          <a:off x="0" y="0"/>
+          <a:ext cx="0" cy="0"/>
+          <a:chOff x="0" y="0"/>
+          <a:chExt cx="0" cy="0"/>
+        </a:xfrm>
+      </p:grpSpPr>
+      <p:sp>
+        <p:nvSpPr>
+          <p:cNvPr id="22" name="TextBox 21">
+            <a:extLst>
+              <a:ext uri="{FF2B5EF4-FFF2-40B4-BE49-F238E27FC236}">
+                <a16:creationId xmlns:a16="http://schemas.microsoft.com/office/drawing/2014/main" id="{50C60562-9DDC-9678-1A26-C2407DB0102C}"/>
+              </a:ext>
+            </a:extLst>
+          </p:cNvPr>
+          <p:cNvSpPr txBox="1"/>
+          <p:nvPr/>
+        </p:nvSpPr>
+        <p:spPr>
+          <a:xfrm>
+            <a:off x="489528" y="420316"/>
+            <a:ext cx="7684654" cy="646331"/>
+          </a:xfrm>
+          <a:prstGeom prst="rect">
+            <a:avLst/>
+          </a:prstGeom>
+          <a:noFill/>
+        </p:spPr>
+        <p:txBody>
+          <a:bodyPr wrap="square">
+            <a:spAutoFit/>
+          </a:bodyPr>
+          <a:lstStyle/>
+          <a:p>
+            <a:pPr algn="l"/>
+            <a:r>
+              <a:rPr lang="en-PH" sz="3600" b="0" i="0" dirty="0">
+                <a:effectLst/>
+                <a:latin typeface="Neutraface Text Bold"/>
+              </a:rPr>
+              <a:t>JavaScript - HTML DOM Methods</a:t>
+            </a:r>
+          </a:p>
+        </p:txBody>
+      </p:sp>
+      <p:sp>
+        <p:nvSpPr>
+          <p:cNvPr id="24" name="TextBox 23">
+            <a:extLst>
+              <a:ext uri="{FF2B5EF4-FFF2-40B4-BE49-F238E27FC236}">
+                <a16:creationId xmlns:a16="http://schemas.microsoft.com/office/drawing/2014/main" id="{7ED9D09D-3134-B408-CC3A-FB20BBA86A30}"/>
+              </a:ext>
+            </a:extLst>
+          </p:cNvPr>
+          <p:cNvSpPr txBox="1"/>
+          <p:nvPr/>
+        </p:nvSpPr>
+        <p:spPr>
+          <a:xfrm>
+            <a:off x="489528" y="1261330"/>
+            <a:ext cx="8654472" cy="5755422"/>
+          </a:xfrm>
+          <a:prstGeom prst="rect">
+            <a:avLst/>
+          </a:prstGeom>
+          <a:noFill/>
+        </p:spPr>
+        <p:txBody>
+          <a:bodyPr wrap="square">
+            <a:spAutoFit/>
+          </a:bodyPr>
+          <a:lstStyle/>
+          <a:p>
+            <a:pPr algn="l"/>
+            <a:r>
+              <a:rPr lang="en-US" sz="1600" b="0" i="0" dirty="0">
+                <a:effectLst/>
+                <a:latin typeface="Neutraface Text Bold"/>
+              </a:rPr>
+              <a:t>The HTML DOM can be accessed with JavaScript (and with other programming languages).</a:t>
+            </a:r>
+          </a:p>
+          <a:p>
+            <a:pPr algn="l"/>
+            <a:r>
+              <a:rPr lang="en-US" sz="1600" b="0" i="0" dirty="0">
+                <a:effectLst/>
+                <a:latin typeface="Neutraface Text Bold"/>
+              </a:rPr>
+              <a:t>In the DOM, all HTML elements are defined as </a:t>
+            </a:r>
+            <a:r>
+              <a:rPr lang="en-US" sz="1600" b="1" i="0" dirty="0">
+                <a:effectLst/>
+                <a:latin typeface="Neutraface Text Bold"/>
+              </a:rPr>
+              <a:t>objects</a:t>
+            </a:r>
+            <a:r>
+              <a:rPr lang="en-US" sz="1600" b="0" i="0" dirty="0">
+                <a:effectLst/>
+                <a:latin typeface="Neutraface Text Bold"/>
+              </a:rPr>
+              <a:t>.</a:t>
+            </a:r>
+          </a:p>
+          <a:p>
+            <a:pPr algn="l"/>
+            <a:endParaRPr lang="en-US" sz="1600" b="0" i="0" dirty="0">
+              <a:effectLst/>
+              <a:latin typeface="Neutraface Text Bold"/>
+            </a:endParaRPr>
+          </a:p>
+          <a:p>
+            <a:pPr algn="l"/>
+            <a:r>
+              <a:rPr lang="en-US" sz="1600" b="0" i="0" dirty="0">
+                <a:effectLst/>
+                <a:latin typeface="Neutraface Text Bold"/>
+              </a:rPr>
+              <a:t>The programming interface is the properties and methods of each object</a:t>
+            </a:r>
+            <a:r>
+              <a:rPr lang="en-US" sz="1600" dirty="0">
+                <a:latin typeface="Neutraface Text Bold"/>
+              </a:rPr>
+              <a:t>:</a:t>
+            </a:r>
+            <a:br>
+              <a:rPr lang="en-US" sz="1600" dirty="0">
+                <a:latin typeface="Neutraface Text Bold"/>
+              </a:rPr>
+            </a:br>
+            <a:br>
+              <a:rPr lang="en-US" sz="1600" dirty="0">
+                <a:latin typeface="Neutraface Text Bold"/>
+              </a:rPr>
+            </a:br>
+            <a:r>
+              <a:rPr lang="en-PH" sz="1600" b="0" i="0" dirty="0">
+                <a:solidFill>
+                  <a:srgbClr val="0000CD"/>
+                </a:solidFill>
+                <a:effectLst/>
+                <a:latin typeface="Consolas" panose="020B0609020204030204" pitchFamily="49" charset="0"/>
+              </a:rPr>
+              <a:t>&lt;</a:t>
+            </a:r>
+            <a:r>
+              <a:rPr lang="en-PH" sz="1600" b="0" i="0" dirty="0">
+                <a:solidFill>
+                  <a:srgbClr val="A52A2A"/>
+                </a:solidFill>
+                <a:effectLst/>
+                <a:latin typeface="Consolas" panose="020B0609020204030204" pitchFamily="49" charset="0"/>
+              </a:rPr>
+              <a:t>html</a:t>
+            </a:r>
+            <a:r>
+              <a:rPr lang="en-PH" sz="1600" b="0" i="0" dirty="0">
+                <a:solidFill>
+                  <a:srgbClr val="0000CD"/>
+                </a:solidFill>
+                <a:effectLst/>
+                <a:latin typeface="Consolas" panose="020B0609020204030204" pitchFamily="49" charset="0"/>
+              </a:rPr>
+              <a:t>&gt;</a:t>
+            </a:r>
+            <a:br>
+              <a:rPr lang="en-PH" sz="1600" dirty="0"/>
+            </a:br>
+            <a:r>
+              <a:rPr lang="en-PH" sz="1600" b="0" i="0" dirty="0">
+                <a:solidFill>
+                  <a:srgbClr val="0000CD"/>
+                </a:solidFill>
+                <a:effectLst/>
+                <a:latin typeface="Consolas" panose="020B0609020204030204" pitchFamily="49" charset="0"/>
+              </a:rPr>
+              <a:t>&lt;</a:t>
+            </a:r>
+            <a:r>
+              <a:rPr lang="en-PH" sz="1600" b="0" i="0" dirty="0">
+                <a:solidFill>
+                  <a:srgbClr val="A52A2A"/>
+                </a:solidFill>
+                <a:effectLst/>
+                <a:latin typeface="Consolas" panose="020B0609020204030204" pitchFamily="49" charset="0"/>
+              </a:rPr>
+              <a:t>body</a:t>
+            </a:r>
+            <a:r>
+              <a:rPr lang="en-PH" sz="1600" b="0" i="0" dirty="0">
+                <a:solidFill>
+                  <a:srgbClr val="0000CD"/>
+                </a:solidFill>
+                <a:effectLst/>
+                <a:latin typeface="Consolas" panose="020B0609020204030204" pitchFamily="49" charset="0"/>
+              </a:rPr>
+              <a:t>&gt;</a:t>
+            </a:r>
+            <a:br>
+              <a:rPr lang="en-PH" sz="1600" dirty="0"/>
+            </a:br>
+            <a:br>
+              <a:rPr lang="en-PH" sz="1600" dirty="0"/>
+            </a:br>
+            <a:r>
+              <a:rPr lang="en-PH" sz="1600" b="0" i="0" dirty="0">
+                <a:solidFill>
+                  <a:srgbClr val="0000CD"/>
+                </a:solidFill>
+                <a:effectLst/>
+                <a:latin typeface="Consolas" panose="020B0609020204030204" pitchFamily="49" charset="0"/>
+              </a:rPr>
+              <a:t>&lt;</a:t>
+            </a:r>
+            <a:r>
+              <a:rPr lang="en-PH" sz="1600" b="0" i="0" dirty="0">
+                <a:solidFill>
+                  <a:srgbClr val="A52A2A"/>
+                </a:solidFill>
+                <a:effectLst/>
+                <a:latin typeface="Consolas" panose="020B0609020204030204" pitchFamily="49" charset="0"/>
+              </a:rPr>
+              <a:t>p</a:t>
+            </a:r>
+            <a:r>
+              <a:rPr lang="en-PH" sz="1600" b="0" i="0" dirty="0">
+                <a:solidFill>
+                  <a:srgbClr val="FF0000"/>
+                </a:solidFill>
+                <a:effectLst/>
+                <a:latin typeface="Consolas" panose="020B0609020204030204" pitchFamily="49" charset="0"/>
+              </a:rPr>
+              <a:t> id</a:t>
+            </a:r>
+            <a:r>
+              <a:rPr lang="en-PH" sz="1600" b="0" i="0" dirty="0">
+                <a:solidFill>
+                  <a:srgbClr val="0000CD"/>
+                </a:solidFill>
+                <a:effectLst/>
+                <a:latin typeface="Consolas" panose="020B0609020204030204" pitchFamily="49" charset="0"/>
+              </a:rPr>
+              <a:t>="demo"&gt;&lt;</a:t>
+            </a:r>
+            <a:r>
+              <a:rPr lang="en-PH" sz="1600" b="0" i="0" dirty="0">
+                <a:solidFill>
+                  <a:srgbClr val="A52A2A"/>
+                </a:solidFill>
+                <a:effectLst/>
+                <a:latin typeface="Consolas" panose="020B0609020204030204" pitchFamily="49" charset="0"/>
+              </a:rPr>
+              <a:t>/p</a:t>
+            </a:r>
+            <a:r>
+              <a:rPr lang="en-PH" sz="1600" b="0" i="0" dirty="0">
+                <a:solidFill>
+                  <a:srgbClr val="0000CD"/>
+                </a:solidFill>
+                <a:effectLst/>
+                <a:latin typeface="Consolas" panose="020B0609020204030204" pitchFamily="49" charset="0"/>
+              </a:rPr>
+              <a:t>&gt;</a:t>
+            </a:r>
+            <a:br>
+              <a:rPr lang="en-PH" sz="1600" dirty="0"/>
+            </a:br>
+            <a:br>
+              <a:rPr lang="en-PH" sz="1600" dirty="0"/>
+            </a:br>
+            <a:r>
+              <a:rPr lang="en-PH" sz="1600" b="0" i="0" dirty="0">
+                <a:solidFill>
+                  <a:srgbClr val="0000CD"/>
+                </a:solidFill>
+                <a:effectLst/>
+                <a:latin typeface="Consolas" panose="020B0609020204030204" pitchFamily="49" charset="0"/>
+              </a:rPr>
+              <a:t>&lt;</a:t>
+            </a:r>
+            <a:r>
+              <a:rPr lang="en-PH" sz="1600" b="0" i="0" dirty="0">
+                <a:solidFill>
+                  <a:srgbClr val="A52A2A"/>
+                </a:solidFill>
+                <a:effectLst/>
+                <a:latin typeface="Consolas" panose="020B0609020204030204" pitchFamily="49" charset="0"/>
+              </a:rPr>
+              <a:t>script</a:t>
+            </a:r>
+            <a:r>
+              <a:rPr lang="en-PH" sz="1600" b="0" i="0" dirty="0">
+                <a:solidFill>
+                  <a:srgbClr val="0000CD"/>
+                </a:solidFill>
+                <a:effectLst/>
+                <a:latin typeface="Consolas" panose="020B0609020204030204" pitchFamily="49" charset="0"/>
+              </a:rPr>
+              <a:t>&gt;</a:t>
+            </a:r>
+            <a:br>
+              <a:rPr lang="en-PH" sz="1600" b="0" i="0" dirty="0">
+                <a:solidFill>
+                  <a:srgbClr val="000000"/>
+                </a:solidFill>
+                <a:effectLst/>
+                <a:latin typeface="Consolas" panose="020B0609020204030204" pitchFamily="49" charset="0"/>
+              </a:rPr>
+            </a:br>
+            <a:r>
+              <a:rPr lang="en-PH" sz="1600" b="0" i="0" dirty="0">
+                <a:solidFill>
+                  <a:srgbClr val="000000"/>
+                </a:solidFill>
+                <a:effectLst/>
+                <a:latin typeface="Consolas" panose="020B0609020204030204" pitchFamily="49" charset="0"/>
+              </a:rPr>
+              <a:t>  </a:t>
+            </a:r>
+            <a:r>
+              <a:rPr lang="en-PH" sz="1600" b="0" i="0" dirty="0" err="1">
+                <a:solidFill>
+                  <a:srgbClr val="000000"/>
+                </a:solidFill>
+                <a:effectLst/>
+                <a:latin typeface="Consolas" panose="020B0609020204030204" pitchFamily="49" charset="0"/>
+              </a:rPr>
+              <a:t>document.getElementById</a:t>
+            </a:r>
+            <a:r>
+              <a:rPr lang="en-PH" sz="1600" b="0" i="0" dirty="0">
+                <a:solidFill>
+                  <a:srgbClr val="000000"/>
+                </a:solidFill>
+                <a:effectLst/>
+                <a:latin typeface="Consolas" panose="020B0609020204030204" pitchFamily="49" charset="0"/>
+              </a:rPr>
+              <a:t>(</a:t>
+            </a:r>
+            <a:r>
+              <a:rPr lang="en-PH" sz="1600" b="0" i="0" dirty="0">
+                <a:solidFill>
+                  <a:srgbClr val="A52A2A"/>
+                </a:solidFill>
+                <a:effectLst/>
+                <a:latin typeface="Consolas" panose="020B0609020204030204" pitchFamily="49" charset="0"/>
+              </a:rPr>
+              <a:t>"demo"</a:t>
+            </a:r>
+            <a:r>
+              <a:rPr lang="en-PH" sz="1600" b="0" i="0" dirty="0">
+                <a:solidFill>
+                  <a:srgbClr val="000000"/>
+                </a:solidFill>
+                <a:effectLst/>
+                <a:latin typeface="Consolas" panose="020B0609020204030204" pitchFamily="49" charset="0"/>
+              </a:rPr>
+              <a:t>).</a:t>
+            </a:r>
+            <a:r>
+              <a:rPr lang="en-PH" sz="1600" b="0" i="0" dirty="0" err="1">
+                <a:solidFill>
+                  <a:srgbClr val="000000"/>
+                </a:solidFill>
+                <a:effectLst/>
+                <a:latin typeface="Consolas" panose="020B0609020204030204" pitchFamily="49" charset="0"/>
+              </a:rPr>
+              <a:t>innerHTML</a:t>
+            </a:r>
+            <a:r>
+              <a:rPr lang="en-PH" sz="1600" b="0" i="0" dirty="0">
+                <a:solidFill>
+                  <a:srgbClr val="000000"/>
+                </a:solidFill>
+                <a:effectLst/>
+                <a:latin typeface="Consolas" panose="020B0609020204030204" pitchFamily="49" charset="0"/>
+              </a:rPr>
+              <a:t> = </a:t>
+            </a:r>
+            <a:r>
+              <a:rPr lang="en-PH" sz="1600" b="0" i="0" dirty="0">
+                <a:solidFill>
+                  <a:srgbClr val="A52A2A"/>
+                </a:solidFill>
+                <a:effectLst/>
+                <a:latin typeface="Consolas" panose="020B0609020204030204" pitchFamily="49" charset="0"/>
+              </a:rPr>
+              <a:t>"Hello World!"</a:t>
+            </a:r>
+            <a:r>
+              <a:rPr lang="en-PH" sz="1600" b="0" i="0" dirty="0">
+                <a:solidFill>
+                  <a:srgbClr val="000000"/>
+                </a:solidFill>
+                <a:effectLst/>
+                <a:latin typeface="Consolas" panose="020B0609020204030204" pitchFamily="49" charset="0"/>
+              </a:rPr>
+              <a:t>;</a:t>
+            </a:r>
+            <a:br>
+              <a:rPr lang="en-PH" sz="1600" b="0" i="0" dirty="0">
+                <a:solidFill>
+                  <a:srgbClr val="000000"/>
+                </a:solidFill>
+                <a:effectLst/>
+                <a:latin typeface="Consolas" panose="020B0609020204030204" pitchFamily="49" charset="0"/>
+              </a:rPr>
+            </a:br>
+            <a:r>
+              <a:rPr lang="en-PH" sz="1600" b="0" i="0" dirty="0">
+                <a:solidFill>
+                  <a:srgbClr val="0000CD"/>
+                </a:solidFill>
+                <a:effectLst/>
+                <a:latin typeface="Consolas" panose="020B0609020204030204" pitchFamily="49" charset="0"/>
+              </a:rPr>
+              <a:t>&lt;</a:t>
+            </a:r>
+            <a:r>
+              <a:rPr lang="en-PH" sz="1600" b="0" i="0" dirty="0">
+                <a:solidFill>
+                  <a:srgbClr val="A52A2A"/>
+                </a:solidFill>
+                <a:effectLst/>
+                <a:latin typeface="Consolas" panose="020B0609020204030204" pitchFamily="49" charset="0"/>
+              </a:rPr>
+              <a:t>/script</a:t>
+            </a:r>
+            <a:r>
+              <a:rPr lang="en-PH" sz="1600" b="0" i="0" dirty="0">
+                <a:solidFill>
+                  <a:srgbClr val="0000CD"/>
+                </a:solidFill>
+                <a:effectLst/>
+                <a:latin typeface="Consolas" panose="020B0609020204030204" pitchFamily="49" charset="0"/>
+              </a:rPr>
+              <a:t>&gt;</a:t>
+            </a:r>
+            <a:br>
+              <a:rPr lang="en-PH" sz="1600" dirty="0"/>
+            </a:br>
+            <a:br>
+              <a:rPr lang="en-PH" sz="1600" dirty="0"/>
+            </a:br>
+            <a:r>
+              <a:rPr lang="en-PH" sz="1600" b="0" i="0" dirty="0">
+                <a:solidFill>
+                  <a:srgbClr val="0000CD"/>
+                </a:solidFill>
+                <a:effectLst/>
+                <a:latin typeface="Consolas" panose="020B0609020204030204" pitchFamily="49" charset="0"/>
+              </a:rPr>
+              <a:t>&lt;</a:t>
+            </a:r>
+            <a:r>
+              <a:rPr lang="en-PH" sz="1600" b="0" i="0" dirty="0">
+                <a:solidFill>
+                  <a:srgbClr val="A52A2A"/>
+                </a:solidFill>
+                <a:effectLst/>
+                <a:latin typeface="Consolas" panose="020B0609020204030204" pitchFamily="49" charset="0"/>
+              </a:rPr>
+              <a:t>/body</a:t>
+            </a:r>
+            <a:r>
+              <a:rPr lang="en-PH" sz="1600" b="0" i="0" dirty="0">
+                <a:solidFill>
+                  <a:srgbClr val="0000CD"/>
+                </a:solidFill>
+                <a:effectLst/>
+                <a:latin typeface="Consolas" panose="020B0609020204030204" pitchFamily="49" charset="0"/>
+              </a:rPr>
+              <a:t>&gt;</a:t>
+            </a:r>
+            <a:br>
+              <a:rPr lang="en-PH" sz="1600" dirty="0"/>
+            </a:br>
+            <a:r>
+              <a:rPr lang="en-PH" sz="1600" b="0" i="0" dirty="0">
+                <a:solidFill>
+                  <a:srgbClr val="0000CD"/>
+                </a:solidFill>
+                <a:effectLst/>
+                <a:latin typeface="Consolas" panose="020B0609020204030204" pitchFamily="49" charset="0"/>
+              </a:rPr>
+              <a:t>&lt;</a:t>
+            </a:r>
+            <a:r>
+              <a:rPr lang="en-PH" sz="1600" b="0" i="0" dirty="0">
+                <a:solidFill>
+                  <a:srgbClr val="A52A2A"/>
+                </a:solidFill>
+                <a:effectLst/>
+                <a:latin typeface="Consolas" panose="020B0609020204030204" pitchFamily="49" charset="0"/>
+              </a:rPr>
+              <a:t>/html</a:t>
+            </a:r>
+            <a:r>
+              <a:rPr lang="en-PH" sz="1600" b="0" i="0" dirty="0">
+                <a:solidFill>
+                  <a:srgbClr val="0000CD"/>
+                </a:solidFill>
+                <a:effectLst/>
+                <a:latin typeface="Consolas" panose="020B0609020204030204" pitchFamily="49" charset="0"/>
+              </a:rPr>
+              <a:t>&gt;</a:t>
+            </a:r>
+            <a:endParaRPr lang="en-US" sz="1600" b="0" i="0" dirty="0">
+              <a:effectLst/>
+              <a:latin typeface="Neutraface Text Bold"/>
+            </a:endParaRPr>
+          </a:p>
+          <a:p>
+            <a:pPr algn="l"/>
+            <a:endParaRPr lang="en-US" sz="1600" b="0" i="0" dirty="0">
+              <a:effectLst/>
+              <a:latin typeface="Neutraface Text Bold"/>
+            </a:endParaRPr>
+          </a:p>
+          <a:p>
+            <a:r>
+              <a:rPr lang="en-US" sz="1600" b="0" i="0" dirty="0">
+                <a:effectLst/>
+                <a:latin typeface="Neutraface Text Bold"/>
+              </a:rPr>
+              <a:t>A </a:t>
+            </a:r>
+            <a:r>
+              <a:rPr lang="en-US" sz="1600" b="1" i="0" dirty="0">
+                <a:effectLst/>
+                <a:latin typeface="Neutraface Text Bold"/>
+              </a:rPr>
+              <a:t>method</a:t>
+            </a:r>
+            <a:r>
+              <a:rPr lang="en-US" sz="1600" b="0" i="0" dirty="0">
+                <a:effectLst/>
+                <a:latin typeface="Neutraface Text Bold"/>
+              </a:rPr>
+              <a:t> is an action you can do (access or find an HTML element).</a:t>
+            </a:r>
+          </a:p>
+          <a:p>
+            <a:pPr algn="l"/>
+            <a:endParaRPr lang="en-US" sz="1600" b="0" i="0" dirty="0">
+              <a:effectLst/>
+              <a:latin typeface="Neutraface Text Bold"/>
+            </a:endParaRPr>
+          </a:p>
+          <a:p>
+            <a:pPr algn="l"/>
+            <a:r>
+              <a:rPr lang="en-US" sz="1600" b="0" i="0" dirty="0">
+                <a:effectLst/>
+                <a:latin typeface="Neutraface Text Bold"/>
+              </a:rPr>
+              <a:t>A </a:t>
+            </a:r>
+            <a:r>
+              <a:rPr lang="en-US" sz="1600" b="1" i="0" dirty="0">
+                <a:effectLst/>
+                <a:latin typeface="Neutraface Text Bold"/>
+              </a:rPr>
+              <a:t>property</a:t>
+            </a:r>
+            <a:r>
+              <a:rPr lang="en-US" sz="1600" b="0" i="0" dirty="0">
+                <a:effectLst/>
+                <a:latin typeface="Neutraface Text Bold"/>
+              </a:rPr>
+              <a:t> is a value that you can get or set (like changing the content of an HTML element).</a:t>
+            </a:r>
+          </a:p>
+          <a:p>
+            <a:pPr algn="l"/>
+            <a:endParaRPr lang="en-US" sz="1600" b="0" i="0" dirty="0">
+              <a:effectLst/>
+              <a:latin typeface="Neutraface Text Bold"/>
+            </a:endParaRPr>
+          </a:p>
+          <a:p>
+            <a:br>
+              <a:rPr lang="en-US" sz="1600" dirty="0">
+                <a:latin typeface="Neutraface Text Bold"/>
+              </a:rPr>
+            </a:br>
+            <a:endParaRPr lang="en-PH" sz="1600" dirty="0">
+              <a:latin typeface="Neutraface Text Bold"/>
+            </a:endParaRPr>
+          </a:p>
+        </p:txBody>
+      </p:sp>
+    </p:spTree>
+    <p:extLst>
+      <p:ext uri="{BB962C8B-B14F-4D97-AF65-F5344CB8AC3E}">
+        <p14:creationId xmlns:p14="http://schemas.microsoft.com/office/powerpoint/2010/main" val="297784243"/>
+      </p:ext>
+    </p:extLst>
+  </p:cSld>
+  <p:clrMapOvr>
+    <a:masterClrMapping/>
+  </p:clrMapOvr>
+</p:sld>
+</file>
+
+<file path=ppt/slides/slide2.xml><?xml version="1.0" encoding="utf-8"?>
+<p:sld xmlns:a="http://schemas.openxmlformats.org/drawingml/2006/main" xmlns:r="http://schemas.openxmlformats.org/officeDocument/2006/relationships" xmlns:p="http://schemas.openxmlformats.org/presentationml/2006/main">
+  <p:cSld>
+    <p:bg>
+      <p:bgPr>
+        <a:solidFill>
+          <a:srgbClr val="F0DB4F"/>
+        </a:solidFill>
+        <a:effectLst/>
+      </p:bgPr>
+    </p:bg>
+    <p:spTree>
+      <p:nvGrpSpPr>
+        <p:cNvPr id="1" name=""/>
+        <p:cNvGrpSpPr/>
+        <p:nvPr/>
+      </p:nvGrpSpPr>
+      <p:grpSpPr>
+        <a:xfrm>
+          <a:off x="0" y="0"/>
+          <a:ext cx="0" cy="0"/>
+          <a:chOff x="0" y="0"/>
+          <a:chExt cx="0" cy="0"/>
+        </a:xfrm>
+      </p:grpSpPr>
+      <p:sp>
+        <p:nvSpPr>
+          <p:cNvPr id="6" name="TextBox 5">
+            <a:extLst>
+              <a:ext uri="{FF2B5EF4-FFF2-40B4-BE49-F238E27FC236}">
+                <a16:creationId xmlns:a16="http://schemas.microsoft.com/office/drawing/2014/main" id="{212C7CCA-BA5C-679A-B18A-B68CD9B1770E}"/>
+              </a:ext>
+            </a:extLst>
+          </p:cNvPr>
+          <p:cNvSpPr txBox="1"/>
+          <p:nvPr/>
+        </p:nvSpPr>
+        <p:spPr>
+          <a:xfrm>
+            <a:off x="966188" y="1356189"/>
+            <a:ext cx="10259623" cy="3539430"/>
+          </a:xfrm>
+          <a:prstGeom prst="rect">
+            <a:avLst/>
+          </a:prstGeom>
+          <a:noFill/>
+        </p:spPr>
+        <p:txBody>
+          <a:bodyPr wrap="square">
+            <a:spAutoFit/>
+          </a:bodyPr>
+          <a:lstStyle/>
+          <a:p>
+            <a:pPr algn="l"/>
+            <a:r>
+              <a:rPr lang="en-US" sz="3200" b="0" i="0" dirty="0">
+                <a:effectLst/>
+                <a:latin typeface="Neutraface Text Bold"/>
+              </a:rPr>
+              <a:t>Why Study JavaScript?</a:t>
+            </a:r>
+          </a:p>
+          <a:p>
+            <a:pPr algn="l"/>
+            <a:r>
+              <a:rPr lang="en-US" sz="3200" b="0" i="0" dirty="0">
+                <a:effectLst/>
+                <a:latin typeface="Neutraface Text Bold"/>
+              </a:rPr>
+              <a:t>JavaScript is one of the </a:t>
+            </a:r>
+            <a:r>
+              <a:rPr lang="en-US" sz="3200" b="1" i="0" dirty="0">
+                <a:effectLst/>
+                <a:latin typeface="Neutraface Text Bold"/>
+              </a:rPr>
+              <a:t>3 languages</a:t>
+            </a:r>
+            <a:r>
+              <a:rPr lang="en-US" sz="3200" b="0" i="0" dirty="0">
+                <a:effectLst/>
+                <a:latin typeface="Neutraface Text Bold"/>
+              </a:rPr>
+              <a:t> all web developers </a:t>
+            </a:r>
+            <a:r>
+              <a:rPr lang="en-US" sz="3200" b="1" i="0" dirty="0">
+                <a:effectLst/>
+                <a:latin typeface="Neutraface Text Bold"/>
+              </a:rPr>
+              <a:t>must</a:t>
+            </a:r>
+            <a:r>
+              <a:rPr lang="en-US" sz="3200" b="0" i="0" dirty="0">
+                <a:effectLst/>
+                <a:latin typeface="Neutraface Text Bold"/>
+              </a:rPr>
+              <a:t> learn:</a:t>
+            </a:r>
+          </a:p>
+          <a:p>
+            <a:pPr algn="l"/>
+            <a:endParaRPr lang="en-US" sz="3200" b="0" i="0" dirty="0">
+              <a:effectLst/>
+              <a:latin typeface="Neutraface Text Bold"/>
+            </a:endParaRPr>
+          </a:p>
+          <a:p>
+            <a:pPr algn="l"/>
+            <a:r>
+              <a:rPr lang="en-US" sz="3200" b="0" i="0" dirty="0">
+                <a:effectLst/>
+                <a:latin typeface="Neutraface Text Bold"/>
+              </a:rPr>
+              <a:t>   1. </a:t>
+            </a:r>
+            <a:r>
+              <a:rPr lang="en-US" sz="3200" b="1" i="0" dirty="0">
+                <a:effectLst/>
+                <a:latin typeface="Neutraface Text Bold"/>
+                <a:hlinkClick r:id="rId2">
+                  <a:extLst>
+                    <a:ext uri="{A12FA001-AC4F-418D-AE19-62706E023703}">
+                      <ahyp:hlinkClr xmlns:ahyp="http://schemas.microsoft.com/office/drawing/2018/hyperlinkcolor" val="tx"/>
+                    </a:ext>
+                  </a:extLst>
+                </a:hlinkClick>
+              </a:rPr>
+              <a:t>HTML</a:t>
+            </a:r>
+            <a:r>
+              <a:rPr lang="en-US" sz="3200" b="0" i="0" dirty="0">
+                <a:effectLst/>
+                <a:latin typeface="Neutraface Text Bold"/>
+              </a:rPr>
+              <a:t> = Structure</a:t>
+            </a:r>
+          </a:p>
+          <a:p>
+            <a:pPr algn="l"/>
+            <a:r>
+              <a:rPr lang="en-US" sz="3200" b="0" i="0" dirty="0">
+                <a:effectLst/>
+                <a:latin typeface="Neutraface Text Bold"/>
+              </a:rPr>
+              <a:t>   2. </a:t>
+            </a:r>
+            <a:r>
+              <a:rPr lang="en-US" sz="3200" b="1" i="0" dirty="0">
+                <a:effectLst/>
+                <a:latin typeface="Neutraface Text Bold"/>
+                <a:hlinkClick r:id="rId3">
+                  <a:extLst>
+                    <a:ext uri="{A12FA001-AC4F-418D-AE19-62706E023703}">
+                      <ahyp:hlinkClr xmlns:ahyp="http://schemas.microsoft.com/office/drawing/2018/hyperlinkcolor" val="tx"/>
+                    </a:ext>
+                  </a:extLst>
+                </a:hlinkClick>
+              </a:rPr>
+              <a:t>CSS</a:t>
+            </a:r>
+            <a:r>
+              <a:rPr lang="en-US" sz="3200" b="0" i="0" dirty="0">
+                <a:effectLst/>
+                <a:latin typeface="Neutraface Text Bold"/>
+              </a:rPr>
+              <a:t> = Style</a:t>
+            </a:r>
+          </a:p>
+          <a:p>
+            <a:pPr algn="l"/>
+            <a:r>
+              <a:rPr lang="en-US" sz="3200" b="0" i="0" dirty="0">
+                <a:effectLst/>
+                <a:latin typeface="Neutraface Text Bold"/>
+              </a:rPr>
+              <a:t>   3. </a:t>
+            </a:r>
+            <a:r>
+              <a:rPr lang="en-US" sz="3200" b="1" i="0" dirty="0">
+                <a:effectLst/>
+                <a:latin typeface="Neutraface Text Bold"/>
+              </a:rPr>
+              <a:t>JavaScript</a:t>
+            </a:r>
+            <a:r>
+              <a:rPr lang="en-US" sz="3200" b="0" i="0" dirty="0">
+                <a:effectLst/>
+                <a:latin typeface="Neutraface Text Bold"/>
+              </a:rPr>
+              <a:t> = Script (Interactivity and Behavior)</a:t>
+            </a:r>
+            <a:endParaRPr lang="en-PH" sz="3200" kern="100" dirty="0">
+              <a:effectLst/>
+              <a:latin typeface="Neutraface Text Bold"/>
+              <a:ea typeface="Calibri" panose="020F0502020204030204" pitchFamily="34" charset="0"/>
+              <a:cs typeface="Times New Roman" panose="02020603050405020304" pitchFamily="18" charset="0"/>
+            </a:endParaRPr>
+          </a:p>
+        </p:txBody>
+      </p:sp>
+    </p:spTree>
+    <p:extLst>
+      <p:ext uri="{BB962C8B-B14F-4D97-AF65-F5344CB8AC3E}">
+        <p14:creationId xmlns:p14="http://schemas.microsoft.com/office/powerpoint/2010/main" val="4128325959"/>
+      </p:ext>
+    </p:extLst>
+  </p:cSld>
+  <p:clrMapOvr>
+    <a:masterClrMapping/>
+  </p:clrMapOvr>
+</p:sld>
+</file>
+
+<file path=ppt/slides/slide3.xml><?xml version="1.0" encoding="utf-8"?>
+<p:sld xmlns:a="http://schemas.openxmlformats.org/drawingml/2006/main" xmlns:r="http://schemas.openxmlformats.org/officeDocument/2006/relationships" xmlns:p="http://schemas.openxmlformats.org/presentationml/2006/main">
+  <p:cSld>
+    <p:bg>
+      <p:bgPr>
+        <a:solidFill>
+          <a:srgbClr val="F0DB4F"/>
+        </a:solidFill>
+        <a:effectLst/>
+      </p:bgPr>
+    </p:bg>
+    <p:spTree>
+      <p:nvGrpSpPr>
+        <p:cNvPr id="1" name=""/>
+        <p:cNvGrpSpPr/>
+        <p:nvPr/>
+      </p:nvGrpSpPr>
+      <p:grpSpPr>
+        <a:xfrm>
+          <a:off x="0" y="0"/>
+          <a:ext cx="0" cy="0"/>
+          <a:chOff x="0" y="0"/>
+          <a:chExt cx="0" cy="0"/>
+        </a:xfrm>
+      </p:grpSpPr>
+      <p:pic>
+        <p:nvPicPr>
+          <p:cNvPr id="5" name="Picture 4">
+            <a:extLst>
+              <a:ext uri="{FF2B5EF4-FFF2-40B4-BE49-F238E27FC236}">
+                <a16:creationId xmlns:a16="http://schemas.microsoft.com/office/drawing/2014/main" id="{2CA34F3E-6A00-9B54-ABFB-1CEF4B64B0F4}"/>
+              </a:ext>
+            </a:extLst>
+          </p:cNvPr>
+          <p:cNvPicPr>
+            <a:picLocks noChangeAspect="1"/>
+          </p:cNvPicPr>
+          <p:nvPr/>
+        </p:nvPicPr>
+        <p:blipFill>
+          <a:blip r:embed="rId2"/>
+          <a:stretch>
+            <a:fillRect/>
+          </a:stretch>
+        </p:blipFill>
+        <p:spPr>
+          <a:xfrm>
+            <a:off x="3840284" y="1596231"/>
+            <a:ext cx="4511431" cy="3665538"/>
+          </a:xfrm>
+          <a:prstGeom prst="rect">
+            <a:avLst/>
+          </a:prstGeom>
+        </p:spPr>
+      </p:pic>
+    </p:spTree>
+    <p:extLst>
+      <p:ext uri="{BB962C8B-B14F-4D97-AF65-F5344CB8AC3E}">
+        <p14:creationId xmlns:p14="http://schemas.microsoft.com/office/powerpoint/2010/main" val="3809877702"/>
+      </p:ext>
+    </p:extLst>
+  </p:cSld>
+  <p:clrMapOvr>
+    <a:masterClrMapping/>
+  </p:clrMapOvr>
+</p:sld>
+</file>
+
+<file path=ppt/slides/slide4.xml><?xml version="1.0" encoding="utf-8"?>
+<p:sld xmlns:a="http://schemas.openxmlformats.org/drawingml/2006/main" xmlns:r="http://schemas.openxmlformats.org/officeDocument/2006/relationships" xmlns:p="http://schemas.openxmlformats.org/presentationml/2006/main">
+  <p:cSld>
+    <p:bg>
+      <p:bgPr>
+        <a:solidFill>
+          <a:srgbClr val="F0DB4F"/>
+        </a:solidFill>
+        <a:effectLst/>
+      </p:bgPr>
+    </p:bg>
+    <p:spTree>
+      <p:nvGrpSpPr>
+        <p:cNvPr id="1" name=""/>
+        <p:cNvGrpSpPr/>
+        <p:nvPr/>
+      </p:nvGrpSpPr>
+      <p:grpSpPr>
+        <a:xfrm>
+          <a:off x="0" y="0"/>
+          <a:ext cx="0" cy="0"/>
+          <a:chOff x="0" y="0"/>
+          <a:chExt cx="0" cy="0"/>
+        </a:xfrm>
+      </p:grpSpPr>
+      <p:pic>
+        <p:nvPicPr>
+          <p:cNvPr id="3" name="Picture 2">
+            <a:extLst>
+              <a:ext uri="{FF2B5EF4-FFF2-40B4-BE49-F238E27FC236}">
+                <a16:creationId xmlns:a16="http://schemas.microsoft.com/office/drawing/2014/main" id="{80A3C768-A82F-8AED-551B-891F68BF6C31}"/>
+              </a:ext>
+            </a:extLst>
+          </p:cNvPr>
+          <p:cNvPicPr>
+            <a:picLocks noChangeAspect="1"/>
+          </p:cNvPicPr>
+          <p:nvPr/>
+        </p:nvPicPr>
+        <p:blipFill>
+          <a:blip r:embed="rId2"/>
+          <a:stretch>
+            <a:fillRect/>
+          </a:stretch>
+        </p:blipFill>
+        <p:spPr>
+          <a:xfrm>
+            <a:off x="4118438" y="1584800"/>
+            <a:ext cx="3955123" cy="3688400"/>
+          </a:xfrm>
+          <a:prstGeom prst="rect">
+            <a:avLst/>
+          </a:prstGeom>
+        </p:spPr>
+      </p:pic>
+    </p:spTree>
+    <p:extLst>
+      <p:ext uri="{BB962C8B-B14F-4D97-AF65-F5344CB8AC3E}">
+        <p14:creationId xmlns:p14="http://schemas.microsoft.com/office/powerpoint/2010/main" val="3388369573"/>
+      </p:ext>
+    </p:extLst>
+  </p:cSld>
+  <p:clrMapOvr>
+    <a:masterClrMapping/>
+  </p:clrMapOvr>
+</p:sld>
+</file>
+
+<file path=ppt/slides/slide5.xml><?xml version="1.0" encoding="utf-8"?>
+<p:sld xmlns:a="http://schemas.openxmlformats.org/drawingml/2006/main" xmlns:r="http://schemas.openxmlformats.org/officeDocument/2006/relationships" xmlns:p="http://schemas.openxmlformats.org/presentationml/2006/main">
+  <p:cSld>
+    <p:bg>
+      <p:bgPr>
+        <a:solidFill>
+          <a:srgbClr val="F0DB4F"/>
+        </a:solidFill>
+        <a:effectLst/>
+      </p:bgPr>
+    </p:bg>
+    <p:spTree>
+      <p:nvGrpSpPr>
+        <p:cNvPr id="1" name=""/>
+        <p:cNvGrpSpPr/>
+        <p:nvPr/>
+      </p:nvGrpSpPr>
+      <p:grpSpPr>
+        <a:xfrm>
+          <a:off x="0" y="0"/>
+          <a:ext cx="0" cy="0"/>
+          <a:chOff x="0" y="0"/>
+          <a:chExt cx="0" cy="0"/>
+        </a:xfrm>
+      </p:grpSpPr>
+      <p:pic>
+        <p:nvPicPr>
+          <p:cNvPr id="3074" name="Picture 2" descr="Gojo Satoru Live Wallpaper Gif - canvas-a">
+            <a:extLst>
+              <a:ext uri="{FF2B5EF4-FFF2-40B4-BE49-F238E27FC236}">
+                <a16:creationId xmlns:a16="http://schemas.microsoft.com/office/drawing/2014/main" id="{3332FA0A-D96C-DAA4-F327-7D6DA0F5E2C5}"/>
+              </a:ext>
+            </a:extLst>
+          </p:cNvPr>
+          <p:cNvPicPr>
+            <a:picLocks noChangeAspect="1" noChangeArrowheads="1"/>
+          </p:cNvPicPr>
+          <p:nvPr/>
+        </p:nvPicPr>
+        <p:blipFill>
+          <a:blip r:embed="rId2">
+            <a:extLst>
+              <a:ext uri="{28A0092B-C50C-407E-A947-70E740481C1C}">
+                <a14:useLocalDpi xmlns:a14="http://schemas.microsoft.com/office/drawing/2010/main" val="0"/>
+              </a:ext>
+            </a:extLst>
+          </a:blip>
+          <a:srcRect/>
+          <a:stretch>
+            <a:fillRect/>
+          </a:stretch>
+        </p:blipFill>
+        <p:spPr bwMode="auto">
+          <a:xfrm>
+            <a:off x="3048000" y="552450"/>
+            <a:ext cx="6096000" cy="5753100"/>
+          </a:xfrm>
+          <a:prstGeom prst="rect">
+            <a:avLst/>
+          </a:prstGeom>
+          <a:noFill/>
+          <a:extLst>
+            <a:ext uri="{909E8E84-426E-40DD-AFC4-6F175D3DCCD1}">
+              <a14:hiddenFill xmlns:a14="http://schemas.microsoft.com/office/drawing/2010/main">
+                <a:solidFill>
+                  <a:srgbClr val="FFFFFF"/>
+                </a:solidFill>
+              </a14:hiddenFill>
+            </a:ext>
+          </a:extLst>
+        </p:spPr>
+      </p:pic>
+    </p:spTree>
+    <p:extLst>
+      <p:ext uri="{BB962C8B-B14F-4D97-AF65-F5344CB8AC3E}">
+        <p14:creationId xmlns:p14="http://schemas.microsoft.com/office/powerpoint/2010/main" val="3940096248"/>
+      </p:ext>
+    </p:extLst>
+  </p:cSld>
+  <p:clrMapOvr>
+    <a:masterClrMapping/>
+  </p:clrMapOvr>
+</p:sld>
+</file>
+
+<file path=ppt/slides/slide6.xml><?xml version="1.0" encoding="utf-8"?>
+<p:sld xmlns:a="http://schemas.openxmlformats.org/drawingml/2006/main" xmlns:r="http://schemas.openxmlformats.org/officeDocument/2006/relationships" xmlns:p="http://schemas.openxmlformats.org/presentationml/2006/main">
+  <p:cSld>
+    <p:bg>
+      <p:bgPr>
+        <a:solidFill>
+          <a:srgbClr val="F0DB4F"/>
+        </a:solidFill>
+        <a:effectLst/>
+      </p:bgPr>
+    </p:bg>
+    <p:spTree>
+      <p:nvGrpSpPr>
+        <p:cNvPr id="1" name=""/>
+        <p:cNvGrpSpPr/>
+        <p:nvPr/>
+      </p:nvGrpSpPr>
+      <p:grpSpPr>
+        <a:xfrm>
+          <a:off x="0" y="0"/>
+          <a:ext cx="0" cy="0"/>
+          <a:chOff x="0" y="0"/>
+          <a:chExt cx="0" cy="0"/>
+        </a:xfrm>
+      </p:grpSpPr>
+      <p:sp>
+        <p:nvSpPr>
+          <p:cNvPr id="2" name="TextBox 1">
+            <a:extLst>
+              <a:ext uri="{FF2B5EF4-FFF2-40B4-BE49-F238E27FC236}">
+                <a16:creationId xmlns:a16="http://schemas.microsoft.com/office/drawing/2014/main" id="{2DCF5D34-8418-A420-9210-611807A7E3F8}"/>
+              </a:ext>
+            </a:extLst>
+          </p:cNvPr>
+          <p:cNvSpPr txBox="1"/>
+          <p:nvPr/>
+        </p:nvSpPr>
+        <p:spPr>
+          <a:xfrm>
+            <a:off x="805069" y="2863556"/>
+            <a:ext cx="10952922" cy="1130887"/>
+          </a:xfrm>
+          <a:prstGeom prst="rect">
+            <a:avLst/>
+          </a:prstGeom>
+          <a:noFill/>
+        </p:spPr>
+        <p:txBody>
+          <a:bodyPr wrap="square">
+            <a:spAutoFit/>
+          </a:bodyPr>
+          <a:lstStyle/>
+          <a:p>
+            <a:pPr marL="0" marR="0">
+              <a:lnSpc>
+                <a:spcPct val="107000"/>
+              </a:lnSpc>
+              <a:spcBef>
+                <a:spcPts val="750"/>
+              </a:spcBef>
+              <a:spcAft>
+                <a:spcPts val="750"/>
+              </a:spcAft>
+            </a:pPr>
+            <a:r>
+              <a:rPr lang="en-US" sz="6600" kern="1800" dirty="0">
+                <a:solidFill>
+                  <a:srgbClr val="000000"/>
+                </a:solidFill>
+                <a:latin typeface="Neutraface Text Bold"/>
+                <a:ea typeface="Calibri" panose="020F0502020204030204" pitchFamily="34" charset="0"/>
+                <a:cs typeface="Times New Roman" panose="02020603050405020304" pitchFamily="18" charset="0"/>
+              </a:rPr>
+              <a:t>const </a:t>
+            </a:r>
+            <a:r>
+              <a:rPr lang="en-US" sz="6600" kern="1800" dirty="0" err="1">
+                <a:solidFill>
+                  <a:srgbClr val="000000"/>
+                </a:solidFill>
+                <a:latin typeface="Neutraface Text Bold"/>
+                <a:ea typeface="Calibri" panose="020F0502020204030204" pitchFamily="34" charset="0"/>
+                <a:cs typeface="Times New Roman" panose="02020603050405020304" pitchFamily="18" charset="0"/>
+              </a:rPr>
+              <a:t>j</a:t>
+            </a:r>
+            <a:r>
+              <a:rPr lang="en-US" sz="6600" kern="1800" dirty="0" err="1">
+                <a:solidFill>
+                  <a:srgbClr val="000000"/>
+                </a:solidFill>
+                <a:effectLst/>
+                <a:latin typeface="Neutraface Text Bold"/>
+                <a:ea typeface="Calibri" panose="020F0502020204030204" pitchFamily="34" charset="0"/>
+                <a:cs typeface="Times New Roman" panose="02020603050405020304" pitchFamily="18" charset="0"/>
+              </a:rPr>
+              <a:t>s</a:t>
+            </a:r>
+            <a:r>
+              <a:rPr lang="en-US" sz="6600" kern="1800" dirty="0">
+                <a:solidFill>
+                  <a:srgbClr val="000000"/>
+                </a:solidFill>
+                <a:effectLst/>
+                <a:latin typeface="Neutraface Text Bold"/>
+                <a:ea typeface="Calibri" panose="020F0502020204030204" pitchFamily="34" charset="0"/>
+                <a:cs typeface="Times New Roman" panose="02020603050405020304" pitchFamily="18" charset="0"/>
+              </a:rPr>
+              <a:t> = “free for everybody”;</a:t>
+            </a:r>
+            <a:endParaRPr lang="en-PH" sz="2800" kern="100" dirty="0">
+              <a:effectLst/>
+              <a:latin typeface="Neutraface Text Bold"/>
+              <a:ea typeface="Calibri" panose="020F0502020204030204" pitchFamily="34" charset="0"/>
+              <a:cs typeface="Times New Roman" panose="02020603050405020304" pitchFamily="18" charset="0"/>
+            </a:endParaRPr>
+          </a:p>
+        </p:txBody>
+      </p:sp>
+    </p:spTree>
+    <p:extLst>
+      <p:ext uri="{BB962C8B-B14F-4D97-AF65-F5344CB8AC3E}">
+        <p14:creationId xmlns:p14="http://schemas.microsoft.com/office/powerpoint/2010/main" val="2349624938"/>
+      </p:ext>
+    </p:extLst>
+  </p:cSld>
+  <p:clrMapOvr>
+    <a:masterClrMapping/>
+  </p:clrMapOvr>
+</p:sld>
+</file>
+
+<file path=ppt/slides/slide7.xml><?xml version="1.0" encoding="utf-8"?>
+<p:sld xmlns:a="http://schemas.openxmlformats.org/drawingml/2006/main" xmlns:r="http://schemas.openxmlformats.org/officeDocument/2006/relationships" xmlns:p="http://schemas.openxmlformats.org/presentationml/2006/main">
+  <p:cSld>
+    <p:bg>
+      <p:bgPr>
+        <a:solidFill>
+          <a:srgbClr val="F0DB4F"/>
+        </a:solidFill>
+        <a:effectLst/>
+      </p:bgPr>
+    </p:bg>
+    <p:spTree>
+      <p:nvGrpSpPr>
+        <p:cNvPr id="1" name=""/>
+        <p:cNvGrpSpPr/>
+        <p:nvPr/>
+      </p:nvGrpSpPr>
+      <p:grpSpPr>
+        <a:xfrm>
+          <a:off x="0" y="0"/>
+          <a:ext cx="0" cy="0"/>
+          <a:chOff x="0" y="0"/>
+          <a:chExt cx="0" cy="0"/>
+        </a:xfrm>
+      </p:grpSpPr>
+      <p:sp>
+        <p:nvSpPr>
+          <p:cNvPr id="4" name="TextBox 3">
+            <a:extLst>
+              <a:ext uri="{FF2B5EF4-FFF2-40B4-BE49-F238E27FC236}">
+                <a16:creationId xmlns:a16="http://schemas.microsoft.com/office/drawing/2014/main" id="{7A2326E0-B78D-8AF5-0071-617F885C28D9}"/>
+              </a:ext>
+            </a:extLst>
+          </p:cNvPr>
+          <p:cNvSpPr txBox="1"/>
+          <p:nvPr/>
+        </p:nvSpPr>
+        <p:spPr>
+          <a:xfrm>
+            <a:off x="663437" y="1130329"/>
+            <a:ext cx="6097656" cy="5909310"/>
+          </a:xfrm>
+          <a:prstGeom prst="rect">
+            <a:avLst/>
+          </a:prstGeom>
+          <a:noFill/>
+        </p:spPr>
+        <p:txBody>
+          <a:bodyPr wrap="square">
+            <a:spAutoFit/>
+          </a:bodyPr>
+          <a:lstStyle/>
+          <a:p>
+            <a:pPr rtl="0">
+              <a:spcBef>
+                <a:spcPts val="0"/>
+              </a:spcBef>
+              <a:spcAft>
+                <a:spcPts val="0"/>
+              </a:spcAft>
+            </a:pPr>
+            <a:r>
+              <a:rPr lang="en-PH" sz="1800" b="0" i="0" u="none" strike="noStrike" dirty="0">
+                <a:solidFill>
+                  <a:srgbClr val="000000"/>
+                </a:solidFill>
+                <a:effectLst/>
+                <a:latin typeface="Arial" panose="020B0604020202020204" pitchFamily="34" charset="0"/>
+              </a:rPr>
+              <a:t>Numbers and Math</a:t>
+            </a:r>
+          </a:p>
+          <a:p>
+            <a:pPr rtl="0">
+              <a:spcBef>
+                <a:spcPts val="0"/>
+              </a:spcBef>
+              <a:spcAft>
+                <a:spcPts val="0"/>
+              </a:spcAft>
+            </a:pPr>
+            <a:br>
+              <a:rPr lang="en-PH" b="0" dirty="0">
+                <a:effectLst/>
+              </a:rPr>
+            </a:br>
+            <a:r>
+              <a:rPr lang="en-PH" sz="1800" b="0" i="0" u="none" strike="noStrike" dirty="0">
+                <a:solidFill>
+                  <a:srgbClr val="000000"/>
+                </a:solidFill>
+                <a:effectLst/>
+                <a:latin typeface="Arial" panose="020B0604020202020204" pitchFamily="34" charset="0"/>
+              </a:rPr>
+              <a:t>Strings</a:t>
+            </a:r>
+          </a:p>
+          <a:p>
+            <a:pPr rtl="0">
+              <a:spcBef>
+                <a:spcPts val="0"/>
+              </a:spcBef>
+              <a:spcAft>
+                <a:spcPts val="0"/>
+              </a:spcAft>
+            </a:pPr>
+            <a:br>
+              <a:rPr lang="en-PH" b="0" dirty="0">
+                <a:effectLst/>
+              </a:rPr>
+            </a:br>
+            <a:r>
+              <a:rPr lang="en-PH" sz="1800" b="0" i="0" u="none" strike="noStrike" dirty="0">
+                <a:solidFill>
+                  <a:srgbClr val="000000"/>
+                </a:solidFill>
+                <a:effectLst/>
+                <a:latin typeface="Arial" panose="020B0604020202020204" pitchFamily="34" charset="0"/>
+              </a:rPr>
+              <a:t>Variables (include Scope)</a:t>
+            </a:r>
+          </a:p>
+          <a:p>
+            <a:pPr rtl="0">
+              <a:spcBef>
+                <a:spcPts val="0"/>
+              </a:spcBef>
+              <a:spcAft>
+                <a:spcPts val="0"/>
+              </a:spcAft>
+            </a:pPr>
+            <a:br>
+              <a:rPr lang="en-PH" b="0" dirty="0">
+                <a:effectLst/>
+              </a:rPr>
+            </a:br>
+            <a:r>
+              <a:rPr lang="en-PH" sz="1800" b="0" i="0" u="none" strike="noStrike" dirty="0">
+                <a:solidFill>
+                  <a:srgbClr val="000000"/>
+                </a:solidFill>
+                <a:effectLst/>
+                <a:latin typeface="Arial" panose="020B0604020202020204" pitchFamily="34" charset="0"/>
+              </a:rPr>
+              <a:t>Booleans and If-Statements</a:t>
+            </a:r>
+          </a:p>
+          <a:p>
+            <a:pPr rtl="0">
+              <a:spcBef>
+                <a:spcPts val="0"/>
+              </a:spcBef>
+              <a:spcAft>
+                <a:spcPts val="0"/>
+              </a:spcAft>
+            </a:pPr>
+            <a:br>
+              <a:rPr lang="en-PH" b="0" dirty="0">
+                <a:effectLst/>
+              </a:rPr>
+            </a:br>
+            <a:r>
+              <a:rPr lang="en-PH" sz="1800" b="0" i="0" u="none" strike="noStrike" dirty="0">
+                <a:solidFill>
+                  <a:srgbClr val="000000"/>
+                </a:solidFill>
+                <a:effectLst/>
+                <a:latin typeface="Arial" panose="020B0604020202020204" pitchFamily="34" charset="0"/>
+              </a:rPr>
+              <a:t>Functions</a:t>
+            </a:r>
+          </a:p>
+          <a:p>
+            <a:pPr rtl="0">
+              <a:spcBef>
+                <a:spcPts val="0"/>
+              </a:spcBef>
+              <a:spcAft>
+                <a:spcPts val="0"/>
+              </a:spcAft>
+            </a:pPr>
+            <a:br>
+              <a:rPr lang="en-PH" b="0" dirty="0">
+                <a:effectLst/>
+              </a:rPr>
+            </a:br>
+            <a:r>
+              <a:rPr lang="en-PH" sz="1800" b="0" i="0" u="none" strike="noStrike" dirty="0">
+                <a:solidFill>
+                  <a:srgbClr val="000000"/>
+                </a:solidFill>
+                <a:effectLst/>
+                <a:latin typeface="Arial" panose="020B0604020202020204" pitchFamily="34" charset="0"/>
+              </a:rPr>
+              <a:t>Events</a:t>
+            </a:r>
+          </a:p>
+          <a:p>
+            <a:pPr rtl="0">
+              <a:spcBef>
+                <a:spcPts val="0"/>
+              </a:spcBef>
+              <a:spcAft>
+                <a:spcPts val="0"/>
+              </a:spcAft>
+            </a:pPr>
+            <a:br>
+              <a:rPr lang="en-PH" b="0" dirty="0">
+                <a:effectLst/>
+              </a:rPr>
+            </a:br>
+            <a:r>
+              <a:rPr lang="en-PH" sz="1800" b="0" i="0" u="none" strike="noStrike" dirty="0">
+                <a:solidFill>
+                  <a:srgbClr val="000000"/>
+                </a:solidFill>
+                <a:effectLst/>
+                <a:latin typeface="Arial" panose="020B0604020202020204" pitchFamily="34" charset="0"/>
+              </a:rPr>
+              <a:t>Objects</a:t>
+            </a:r>
+          </a:p>
+          <a:p>
+            <a:pPr rtl="0">
+              <a:spcBef>
+                <a:spcPts val="0"/>
+              </a:spcBef>
+              <a:spcAft>
+                <a:spcPts val="0"/>
+              </a:spcAft>
+            </a:pPr>
+            <a:br>
+              <a:rPr lang="en-PH" b="0" dirty="0">
+                <a:effectLst/>
+              </a:rPr>
+            </a:br>
+            <a:r>
+              <a:rPr lang="en-PH" sz="1800" b="0" i="0" u="none" strike="noStrike" dirty="0">
+                <a:solidFill>
+                  <a:srgbClr val="000000"/>
+                </a:solidFill>
+                <a:effectLst/>
+                <a:latin typeface="Arial" panose="020B0604020202020204" pitchFamily="34" charset="0"/>
+              </a:rPr>
+              <a:t>Document Object Model (DOM)</a:t>
+            </a:r>
+          </a:p>
+          <a:p>
+            <a:pPr rtl="0">
+              <a:spcBef>
+                <a:spcPts val="0"/>
+              </a:spcBef>
+              <a:spcAft>
+                <a:spcPts val="0"/>
+              </a:spcAft>
+            </a:pPr>
+            <a:br>
+              <a:rPr lang="en-PH" b="0" dirty="0">
+                <a:effectLst/>
+              </a:rPr>
+            </a:br>
+            <a:r>
+              <a:rPr lang="en-PH" sz="1800" b="0" i="0" u="none" strike="noStrike" dirty="0">
+                <a:solidFill>
+                  <a:srgbClr val="000000"/>
+                </a:solidFill>
+                <a:effectLst/>
+                <a:latin typeface="Arial" panose="020B0604020202020204" pitchFamily="34" charset="0"/>
+              </a:rPr>
+              <a:t>Arrays</a:t>
+            </a:r>
+          </a:p>
+          <a:p>
+            <a:pPr rtl="0">
+              <a:spcBef>
+                <a:spcPts val="0"/>
+              </a:spcBef>
+              <a:spcAft>
+                <a:spcPts val="0"/>
+              </a:spcAft>
+            </a:pPr>
+            <a:br>
+              <a:rPr lang="en-PH" b="0" dirty="0">
+                <a:effectLst/>
+              </a:rPr>
+            </a:br>
+            <a:r>
+              <a:rPr lang="en-PH" sz="1800" b="0" i="0" u="none" strike="noStrike" dirty="0">
+                <a:solidFill>
+                  <a:srgbClr val="000000"/>
+                </a:solidFill>
+                <a:effectLst/>
+                <a:latin typeface="Arial" panose="020B0604020202020204" pitchFamily="34" charset="0"/>
+              </a:rPr>
+              <a:t>Loops</a:t>
+            </a:r>
+            <a:endParaRPr lang="en-PH" b="0" dirty="0">
+              <a:effectLst/>
+            </a:endParaRPr>
+          </a:p>
+          <a:p>
+            <a:br>
+              <a:rPr lang="en-PH" dirty="0"/>
+            </a:br>
+            <a:endParaRPr lang="en-PH" dirty="0"/>
+          </a:p>
+        </p:txBody>
+      </p:sp>
+      <p:sp>
+        <p:nvSpPr>
+          <p:cNvPr id="5" name="TextBox 4">
+            <a:extLst>
+              <a:ext uri="{FF2B5EF4-FFF2-40B4-BE49-F238E27FC236}">
+                <a16:creationId xmlns:a16="http://schemas.microsoft.com/office/drawing/2014/main" id="{60386006-9398-E663-DB5A-9175A8DF62BA}"/>
+              </a:ext>
+            </a:extLst>
+          </p:cNvPr>
+          <p:cNvSpPr txBox="1"/>
+          <p:nvPr/>
+        </p:nvSpPr>
+        <p:spPr>
+          <a:xfrm>
+            <a:off x="663437" y="236297"/>
+            <a:ext cx="8923176" cy="784702"/>
+          </a:xfrm>
+          <a:prstGeom prst="rect">
+            <a:avLst/>
+          </a:prstGeom>
+          <a:noFill/>
+        </p:spPr>
+        <p:txBody>
+          <a:bodyPr wrap="square">
+            <a:spAutoFit/>
+          </a:bodyPr>
+          <a:lstStyle/>
+          <a:p>
+            <a:pPr marL="0" marR="0">
+              <a:lnSpc>
+                <a:spcPct val="107000"/>
+              </a:lnSpc>
+              <a:spcBef>
+                <a:spcPts val="750"/>
+              </a:spcBef>
+              <a:spcAft>
+                <a:spcPts val="750"/>
+              </a:spcAft>
+            </a:pPr>
+            <a:r>
+              <a:rPr lang="en-PH" sz="4400" kern="1800" dirty="0">
+                <a:solidFill>
+                  <a:srgbClr val="000000"/>
+                </a:solidFill>
+                <a:effectLst/>
+                <a:latin typeface="Neutraface Text Bold"/>
+                <a:ea typeface="Times New Roman" panose="02020603050405020304" pitchFamily="18" charset="0"/>
+                <a:cs typeface="Times New Roman" panose="02020603050405020304" pitchFamily="18" charset="0"/>
+              </a:rPr>
+              <a:t>JavaScript </a:t>
+            </a:r>
+            <a:r>
+              <a:rPr lang="en-PH" sz="4400" kern="1800" dirty="0">
+                <a:solidFill>
+                  <a:srgbClr val="000000"/>
+                </a:solidFill>
+                <a:latin typeface="Neutraface Text Bold"/>
+                <a:ea typeface="Times New Roman" panose="02020603050405020304" pitchFamily="18" charset="0"/>
+                <a:cs typeface="Times New Roman" panose="02020603050405020304" pitchFamily="18" charset="0"/>
+              </a:rPr>
+              <a:t>Fundamentals</a:t>
+            </a:r>
+            <a:endParaRPr lang="en-PH" sz="1600" kern="100" dirty="0">
+              <a:effectLst/>
+              <a:latin typeface="Neutraface Text Bold"/>
+              <a:ea typeface="Calibri" panose="020F0502020204030204" pitchFamily="34" charset="0"/>
+              <a:cs typeface="Times New Roman" panose="02020603050405020304" pitchFamily="18" charset="0"/>
+            </a:endParaRPr>
+          </a:p>
+        </p:txBody>
+      </p:sp>
+    </p:spTree>
+    <p:extLst>
+      <p:ext uri="{BB962C8B-B14F-4D97-AF65-F5344CB8AC3E}">
+        <p14:creationId xmlns:p14="http://schemas.microsoft.com/office/powerpoint/2010/main" val="522905207"/>
+      </p:ext>
+    </p:extLst>
+  </p:cSld>
+  <p:clrMapOvr>
+    <a:masterClrMapping/>
+  </p:clrMapOvr>
+</p:sld>
+</file>
+
+<file path=ppt/slides/slide8.xml><?xml version="1.0" encoding="utf-8"?>
+<p:sld xmlns:a="http://schemas.openxmlformats.org/drawingml/2006/main" xmlns:r="http://schemas.openxmlformats.org/officeDocument/2006/relationships" xmlns:p="http://schemas.openxmlformats.org/presentationml/2006/main">
+  <p:cSld>
+    <p:bg>
+      <p:bgPr>
+        <a:solidFill>
+          <a:srgbClr val="F0DB4F"/>
+        </a:solidFill>
+        <a:effectLst/>
+      </p:bgPr>
+    </p:bg>
+    <p:spTree>
+      <p:nvGrpSpPr>
+        <p:cNvPr id="1" name=""/>
+        <p:cNvGrpSpPr/>
+        <p:nvPr/>
+      </p:nvGrpSpPr>
+      <p:grpSpPr>
+        <a:xfrm>
+          <a:off x="0" y="0"/>
+          <a:ext cx="0" cy="0"/>
+          <a:chOff x="0" y="0"/>
+          <a:chExt cx="0" cy="0"/>
+        </a:xfrm>
+      </p:grpSpPr>
+      <p:sp>
+        <p:nvSpPr>
+          <p:cNvPr id="6" name="TextBox 5">
+            <a:extLst>
+              <a:ext uri="{FF2B5EF4-FFF2-40B4-BE49-F238E27FC236}">
+                <a16:creationId xmlns:a16="http://schemas.microsoft.com/office/drawing/2014/main" id="{212C7CCA-BA5C-679A-B18A-B68CD9B1770E}"/>
+              </a:ext>
+            </a:extLst>
+          </p:cNvPr>
+          <p:cNvSpPr txBox="1"/>
+          <p:nvPr/>
+        </p:nvSpPr>
+        <p:spPr>
+          <a:xfrm>
+            <a:off x="500741" y="2816364"/>
+            <a:ext cx="8923176" cy="1225272"/>
+          </a:xfrm>
+          <a:prstGeom prst="rect">
+            <a:avLst/>
+          </a:prstGeom>
+          <a:noFill/>
+        </p:spPr>
+        <p:txBody>
+          <a:bodyPr wrap="square">
+            <a:spAutoFit/>
+          </a:bodyPr>
+          <a:lstStyle/>
+          <a:p>
+            <a:pPr marL="0" marR="0">
+              <a:lnSpc>
+                <a:spcPct val="107000"/>
+              </a:lnSpc>
+              <a:spcBef>
+                <a:spcPts val="750"/>
+              </a:spcBef>
+              <a:spcAft>
+                <a:spcPts val="750"/>
+              </a:spcAft>
+            </a:pPr>
+            <a:r>
+              <a:rPr lang="en-PH" sz="7200" kern="1800" dirty="0">
+                <a:solidFill>
+                  <a:srgbClr val="000000"/>
+                </a:solidFill>
+                <a:effectLst/>
+                <a:latin typeface="Neutraface Text Bold"/>
+                <a:ea typeface="Times New Roman" panose="02020603050405020304" pitchFamily="18" charset="0"/>
+                <a:cs typeface="Times New Roman" panose="02020603050405020304" pitchFamily="18" charset="0"/>
+              </a:rPr>
+              <a:t>JavaScript Objects</a:t>
+            </a:r>
+            <a:endParaRPr lang="en-PH" sz="3200" kern="100" dirty="0">
+              <a:effectLst/>
+              <a:latin typeface="Neutraface Text Bold"/>
+              <a:ea typeface="Calibri" panose="020F0502020204030204" pitchFamily="34" charset="0"/>
+              <a:cs typeface="Times New Roman" panose="02020603050405020304" pitchFamily="18" charset="0"/>
+            </a:endParaRPr>
+          </a:p>
+        </p:txBody>
+      </p:sp>
+    </p:spTree>
+    <p:extLst>
+      <p:ext uri="{BB962C8B-B14F-4D97-AF65-F5344CB8AC3E}">
+        <p14:creationId xmlns:p14="http://schemas.microsoft.com/office/powerpoint/2010/main" val="2897679020"/>
+      </p:ext>
+    </p:extLst>
+  </p:cSld>
+  <p:clrMapOvr>
+    <a:masterClrMapping/>
+  </p:clrMapOvr>
+</p:sld>
+</file>
+
+<file path=ppt/slides/slide9.xml><?xml version="1.0" encoding="utf-8"?>
+<p:sld xmlns:a="http://schemas.openxmlformats.org/drawingml/2006/main" xmlns:r="http://schemas.openxmlformats.org/officeDocument/2006/relationships" xmlns:p="http://schemas.openxmlformats.org/presentationml/2006/main">
+  <p:cSld>
+    <p:bg>
+      <p:bgPr>
+        <a:solidFill>
+          <a:srgbClr val="F0DB4F"/>
+        </a:solidFill>
+        <a:effectLst/>
+      </p:bgPr>
+    </p:bg>
+    <p:spTree>
+      <p:nvGrpSpPr>
+        <p:cNvPr id="1" name=""/>
+        <p:cNvGrpSpPr/>
+        <p:nvPr/>
+      </p:nvGrpSpPr>
+      <p:grpSpPr>
+        <a:xfrm>
+          <a:off x="0" y="0"/>
+          <a:ext cx="0" cy="0"/>
+          <a:chOff x="0" y="0"/>
+          <a:chExt cx="0" cy="0"/>
+        </a:xfrm>
+      </p:grpSpPr>
+      <p:pic>
+        <p:nvPicPr>
+          <p:cNvPr id="1026" name="Picture 2" descr="Here’s Your First Look at Tesla’s New Autopilot and UI | WIRED">
+            <a:extLst>
+              <a:ext uri="{FF2B5EF4-FFF2-40B4-BE49-F238E27FC236}">
+                <a16:creationId xmlns:a16="http://schemas.microsoft.com/office/drawing/2014/main" id="{B6770085-D4EF-07D2-8972-F7F63DE03C89}"/>
+              </a:ext>
+            </a:extLst>
+          </p:cNvPr>
+          <p:cNvPicPr>
+            <a:picLocks noChangeAspect="1" noChangeArrowheads="1"/>
+          </p:cNvPicPr>
+          <p:nvPr/>
+        </p:nvPicPr>
+        <p:blipFill>
+          <a:blip r:embed="rId2">
+            <a:extLst>
+              <a:ext uri="{28A0092B-C50C-407E-A947-70E740481C1C}">
+                <a14:useLocalDpi xmlns:a14="http://schemas.microsoft.com/office/drawing/2010/main" val="0"/>
+              </a:ext>
+            </a:extLst>
+          </a:blip>
+          <a:srcRect/>
+          <a:stretch>
+            <a:fillRect/>
+          </a:stretch>
+        </p:blipFill>
+        <p:spPr bwMode="auto">
+          <a:xfrm>
+            <a:off x="466725" y="1560133"/>
+            <a:ext cx="4829175" cy="3497641"/>
+          </a:xfrm>
+          <a:prstGeom prst="rect">
+            <a:avLst/>
+          </a:prstGeom>
+          <a:noFill/>
+          <a:extLst>
+            <a:ext uri="{909E8E84-426E-40DD-AFC4-6F175D3DCCD1}">
+              <a14:hiddenFill xmlns:a14="http://schemas.microsoft.com/office/drawing/2010/main">
+                <a:solidFill>
+                  <a:srgbClr val="FFFFFF"/>
+                </a:solidFill>
+              </a14:hiddenFill>
+            </a:ext>
+          </a:extLst>
+        </p:spPr>
+      </p:pic>
+      <p:sp>
+        <p:nvSpPr>
+          <p:cNvPr id="4" name="TextBox 3">
+            <a:extLst>
+              <a:ext uri="{FF2B5EF4-FFF2-40B4-BE49-F238E27FC236}">
+                <a16:creationId xmlns:a16="http://schemas.microsoft.com/office/drawing/2014/main" id="{D1514664-4FC2-4949-E299-9EA3B6D558BF}"/>
+              </a:ext>
+            </a:extLst>
+          </p:cNvPr>
+          <p:cNvSpPr txBox="1"/>
+          <p:nvPr/>
+        </p:nvSpPr>
+        <p:spPr>
+          <a:xfrm>
+            <a:off x="314129" y="95071"/>
+            <a:ext cx="6954418" cy="1036438"/>
+          </a:xfrm>
+          <a:prstGeom prst="rect">
+            <a:avLst/>
+          </a:prstGeom>
+          <a:noFill/>
+        </p:spPr>
+        <p:txBody>
+          <a:bodyPr wrap="square">
+            <a:spAutoFit/>
+          </a:bodyPr>
+          <a:lstStyle/>
+          <a:p>
+            <a:pPr marL="0" marR="0">
+              <a:lnSpc>
+                <a:spcPct val="107000"/>
+              </a:lnSpc>
+              <a:spcBef>
+                <a:spcPts val="750"/>
+              </a:spcBef>
+              <a:spcAft>
+                <a:spcPts val="750"/>
+              </a:spcAft>
+            </a:pPr>
+            <a:r>
+              <a:rPr lang="en-PH" sz="6000" kern="1800" dirty="0">
+                <a:solidFill>
+                  <a:srgbClr val="000000"/>
+                </a:solidFill>
+                <a:effectLst/>
+                <a:latin typeface="Neutraface Text Bold"/>
+                <a:ea typeface="Times New Roman" panose="02020603050405020304" pitchFamily="18" charset="0"/>
+                <a:cs typeface="Times New Roman" panose="02020603050405020304" pitchFamily="18" charset="0"/>
+              </a:rPr>
+              <a:t>Real life </a:t>
+            </a:r>
+            <a:r>
+              <a:rPr lang="en-PH" sz="6000" kern="1800" dirty="0">
+                <a:solidFill>
+                  <a:srgbClr val="000000"/>
+                </a:solidFill>
+                <a:latin typeface="Neutraface Text Bold"/>
+                <a:ea typeface="Times New Roman" panose="02020603050405020304" pitchFamily="18" charset="0"/>
+                <a:cs typeface="Times New Roman" panose="02020603050405020304" pitchFamily="18" charset="0"/>
+              </a:rPr>
+              <a:t>o</a:t>
+            </a:r>
+            <a:r>
+              <a:rPr lang="en-PH" sz="6000" kern="1800" dirty="0">
+                <a:solidFill>
+                  <a:srgbClr val="000000"/>
+                </a:solidFill>
+                <a:effectLst/>
+                <a:latin typeface="Neutraface Text Bold"/>
+                <a:ea typeface="Times New Roman" panose="02020603050405020304" pitchFamily="18" charset="0"/>
+                <a:cs typeface="Times New Roman" panose="02020603050405020304" pitchFamily="18" charset="0"/>
+              </a:rPr>
+              <a:t>bjects</a:t>
+            </a:r>
+            <a:endParaRPr lang="en-PH" sz="2400" kern="100" dirty="0">
+              <a:effectLst/>
+              <a:latin typeface="Neutraface Text Bold"/>
+              <a:ea typeface="Calibri" panose="020F0502020204030204" pitchFamily="34" charset="0"/>
+              <a:cs typeface="Times New Roman" panose="02020603050405020304" pitchFamily="18" charset="0"/>
+            </a:endParaRPr>
+          </a:p>
+        </p:txBody>
+      </p:sp>
+      <p:pic>
+        <p:nvPicPr>
+          <p:cNvPr id="1028" name="Picture 4" descr="System Unit - Computer Information Technology">
+            <a:extLst>
+              <a:ext uri="{FF2B5EF4-FFF2-40B4-BE49-F238E27FC236}">
+                <a16:creationId xmlns:a16="http://schemas.microsoft.com/office/drawing/2014/main" id="{6A7C018A-A880-379D-31A1-804DDAE58E02}"/>
+              </a:ext>
+            </a:extLst>
+          </p:cNvPr>
+          <p:cNvPicPr>
+            <a:picLocks noChangeAspect="1" noChangeArrowheads="1"/>
+          </p:cNvPicPr>
+          <p:nvPr/>
+        </p:nvPicPr>
+        <p:blipFill>
+          <a:blip r:embed="rId3">
+            <a:extLst>
+              <a:ext uri="{28A0092B-C50C-407E-A947-70E740481C1C}">
+                <a14:useLocalDpi xmlns:a14="http://schemas.microsoft.com/office/drawing/2010/main" val="0"/>
+              </a:ext>
+            </a:extLst>
+          </a:blip>
+          <a:srcRect/>
+          <a:stretch>
+            <a:fillRect/>
+          </a:stretch>
+        </p:blipFill>
+        <p:spPr bwMode="auto">
+          <a:xfrm>
+            <a:off x="5905500" y="295276"/>
+            <a:ext cx="4542136" cy="3133724"/>
+          </a:xfrm>
+          <a:prstGeom prst="rect">
+            <a:avLst/>
+          </a:prstGeom>
+          <a:noFill/>
+          <a:extLst>
+            <a:ext uri="{909E8E84-426E-40DD-AFC4-6F175D3DCCD1}">
+              <a14:hiddenFill xmlns:a14="http://schemas.microsoft.com/office/drawing/2010/main">
+                <a:solidFill>
+                  <a:srgbClr val="FFFFFF"/>
+                </a:solidFill>
+              </a14:hiddenFill>
+            </a:ext>
+          </a:extLst>
+        </p:spPr>
+      </p:pic>
+      <p:pic>
+        <p:nvPicPr>
+          <p:cNvPr id="1032" name="Picture 8" descr="Apple unveils iPhone 15 Pro and iPhone 15 Pro Max - Apple">
+            <a:extLst>
+              <a:ext uri="{FF2B5EF4-FFF2-40B4-BE49-F238E27FC236}">
+                <a16:creationId xmlns:a16="http://schemas.microsoft.com/office/drawing/2014/main" id="{EC3CC090-624F-8E5F-6784-3DD0967D3D3E}"/>
+              </a:ext>
+            </a:extLst>
+          </p:cNvPr>
+          <p:cNvPicPr>
+            <a:picLocks noChangeAspect="1" noChangeArrowheads="1"/>
+          </p:cNvPicPr>
+          <p:nvPr/>
+        </p:nvPicPr>
+        <p:blipFill>
+          <a:blip r:embed="rId4">
+            <a:extLst>
+              <a:ext uri="{28A0092B-C50C-407E-A947-70E740481C1C}">
+                <a14:useLocalDpi xmlns:a14="http://schemas.microsoft.com/office/drawing/2010/main" val="0"/>
+              </a:ext>
+            </a:extLst>
+          </a:blip>
+          <a:srcRect/>
+          <a:stretch>
+            <a:fillRect/>
+          </a:stretch>
+        </p:blipFill>
+        <p:spPr bwMode="auto">
+          <a:xfrm>
+            <a:off x="5698676" y="3676648"/>
+            <a:ext cx="5350933" cy="3009900"/>
+          </a:xfrm>
+          <a:prstGeom prst="rect">
+            <a:avLst/>
+          </a:prstGeom>
+          <a:noFill/>
+          <a:extLst>
+            <a:ext uri="{909E8E84-426E-40DD-AFC4-6F175D3DCCD1}">
+              <a14:hiddenFill xmlns:a14="http://schemas.microsoft.com/office/drawing/2010/main">
+                <a:solidFill>
+                  <a:srgbClr val="FFFFFF"/>
+                </a:solidFill>
+              </a14:hiddenFill>
+            </a:ext>
+          </a:extLst>
+        </p:spPr>
+      </p:pic>
+    </p:spTree>
+    <p:extLst>
+      <p:ext uri="{BB962C8B-B14F-4D97-AF65-F5344CB8AC3E}">
+        <p14:creationId xmlns:p14="http://schemas.microsoft.com/office/powerpoint/2010/main" val="1689838434"/>
+      </p:ext>
+    </p:extLst>
+  </p:cSld>
+  <p:clrMapOvr>
+    <a:masterClrMapping/>
+  </p:clrMapOvr>
+</p:sld>
+</file>
+
 <file path=ppt/theme/theme1.xml><?xml version="1.0" encoding="utf-8"?>
 <a:theme xmlns:a="http://schemas.openxmlformats.org/drawingml/2006/main" name="Office Theme">
   <a:themeElements>

--- a/PPT REPORT.pptx
+++ b/PPT REPORT.pptx
@@ -3580,7 +3580,7 @@
           <p:nvPr>
             <p:extLst>
               <p:ext uri="{D42A27DB-BD31-4B8C-83A1-F6EECF244321}">
-                <p14:modId xmlns:p14="http://schemas.microsoft.com/office/powerpoint/2010/main" val="1677777783"/>
+                <p14:modId xmlns:p14="http://schemas.microsoft.com/office/powerpoint/2010/main" val="323375151"/>
               </p:ext>
             </p:extLst>
           </p:nvPr>
@@ -3747,19 +3747,7 @@
                         <a:rPr lang="en-US" dirty="0">
                           <a:effectLst/>
                         </a:rPr>
-                        <a:t> = </a:t>
-                      </a:r>
-                      <a:r>
-                        <a:rPr lang="en-US" dirty="0" err="1">
-                          <a:effectLst/>
-                        </a:rPr>
-                        <a:t>rtx</a:t>
-                      </a:r>
-                      <a:r>
-                        <a:rPr lang="en-US" dirty="0">
-                          <a:effectLst/>
-                        </a:rPr>
-                        <a:t> 4090</a:t>
+                        <a:t> = OLED</a:t>
                       </a:r>
                       <a:br>
                         <a:rPr lang="en-US" dirty="0">
@@ -6935,7 +6923,7 @@
         <p:spPr>
           <a:xfrm>
             <a:off x="235069" y="336456"/>
-            <a:ext cx="6493535" cy="1843197"/>
+            <a:ext cx="8779722" cy="2006447"/>
           </a:xfrm>
           <a:prstGeom prst="rect">
             <a:avLst/>
@@ -6960,7 +6948,7 @@
               </a:spcAft>
             </a:pPr>
             <a:r>
-              <a:rPr lang="en-PH" sz="3600" kern="0" dirty="0">
+              <a:rPr lang="en-PH" sz="4000" kern="0" dirty="0">
                 <a:solidFill>
                   <a:srgbClr val="000000"/>
                 </a:solidFill>
@@ -6972,7 +6960,7 @@
               <a:t>Object </a:t>
             </a:r>
             <a:r>
-              <a:rPr lang="en-PH" sz="3600" kern="0" dirty="0">
+              <a:rPr lang="en-PH" sz="4000" kern="0" dirty="0">
                 <a:solidFill>
                   <a:srgbClr val="000000"/>
                 </a:solidFill>
@@ -6982,7 +6970,7 @@
               </a:rPr>
               <a:t>Methods</a:t>
             </a:r>
-            <a:endParaRPr lang="en-PH" sz="1600" kern="100" dirty="0">
+            <a:endParaRPr lang="en-PH" kern="100" dirty="0">
               <a:effectLst/>
               <a:latin typeface="Neutraface Text Bold"/>
               <a:ea typeface="Calibri" panose="020F0502020204030204" pitchFamily="34" charset="0"/>
@@ -7002,7 +6990,7 @@
               </a:spcAft>
             </a:pPr>
             <a:r>
-              <a:rPr lang="en-US" sz="1800" kern="0" dirty="0">
+              <a:rPr lang="en-US" sz="2000" kern="0" dirty="0">
                 <a:solidFill>
                   <a:srgbClr val="000000"/>
                 </a:solidFill>
@@ -7014,7 +7002,7 @@
               <a:t>They are </a:t>
             </a:r>
             <a:r>
-              <a:rPr lang="en-US" sz="1800" kern="0" dirty="0">
+              <a:rPr lang="en-US" sz="2000" kern="0" dirty="0">
                 <a:solidFill>
                   <a:srgbClr val="000000"/>
                 </a:solidFill>
@@ -7029,7 +7017,7 @@
               <a:t>functions</a:t>
             </a:r>
             <a:r>
-              <a:rPr lang="en-US" sz="1800" kern="0" dirty="0">
+              <a:rPr lang="en-US" sz="2000" kern="0" dirty="0">
                 <a:solidFill>
                   <a:srgbClr val="000000"/>
                 </a:solidFill>
@@ -7041,7 +7029,7 @@
               <a:t> that are associated with and defined within objects, and they allow you to perform specific operations or manipulations on the object's properties</a:t>
             </a:r>
             <a:r>
-              <a:rPr lang="en-US" kern="0" dirty="0">
+              <a:rPr lang="en-US" sz="2000" kern="0" dirty="0">
                 <a:solidFill>
                   <a:srgbClr val="000000"/>
                 </a:solidFill>
@@ -7052,7 +7040,7 @@
               <a:t> (data).</a:t>
             </a:r>
             <a:r>
-              <a:rPr lang="en-US" sz="1800" kern="0" dirty="0">
+              <a:rPr lang="en-US" sz="2000" kern="0" dirty="0">
                 <a:solidFill>
                   <a:srgbClr val="000000"/>
                 </a:solidFill>
@@ -7063,7 +7051,7 @@
               </a:rPr>
               <a:t> </a:t>
             </a:r>
-            <a:endParaRPr lang="en-PH" sz="1600" kern="100" dirty="0">
+            <a:endParaRPr lang="en-PH" sz="2000" kern="100" dirty="0">
               <a:effectLst/>
               <a:latin typeface="Neutraface Text Bold"/>
               <a:ea typeface="Calibri" panose="020F0502020204030204" pitchFamily="34" charset="0"/>
@@ -7074,10 +7062,10 @@
       </p:sp>
       <p:sp>
         <p:nvSpPr>
-          <p:cNvPr id="5" name="TextBox 4">
-            <a:extLst>
-              <a:ext uri="{FF2B5EF4-FFF2-40B4-BE49-F238E27FC236}">
-                <a16:creationId xmlns:a16="http://schemas.microsoft.com/office/drawing/2014/main" id="{9297BD08-12F7-1548-EBE0-AAE231B8299E}"/>
+          <p:cNvPr id="8" name="TextBox 7">
+            <a:extLst>
+              <a:ext uri="{FF2B5EF4-FFF2-40B4-BE49-F238E27FC236}">
+                <a16:creationId xmlns:a16="http://schemas.microsoft.com/office/drawing/2014/main" id="{7E7529A1-BAE8-0136-334C-48F0322773C9}"/>
               </a:ext>
             </a:extLst>
           </p:cNvPr>
@@ -7086,168 +7074,8 @@
         </p:nvSpPr>
         <p:spPr>
           <a:xfrm>
-            <a:off x="235069" y="2358902"/>
-            <a:ext cx="6094562" cy="1409617"/>
-          </a:xfrm>
-          <a:prstGeom prst="rect">
-            <a:avLst/>
-          </a:prstGeom>
-          <a:noFill/>
-        </p:spPr>
-        <p:txBody>
-          <a:bodyPr wrap="square">
-            <a:spAutoFit/>
-          </a:bodyPr>
-          <a:lstStyle/>
-          <a:p>
-            <a:pPr marL="0" marR="0">
-              <a:spcBef>
-                <a:spcPts val="1440"/>
-              </a:spcBef>
-              <a:spcAft>
-                <a:spcPts val="1440"/>
-              </a:spcAft>
-            </a:pPr>
-            <a:r>
-              <a:rPr lang="en-PH" sz="1600" kern="0" dirty="0">
-                <a:solidFill>
-                  <a:srgbClr val="000000"/>
-                </a:solidFill>
-                <a:effectLst/>
-                <a:latin typeface="Neutraface Text Bold"/>
-                <a:ea typeface="Times New Roman" panose="02020603050405020304" pitchFamily="18" charset="0"/>
-                <a:cs typeface="Times New Roman" panose="02020603050405020304" pitchFamily="18" charset="0"/>
-              </a:rPr>
-              <a:t>Methods are </a:t>
-            </a:r>
-            <a:r>
-              <a:rPr lang="en-PH" sz="1600" b="1" kern="0" dirty="0">
-                <a:solidFill>
-                  <a:srgbClr val="000000"/>
-                </a:solidFill>
-                <a:effectLst/>
-                <a:latin typeface="Neutraface Text Bold"/>
-                <a:ea typeface="Times New Roman" panose="02020603050405020304" pitchFamily="18" charset="0"/>
-                <a:cs typeface="Times New Roman" panose="02020603050405020304" pitchFamily="18" charset="0"/>
-              </a:rPr>
-              <a:t>actions</a:t>
-            </a:r>
-            <a:r>
-              <a:rPr lang="en-PH" sz="1600" kern="0" dirty="0">
-                <a:solidFill>
-                  <a:srgbClr val="000000"/>
-                </a:solidFill>
-                <a:effectLst/>
-                <a:latin typeface="Neutraface Text Bold"/>
-                <a:ea typeface="Times New Roman" panose="02020603050405020304" pitchFamily="18" charset="0"/>
-                <a:cs typeface="Times New Roman" panose="02020603050405020304" pitchFamily="18" charset="0"/>
-              </a:rPr>
-              <a:t> that can be performed on objects.</a:t>
-            </a:r>
-            <a:endParaRPr lang="en-PH" sz="1400" kern="100" dirty="0">
-              <a:latin typeface="Neutraface Text Bold"/>
-              <a:ea typeface="Calibri" panose="020F0502020204030204" pitchFamily="34" charset="0"/>
-              <a:cs typeface="Times New Roman" panose="02020603050405020304" pitchFamily="18" charset="0"/>
-            </a:endParaRPr>
-          </a:p>
-          <a:p>
-            <a:pPr marL="0" marR="0">
-              <a:spcBef>
-                <a:spcPts val="1440"/>
-              </a:spcBef>
-              <a:spcAft>
-                <a:spcPts val="1440"/>
-              </a:spcAft>
-            </a:pPr>
-            <a:r>
-              <a:rPr lang="en-PH" sz="1600" kern="0" dirty="0">
-                <a:solidFill>
-                  <a:srgbClr val="000000"/>
-                </a:solidFill>
-                <a:effectLst/>
-                <a:latin typeface="Neutraface Text Bold"/>
-                <a:ea typeface="Times New Roman" panose="02020603050405020304" pitchFamily="18" charset="0"/>
-                <a:cs typeface="Times New Roman" panose="02020603050405020304" pitchFamily="18" charset="0"/>
-              </a:rPr>
-              <a:t>Methods are stored in properties as </a:t>
-            </a:r>
-            <a:r>
-              <a:rPr lang="en-PH" sz="1600" b="1" kern="0" dirty="0">
-                <a:solidFill>
-                  <a:srgbClr val="000000"/>
-                </a:solidFill>
-                <a:effectLst/>
-                <a:latin typeface="Neutraface Text Bold"/>
-                <a:ea typeface="Times New Roman" panose="02020603050405020304" pitchFamily="18" charset="0"/>
-                <a:cs typeface="Times New Roman" panose="02020603050405020304" pitchFamily="18" charset="0"/>
-              </a:rPr>
-              <a:t>function definitions</a:t>
-            </a:r>
-            <a:r>
-              <a:rPr lang="en-PH" sz="1600" kern="0" dirty="0">
-                <a:solidFill>
-                  <a:srgbClr val="000000"/>
-                </a:solidFill>
-                <a:effectLst/>
-                <a:latin typeface="Neutraface Text Bold"/>
-                <a:ea typeface="Times New Roman" panose="02020603050405020304" pitchFamily="18" charset="0"/>
-                <a:cs typeface="Times New Roman" panose="02020603050405020304" pitchFamily="18" charset="0"/>
-              </a:rPr>
-              <a:t>.</a:t>
-            </a:r>
-            <a:endParaRPr lang="en-PH" sz="1400" kern="100" dirty="0">
-              <a:effectLst/>
-              <a:latin typeface="Neutraface Text Bold"/>
-              <a:ea typeface="Calibri" panose="020F0502020204030204" pitchFamily="34" charset="0"/>
-              <a:cs typeface="Times New Roman" panose="02020603050405020304" pitchFamily="18" charset="0"/>
-            </a:endParaRPr>
-          </a:p>
-          <a:p>
-            <a:pPr marL="0" marR="0">
-              <a:spcBef>
-                <a:spcPts val="0"/>
-              </a:spcBef>
-              <a:spcAft>
-                <a:spcPts val="800"/>
-              </a:spcAft>
-            </a:pPr>
-            <a:r>
-              <a:rPr lang="en-PH" sz="1600" kern="0" dirty="0">
-                <a:solidFill>
-                  <a:srgbClr val="000000"/>
-                </a:solidFill>
-                <a:effectLst/>
-                <a:latin typeface="Neutraface Text Bold"/>
-                <a:ea typeface="Times New Roman" panose="02020603050405020304" pitchFamily="18" charset="0"/>
-                <a:cs typeface="Times New Roman" panose="02020603050405020304" pitchFamily="18" charset="0"/>
-              </a:rPr>
-              <a:t>A method is a function stored as a property.</a:t>
-            </a:r>
-            <a:endParaRPr lang="en-PH" sz="1400" kern="100" dirty="0">
-              <a:effectLst/>
-              <a:latin typeface="Neutraface Text Bold"/>
-              <a:ea typeface="Calibri" panose="020F0502020204030204" pitchFamily="34" charset="0"/>
-              <a:cs typeface="Times New Roman" panose="02020603050405020304" pitchFamily="18" charset="0"/>
-            </a:endParaRPr>
-          </a:p>
-        </p:txBody>
-      </p:sp>
-      <p:sp>
-        <p:nvSpPr>
-          <p:cNvPr id="8" name="TextBox 7">
-            <a:extLst>
-              <a:ext uri="{FF2B5EF4-FFF2-40B4-BE49-F238E27FC236}">
-                <a16:creationId xmlns:a16="http://schemas.microsoft.com/office/drawing/2014/main" id="{7E7529A1-BAE8-0136-334C-48F0322773C9}"/>
-              </a:ext>
-            </a:extLst>
-          </p:cNvPr>
-          <p:cNvSpPr txBox="1"/>
-          <p:nvPr/>
-        </p:nvSpPr>
-        <p:spPr>
-          <a:xfrm>
-            <a:off x="235069" y="3947768"/>
-            <a:ext cx="6094562" cy="2029466"/>
+            <a:off x="235069" y="2716144"/>
+            <a:ext cx="7567148" cy="1798954"/>
           </a:xfrm>
           <a:prstGeom prst="rect">
             <a:avLst/>

--- a/PPT REPORT.pptx
+++ b/PPT REPORT.pptx
@@ -3580,7 +3580,7 @@
           <p:nvPr>
             <p:extLst>
               <p:ext uri="{D42A27DB-BD31-4B8C-83A1-F6EECF244321}">
-                <p14:modId xmlns:p14="http://schemas.microsoft.com/office/powerpoint/2010/main" val="323375151"/>
+                <p14:modId xmlns:p14="http://schemas.microsoft.com/office/powerpoint/2010/main" val="3027461827"/>
               </p:ext>
             </p:extLst>
           </p:nvPr>
@@ -3754,44 +3754,23 @@
                           <a:effectLst/>
                         </a:rPr>
                       </a:br>
-                      <a:br>
-                        <a:rPr lang="en-US" dirty="0">
-                          <a:effectLst/>
-                        </a:rPr>
-                      </a:br>
+                      <a:endParaRPr lang="en-US" dirty="0">
+                        <a:effectLst/>
+                      </a:endParaRPr>
+                    </a:p>
+                    <a:p>
+                      <a:pPr algn="l" fontAlgn="t"/>
                       <a:r>
                         <a:rPr lang="en-US" dirty="0" err="1">
                           <a:effectLst/>
                         </a:rPr>
-                        <a:t>systemUnit.ram</a:t>
+                        <a:t>phone.color</a:t>
                       </a:r>
                       <a:r>
                         <a:rPr lang="en-US" dirty="0">
                           <a:effectLst/>
                         </a:rPr>
-                        <a:t> = 32gb DDR5</a:t>
-                      </a:r>
-                      <a:br>
-                        <a:rPr lang="en-US" dirty="0">
-                          <a:effectLst/>
-                        </a:rPr>
-                      </a:br>
-                      <a:br>
-                        <a:rPr lang="en-US" dirty="0">
-                          <a:effectLst/>
-                        </a:rPr>
-                      </a:br>
-                      <a:r>
-                        <a:rPr lang="en-US" dirty="0" err="1">
-                          <a:effectLst/>
-                        </a:rPr>
-                        <a:t>systemUnit.caseColor</a:t>
-                      </a:r>
-                      <a:r>
-                        <a:rPr lang="en-US" dirty="0">
-                          <a:effectLst/>
-                        </a:rPr>
-                        <a:t> = white</a:t>
+                        <a:t> = gold or yellow</a:t>
                       </a:r>
                     </a:p>
                   </a:txBody>
@@ -3861,7 +3840,7 @@
                         <a:rPr lang="en-US" dirty="0" err="1">
                           <a:effectLst/>
                         </a:rPr>
-                        <a:t>systemUnit.on</a:t>
+                        <a:t>phone.on</a:t>
                       </a:r>
                       <a:r>
                         <a:rPr lang="en-US" dirty="0">
@@ -3883,7 +3862,7 @@
                         <a:rPr lang="en-US" dirty="0" err="1">
                           <a:effectLst/>
                         </a:rPr>
-                        <a:t>systemUnit.off</a:t>
+                        <a:t>phone.off</a:t>
                       </a:r>
                       <a:r>
                         <a:rPr lang="en-US" dirty="0">
@@ -4831,95 +4810,43 @@
                 </a:solidFill>
                 <a:latin typeface="Söhne Mono"/>
               </a:rPr>
-              <a:t>const</a:t>
-            </a:r>
-            <a:r>
-              <a:rPr lang="en-US" b="0" i="0" dirty="0">
-                <a:solidFill>
-                  <a:srgbClr val="FFFFFF"/>
-                </a:solidFill>
-                <a:effectLst/>
+              <a:t>const students = [</a:t>
+            </a:r>
+          </a:p>
+          <a:p>
+            <a:pPr lvl="1"/>
+            <a:r>
+              <a:rPr lang="en-US" dirty="0">
+                <a:solidFill>
+                  <a:srgbClr val="2E95D3"/>
+                </a:solidFill>
                 <a:latin typeface="Söhne Mono"/>
               </a:rPr>
-              <a:t> students = </a:t>
-            </a:r>
+              <a:t> { name: "Gracey" },</a:t>
+            </a:r>
+          </a:p>
+          <a:p>
+            <a:pPr lvl="1"/>
             <a:r>
               <a:rPr lang="en-US" dirty="0">
                 <a:solidFill>
-                  <a:srgbClr val="FFFFFF"/>
+                  <a:srgbClr val="2E95D3"/>
                 </a:solidFill>
                 <a:latin typeface="Söhne Mono"/>
               </a:rPr>
-              <a:t>[</a:t>
-            </a:r>
-            <a:r>
-              <a:rPr lang="en-US" b="0" i="0" dirty="0">
-                <a:solidFill>
-                  <a:srgbClr val="FFFFFF"/>
-                </a:solidFill>
-                <a:effectLst/>
+              <a:t> { name: "Gaeus" },</a:t>
+            </a:r>
+          </a:p>
+          <a:p>
+            <a:r>
+              <a:rPr lang="en-US" dirty="0">
+                <a:solidFill>
+                  <a:srgbClr val="2E95D3"/>
+                </a:solidFill>
                 <a:latin typeface="Söhne Mono"/>
               </a:rPr>
-              <a:t> </a:t>
-            </a:r>
-          </a:p>
-          <a:p>
-            <a:pPr lvl="1"/>
-            <a:r>
-              <a:rPr lang="en-US" b="0" i="0" dirty="0">
-                <a:solidFill>
-                  <a:srgbClr val="DF3079"/>
-                </a:solidFill>
-                <a:effectLst/>
-                <a:latin typeface="Söhne Mono"/>
-              </a:rPr>
-              <a:t>{name: “Gracey”},</a:t>
-            </a:r>
-            <a:endParaRPr lang="en-US" dirty="0">
-              <a:solidFill>
-                <a:srgbClr val="FFFFFF"/>
-              </a:solidFill>
-              <a:latin typeface="Söhne Mono"/>
-            </a:endParaRPr>
-          </a:p>
-          <a:p>
-            <a:pPr lvl="1"/>
-            <a:r>
-              <a:rPr lang="en-US" b="0" i="0" dirty="0">
-                <a:solidFill>
-                  <a:srgbClr val="DF3079"/>
-                </a:solidFill>
-                <a:effectLst/>
-                <a:latin typeface="Söhne Mono"/>
-              </a:rPr>
-              <a:t>{name: “Gaeus”},</a:t>
-            </a:r>
-            <a:endParaRPr lang="en-US" b="0" i="0" dirty="0">
-              <a:solidFill>
-                <a:srgbClr val="FFFFFF"/>
-              </a:solidFill>
-              <a:effectLst/>
-              <a:latin typeface="Söhne Mono"/>
-            </a:endParaRPr>
-          </a:p>
-          <a:p>
-            <a:pPr lvl="1"/>
-            <a:r>
-              <a:rPr lang="en-US" dirty="0">
-                <a:solidFill>
-                  <a:srgbClr val="FFFFFF"/>
-                </a:solidFill>
-                <a:latin typeface="Söhne Mono"/>
-              </a:rPr>
               <a:t>];</a:t>
             </a:r>
-            <a:endParaRPr lang="en-US" b="0" i="0" dirty="0">
-              <a:solidFill>
-                <a:srgbClr val="DF3079"/>
-              </a:solidFill>
-              <a:effectLst/>
-              <a:latin typeface="Söhne Mono"/>
-            </a:endParaRPr>
           </a:p>
         </p:txBody>
       </p:sp>

--- a/PPT REPORT.pptx
+++ b/PPT REPORT.pptx
@@ -7001,7 +7001,7 @@
         </p:nvSpPr>
         <p:spPr>
           <a:xfrm>
-            <a:off x="235069" y="2716144"/>
+            <a:off x="235069" y="4008231"/>
             <a:ext cx="7567148" cy="1798954"/>
           </a:xfrm>
           <a:prstGeom prst="rect">
@@ -7195,6 +7195,74 @@
               <a:ea typeface="Calibri" panose="020F0502020204030204" pitchFamily="34" charset="0"/>
               <a:cs typeface="Times New Roman" panose="02020603050405020304" pitchFamily="18" charset="0"/>
             </a:endParaRPr>
+          </a:p>
+        </p:txBody>
+      </p:sp>
+      <p:sp>
+        <p:nvSpPr>
+          <p:cNvPr id="4" name="TextBox 3">
+            <a:extLst>
+              <a:ext uri="{FF2B5EF4-FFF2-40B4-BE49-F238E27FC236}">
+                <a16:creationId xmlns:a16="http://schemas.microsoft.com/office/drawing/2014/main" id="{86B69931-3EA5-83E3-D45F-0083A9CDA187}"/>
+              </a:ext>
+            </a:extLst>
+          </p:cNvPr>
+          <p:cNvSpPr txBox="1"/>
+          <p:nvPr/>
+        </p:nvSpPr>
+        <p:spPr>
+          <a:xfrm>
+            <a:off x="345385" y="2713902"/>
+            <a:ext cx="6097656" cy="923330"/>
+          </a:xfrm>
+          <a:prstGeom prst="rect">
+            <a:avLst/>
+          </a:prstGeom>
+          <a:noFill/>
+        </p:spPr>
+        <p:txBody>
+          <a:bodyPr wrap="square">
+            <a:spAutoFit/>
+          </a:bodyPr>
+          <a:lstStyle/>
+          <a:p>
+            <a:r>
+              <a:rPr lang="en-PH" dirty="0"/>
+              <a:t> </a:t>
+            </a:r>
+            <a:r>
+              <a:rPr lang="en-PH" dirty="0" err="1"/>
+              <a:t>propertyName</a:t>
+            </a:r>
+            <a:r>
+              <a:rPr lang="en-PH" dirty="0"/>
+              <a:t>: function() {</a:t>
+            </a:r>
+          </a:p>
+          <a:p>
+            <a:r>
+              <a:rPr lang="en-PH" dirty="0"/>
+              <a:t>          </a:t>
+            </a:r>
+            <a:r>
+              <a:rPr lang="en-PH"/>
+              <a:t>return (“action </a:t>
+            </a:r>
+            <a:r>
+              <a:rPr lang="en-PH" dirty="0"/>
+              <a:t>you want to do </a:t>
+            </a:r>
+            <a:r>
+              <a:rPr lang="en-PH"/>
+              <a:t>with properties”)</a:t>
+            </a:r>
+            <a:endParaRPr lang="en-PH" dirty="0"/>
+          </a:p>
+          <a:p>
+            <a:r>
+              <a:rPr lang="en-PH" dirty="0"/>
+              <a:t>        }</a:t>
+            </a:r>
           </a:p>
         </p:txBody>
       </p:sp>
